--- a/hw3/专题报告-语法分析.pptx
+++ b/hw3/专题报告-语法分析.pptx
@@ -1,33 +1,33 @@
 
 <file path=ppt/presentation.xml><?xml version="1.0" encoding="utf-8"?>
-<p:presentation xmlns:a="http://schemas.openxmlformats.org/drawingml/2006/main" xmlns:r="http://schemas.openxmlformats.org/officeDocument/2006/relationships" xmlns:p="http://schemas.openxmlformats.org/presentationml/2006/main" saveSubsetFonts="1">
+<p:presentation xmlns:a="http://schemas.openxmlformats.org/drawingml/2006/main" xmlns:r="http://schemas.openxmlformats.org/officeDocument/2006/relationships" xmlns:p="http://schemas.openxmlformats.org/presentationml/2006/main">
   <p:sldMasterIdLst>
     <p:sldMasterId id="2147483648" r:id="rId1"/>
   </p:sldMasterIdLst>
   <p:notesMasterIdLst>
-    <p:notesMasterId r:id="rId17"/>
+    <p:notesMasterId r:id="rId4"/>
   </p:notesMasterIdLst>
   <p:sldIdLst>
-    <p:sldId id="320" r:id="rId2"/>
-    <p:sldId id="464" r:id="rId3"/>
-    <p:sldId id="465" r:id="rId4"/>
-    <p:sldId id="468" r:id="rId5"/>
-    <p:sldId id="469" r:id="rId6"/>
-    <p:sldId id="470" r:id="rId7"/>
-    <p:sldId id="471" r:id="rId8"/>
-    <p:sldId id="472" r:id="rId9"/>
-    <p:sldId id="473" r:id="rId10"/>
-    <p:sldId id="474" r:id="rId11"/>
-    <p:sldId id="475" r:id="rId12"/>
-    <p:sldId id="476" r:id="rId13"/>
-    <p:sldId id="477" r:id="rId14"/>
-    <p:sldId id="478" r:id="rId15"/>
-    <p:sldId id="321" r:id="rId16"/>
+    <p:sldId id="320" r:id="rId3"/>
+    <p:sldId id="464" r:id="rId5"/>
+    <p:sldId id="465" r:id="rId6"/>
+    <p:sldId id="468" r:id="rId7"/>
+    <p:sldId id="469" r:id="rId8"/>
+    <p:sldId id="470" r:id="rId9"/>
+    <p:sldId id="471" r:id="rId10"/>
+    <p:sldId id="472" r:id="rId11"/>
+    <p:sldId id="473" r:id="rId12"/>
+    <p:sldId id="474" r:id="rId13"/>
+    <p:sldId id="475" r:id="rId14"/>
+    <p:sldId id="476" r:id="rId15"/>
+    <p:sldId id="477" r:id="rId16"/>
+    <p:sldId id="478" r:id="rId17"/>
+    <p:sldId id="321" r:id="rId18"/>
   </p:sldIdLst>
   <p:sldSz cx="12192000" cy="6858000"/>
   <p:notesSz cx="6858000" cy="9144000"/>
   <p:custDataLst>
-    <p:tags r:id="rId18"/>
+    <p:tags r:id="rId22"/>
   </p:custDataLst>
   <p:defaultTextStyle>
     <a:defPPr>
@@ -127,12 +127,12 @@
   <p:extLst>
     <p:ext uri="{EFAFB233-063F-42B5-8137-9DF3F51BA10A}">
       <p15:sldGuideLst xmlns:p15="http://schemas.microsoft.com/office/powerpoint/2012/main">
-        <p15:guide id="1" orient="horz" pos="2160">
+        <p15:guide id="1" orient="horz" pos="2160" userDrawn="1">
           <p15:clr>
             <a:srgbClr val="A4A3A4"/>
           </p15:clr>
         </p15:guide>
-        <p15:guide id="2" pos="3840">
+        <p15:guide id="2" pos="3840" userDrawn="1">
           <p15:clr>
             <a:srgbClr val="A4A3A4"/>
           </p15:clr>
@@ -225,7 +225,6 @@
           <a:p>
             <a:fld id="{A128CF60-13D2-4829-93DF-B5F5E133989B}" type="datetimeFigureOut">
               <a:rPr lang="zh-CN" altLang="en-US" smtClean="0"/>
-              <a:t>2023/9/24</a:t>
             </a:fld>
             <a:endParaRPr lang="zh-CN" altLang="en-US"/>
           </a:p>
@@ -292,6 +291,7 @@
               <a:rPr lang="zh-CN" altLang="en-US"/>
               <a:t>编辑母版文本样式</a:t>
             </a:r>
+            <a:endParaRPr lang="zh-CN" altLang="en-US"/>
           </a:p>
           <a:p>
             <a:pPr lvl="1"/>
@@ -299,6 +299,7 @@
               <a:rPr lang="zh-CN" altLang="en-US"/>
               <a:t>第二级</a:t>
             </a:r>
+            <a:endParaRPr lang="zh-CN" altLang="en-US"/>
           </a:p>
           <a:p>
             <a:pPr lvl="2"/>
@@ -306,6 +307,7 @@
               <a:rPr lang="zh-CN" altLang="en-US"/>
               <a:t>第三级</a:t>
             </a:r>
+            <a:endParaRPr lang="zh-CN" altLang="en-US"/>
           </a:p>
           <a:p>
             <a:pPr lvl="3"/>
@@ -313,6 +315,7 @@
               <a:rPr lang="zh-CN" altLang="en-US"/>
               <a:t>第四级</a:t>
             </a:r>
+            <a:endParaRPr lang="zh-CN" altLang="en-US"/>
           </a:p>
           <a:p>
             <a:pPr lvl="4"/>
@@ -320,6 +323,7 @@
               <a:rPr lang="zh-CN" altLang="en-US"/>
               <a:t>第五级</a:t>
             </a:r>
+            <a:endParaRPr lang="zh-CN" altLang="en-US"/>
           </a:p>
         </p:txBody>
       </p:sp>
@@ -383,18 +387,12 @@
           <a:p>
             <a:fld id="{4F576198-4CF3-446F-B204-6B1848582D61}" type="slidenum">
               <a:rPr lang="zh-CN" altLang="en-US" smtClean="0"/>
-              <a:t>‹#›</a:t>
             </a:fld>
             <a:endParaRPr lang="zh-CN" altLang="en-US"/>
           </a:p>
         </p:txBody>
       </p:sp>
     </p:spTree>
-    <p:extLst>
-      <p:ext uri="{BB962C8B-B14F-4D97-AF65-F5344CB8AC3E}">
-        <p14:creationId xmlns:p14="http://schemas.microsoft.com/office/powerpoint/2010/main" val="3262625501"/>
-      </p:ext>
-    </p:extLst>
   </p:cSld>
   <p:clrMap bg1="lt1" tx1="dk1" bg2="lt2" tx2="dk2" accent1="accent1" accent2="accent2" accent3="accent3" accent4="accent4" accent5="accent5" accent6="accent6" hlink="hlink" folHlink="folHlink"/>
   <p:notesStyle>
@@ -557,18 +555,12 @@
           <a:p>
             <a:fld id="{4F576198-4CF3-446F-B204-6B1848582D61}" type="slidenum">
               <a:rPr lang="zh-CN" altLang="en-US" smtClean="0"/>
-              <a:t>1</a:t>
             </a:fld>
             <a:endParaRPr lang="zh-CN" altLang="en-US"/>
           </a:p>
         </p:txBody>
       </p:sp>
     </p:spTree>
-    <p:extLst>
-      <p:ext uri="{BB962C8B-B14F-4D97-AF65-F5344CB8AC3E}">
-        <p14:creationId xmlns:p14="http://schemas.microsoft.com/office/powerpoint/2010/main" val="2169948562"/>
-      </p:ext>
-    </p:extLst>
   </p:cSld>
   <p:clrMapOvr>
     <a:masterClrMapping/>
@@ -641,18 +633,12 @@
           <a:p>
             <a:fld id="{4F576198-4CF3-446F-B204-6B1848582D61}" type="slidenum">
               <a:rPr lang="zh-CN" altLang="en-US" smtClean="0"/>
-              <a:t>10</a:t>
             </a:fld>
             <a:endParaRPr lang="zh-CN" altLang="en-US"/>
           </a:p>
         </p:txBody>
       </p:sp>
     </p:spTree>
-    <p:extLst>
-      <p:ext uri="{BB962C8B-B14F-4D97-AF65-F5344CB8AC3E}">
-        <p14:creationId xmlns:p14="http://schemas.microsoft.com/office/powerpoint/2010/main" val="3142389463"/>
-      </p:ext>
-    </p:extLst>
   </p:cSld>
   <p:clrMapOvr>
     <a:masterClrMapping/>
@@ -725,18 +711,12 @@
           <a:p>
             <a:fld id="{4F576198-4CF3-446F-B204-6B1848582D61}" type="slidenum">
               <a:rPr lang="zh-CN" altLang="en-US" smtClean="0"/>
-              <a:t>11</a:t>
             </a:fld>
             <a:endParaRPr lang="zh-CN" altLang="en-US"/>
           </a:p>
         </p:txBody>
       </p:sp>
     </p:spTree>
-    <p:extLst>
-      <p:ext uri="{BB962C8B-B14F-4D97-AF65-F5344CB8AC3E}">
-        <p14:creationId xmlns:p14="http://schemas.microsoft.com/office/powerpoint/2010/main" val="121027259"/>
-      </p:ext>
-    </p:extLst>
   </p:cSld>
   <p:clrMapOvr>
     <a:masterClrMapping/>
@@ -809,18 +789,12 @@
           <a:p>
             <a:fld id="{4F576198-4CF3-446F-B204-6B1848582D61}" type="slidenum">
               <a:rPr lang="zh-CN" altLang="en-US" smtClean="0"/>
-              <a:t>12</a:t>
             </a:fld>
             <a:endParaRPr lang="zh-CN" altLang="en-US"/>
           </a:p>
         </p:txBody>
       </p:sp>
     </p:spTree>
-    <p:extLst>
-      <p:ext uri="{BB962C8B-B14F-4D97-AF65-F5344CB8AC3E}">
-        <p14:creationId xmlns:p14="http://schemas.microsoft.com/office/powerpoint/2010/main" val="1377460158"/>
-      </p:ext>
-    </p:extLst>
   </p:cSld>
   <p:clrMapOvr>
     <a:masterClrMapping/>
@@ -893,18 +867,12 @@
           <a:p>
             <a:fld id="{4F576198-4CF3-446F-B204-6B1848582D61}" type="slidenum">
               <a:rPr lang="zh-CN" altLang="en-US" smtClean="0"/>
-              <a:t>13</a:t>
             </a:fld>
             <a:endParaRPr lang="zh-CN" altLang="en-US"/>
           </a:p>
         </p:txBody>
       </p:sp>
     </p:spTree>
-    <p:extLst>
-      <p:ext uri="{BB962C8B-B14F-4D97-AF65-F5344CB8AC3E}">
-        <p14:creationId xmlns:p14="http://schemas.microsoft.com/office/powerpoint/2010/main" val="666071783"/>
-      </p:ext>
-    </p:extLst>
   </p:cSld>
   <p:clrMapOvr>
     <a:masterClrMapping/>
@@ -977,18 +945,12 @@
           <a:p>
             <a:fld id="{4F576198-4CF3-446F-B204-6B1848582D61}" type="slidenum">
               <a:rPr lang="zh-CN" altLang="en-US" smtClean="0"/>
-              <a:t>14</a:t>
             </a:fld>
             <a:endParaRPr lang="zh-CN" altLang="en-US"/>
           </a:p>
         </p:txBody>
       </p:sp>
     </p:spTree>
-    <p:extLst>
-      <p:ext uri="{BB962C8B-B14F-4D97-AF65-F5344CB8AC3E}">
-        <p14:creationId xmlns:p14="http://schemas.microsoft.com/office/powerpoint/2010/main" val="1323991249"/>
-      </p:ext>
-    </p:extLst>
   </p:cSld>
   <p:clrMapOvr>
     <a:masterClrMapping/>
@@ -1061,18 +1023,12 @@
           <a:p>
             <a:fld id="{4F576198-4CF3-446F-B204-6B1848582D61}" type="slidenum">
               <a:rPr lang="zh-CN" altLang="en-US" smtClean="0"/>
-              <a:t>15</a:t>
             </a:fld>
             <a:endParaRPr lang="zh-CN" altLang="en-US"/>
           </a:p>
         </p:txBody>
       </p:sp>
     </p:spTree>
-    <p:extLst>
-      <p:ext uri="{BB962C8B-B14F-4D97-AF65-F5344CB8AC3E}">
-        <p14:creationId xmlns:p14="http://schemas.microsoft.com/office/powerpoint/2010/main" val="130277745"/>
-      </p:ext>
-    </p:extLst>
   </p:cSld>
   <p:clrMapOvr>
     <a:masterClrMapping/>
@@ -1145,18 +1101,12 @@
           <a:p>
             <a:fld id="{4F576198-4CF3-446F-B204-6B1848582D61}" type="slidenum">
               <a:rPr lang="zh-CN" altLang="en-US" smtClean="0"/>
-              <a:t>2</a:t>
             </a:fld>
             <a:endParaRPr lang="zh-CN" altLang="en-US"/>
           </a:p>
         </p:txBody>
       </p:sp>
     </p:spTree>
-    <p:extLst>
-      <p:ext uri="{BB962C8B-B14F-4D97-AF65-F5344CB8AC3E}">
-        <p14:creationId xmlns:p14="http://schemas.microsoft.com/office/powerpoint/2010/main" val="2213441704"/>
-      </p:ext>
-    </p:extLst>
   </p:cSld>
   <p:clrMapOvr>
     <a:masterClrMapping/>
@@ -1229,18 +1179,12 @@
           <a:p>
             <a:fld id="{4F576198-4CF3-446F-B204-6B1848582D61}" type="slidenum">
               <a:rPr lang="zh-CN" altLang="en-US" smtClean="0"/>
-              <a:t>3</a:t>
             </a:fld>
             <a:endParaRPr lang="zh-CN" altLang="en-US"/>
           </a:p>
         </p:txBody>
       </p:sp>
     </p:spTree>
-    <p:extLst>
-      <p:ext uri="{BB962C8B-B14F-4D97-AF65-F5344CB8AC3E}">
-        <p14:creationId xmlns:p14="http://schemas.microsoft.com/office/powerpoint/2010/main" val="2157447783"/>
-      </p:ext>
-    </p:extLst>
   </p:cSld>
   <p:clrMapOvr>
     <a:masterClrMapping/>
@@ -1313,18 +1257,12 @@
           <a:p>
             <a:fld id="{4F576198-4CF3-446F-B204-6B1848582D61}" type="slidenum">
               <a:rPr lang="zh-CN" altLang="en-US" smtClean="0"/>
-              <a:t>4</a:t>
             </a:fld>
             <a:endParaRPr lang="zh-CN" altLang="en-US"/>
           </a:p>
         </p:txBody>
       </p:sp>
     </p:spTree>
-    <p:extLst>
-      <p:ext uri="{BB962C8B-B14F-4D97-AF65-F5344CB8AC3E}">
-        <p14:creationId xmlns:p14="http://schemas.microsoft.com/office/powerpoint/2010/main" val="1871727888"/>
-      </p:ext>
-    </p:extLst>
   </p:cSld>
   <p:clrMapOvr>
     <a:masterClrMapping/>
@@ -1397,18 +1335,12 @@
           <a:p>
             <a:fld id="{4F576198-4CF3-446F-B204-6B1848582D61}" type="slidenum">
               <a:rPr lang="zh-CN" altLang="en-US" smtClean="0"/>
-              <a:t>5</a:t>
             </a:fld>
             <a:endParaRPr lang="zh-CN" altLang="en-US"/>
           </a:p>
         </p:txBody>
       </p:sp>
     </p:spTree>
-    <p:extLst>
-      <p:ext uri="{BB962C8B-B14F-4D97-AF65-F5344CB8AC3E}">
-        <p14:creationId xmlns:p14="http://schemas.microsoft.com/office/powerpoint/2010/main" val="817442711"/>
-      </p:ext>
-    </p:extLst>
   </p:cSld>
   <p:clrMapOvr>
     <a:masterClrMapping/>
@@ -1481,18 +1413,12 @@
           <a:p>
             <a:fld id="{4F576198-4CF3-446F-B204-6B1848582D61}" type="slidenum">
               <a:rPr lang="zh-CN" altLang="en-US" smtClean="0"/>
-              <a:t>6</a:t>
             </a:fld>
             <a:endParaRPr lang="zh-CN" altLang="en-US"/>
           </a:p>
         </p:txBody>
       </p:sp>
     </p:spTree>
-    <p:extLst>
-      <p:ext uri="{BB962C8B-B14F-4D97-AF65-F5344CB8AC3E}">
-        <p14:creationId xmlns:p14="http://schemas.microsoft.com/office/powerpoint/2010/main" val="697265406"/>
-      </p:ext>
-    </p:extLst>
   </p:cSld>
   <p:clrMapOvr>
     <a:masterClrMapping/>
@@ -1565,18 +1491,12 @@
           <a:p>
             <a:fld id="{4F576198-4CF3-446F-B204-6B1848582D61}" type="slidenum">
               <a:rPr lang="zh-CN" altLang="en-US" smtClean="0"/>
-              <a:t>7</a:t>
             </a:fld>
             <a:endParaRPr lang="zh-CN" altLang="en-US"/>
           </a:p>
         </p:txBody>
       </p:sp>
     </p:spTree>
-    <p:extLst>
-      <p:ext uri="{BB962C8B-B14F-4D97-AF65-F5344CB8AC3E}">
-        <p14:creationId xmlns:p14="http://schemas.microsoft.com/office/powerpoint/2010/main" val="596632855"/>
-      </p:ext>
-    </p:extLst>
   </p:cSld>
   <p:clrMapOvr>
     <a:masterClrMapping/>
@@ -1649,18 +1569,12 @@
           <a:p>
             <a:fld id="{4F576198-4CF3-446F-B204-6B1848582D61}" type="slidenum">
               <a:rPr lang="zh-CN" altLang="en-US" smtClean="0"/>
-              <a:t>8</a:t>
             </a:fld>
             <a:endParaRPr lang="zh-CN" altLang="en-US"/>
           </a:p>
         </p:txBody>
       </p:sp>
     </p:spTree>
-    <p:extLst>
-      <p:ext uri="{BB962C8B-B14F-4D97-AF65-F5344CB8AC3E}">
-        <p14:creationId xmlns:p14="http://schemas.microsoft.com/office/powerpoint/2010/main" val="2904476055"/>
-      </p:ext>
-    </p:extLst>
   </p:cSld>
   <p:clrMapOvr>
     <a:masterClrMapping/>
@@ -1733,18 +1647,12 @@
           <a:p>
             <a:fld id="{4F576198-4CF3-446F-B204-6B1848582D61}" type="slidenum">
               <a:rPr lang="zh-CN" altLang="en-US" smtClean="0"/>
-              <a:t>9</a:t>
             </a:fld>
             <a:endParaRPr lang="zh-CN" altLang="en-US"/>
           </a:p>
         </p:txBody>
       </p:sp>
     </p:spTree>
-    <p:extLst>
-      <p:ext uri="{BB962C8B-B14F-4D97-AF65-F5344CB8AC3E}">
-        <p14:creationId xmlns:p14="http://schemas.microsoft.com/office/powerpoint/2010/main" val="266939132"/>
-      </p:ext>
-    </p:extLst>
   </p:cSld>
   <p:clrMapOvr>
     <a:masterClrMapping/>
@@ -1797,6 +1705,7 @@
               <a:rPr lang="zh-CN" altLang="en-US"/>
               <a:t>单击此处编辑母版标题样式</a:t>
             </a:r>
+            <a:endParaRPr lang="zh-CN" altLang="en-US"/>
           </a:p>
         </p:txBody>
       </p:sp>
@@ -1807,7 +1716,7 @@
             <a:spLocks noGrp="1"/>
           </p:cNvSpPr>
           <p:nvPr>
-            <p:ph type="subTitle" idx="1"/>
+            <p:ph type="subTitle" idx="1" hasCustomPrompt="1"/>
           </p:nvPr>
         </p:nvSpPr>
         <p:spPr>
@@ -1861,6 +1770,7 @@
               <a:rPr lang="zh-CN" altLang="en-US"/>
               <a:t>单击以编辑母版副标题样式</a:t>
             </a:r>
+            <a:endParaRPr lang="zh-CN" altLang="en-US"/>
           </a:p>
         </p:txBody>
       </p:sp>
@@ -1881,7 +1791,6 @@
           <a:p>
             <a:fld id="{A57F24E0-930B-4A04-9F56-81E5D8061857}" type="datetimeFigureOut">
               <a:rPr lang="zh-CN" altLang="en-US" smtClean="0"/>
-              <a:t>2023/9/24</a:t>
             </a:fld>
             <a:endParaRPr lang="zh-CN" altLang="en-US"/>
           </a:p>
@@ -1923,18 +1832,12 @@
           <a:p>
             <a:fld id="{B9E38970-8790-42ED-BDAA-B4F075DE2BCF}" type="slidenum">
               <a:rPr lang="zh-CN" altLang="en-US" smtClean="0"/>
-              <a:t>‹#›</a:t>
             </a:fld>
             <a:endParaRPr lang="zh-CN" altLang="en-US"/>
           </a:p>
         </p:txBody>
       </p:sp>
     </p:spTree>
-    <p:extLst>
-      <p:ext uri="{BB962C8B-B14F-4D97-AF65-F5344CB8AC3E}">
-        <p14:creationId xmlns:p14="http://schemas.microsoft.com/office/powerpoint/2010/main" val="2491011017"/>
-      </p:ext>
-    </p:extLst>
   </p:cSld>
   <p:clrMapOvr>
     <a:masterClrMapping/>
@@ -1978,6 +1881,7 @@
               <a:rPr lang="zh-CN" altLang="en-US"/>
               <a:t>单击此处编辑母版标题样式</a:t>
             </a:r>
+            <a:endParaRPr lang="zh-CN" altLang="en-US"/>
           </a:p>
         </p:txBody>
       </p:sp>
@@ -1988,7 +1892,7 @@
             <a:spLocks noGrp="1"/>
           </p:cNvSpPr>
           <p:nvPr>
-            <p:ph type="body" orient="vert" idx="1"/>
+            <p:ph type="body" orient="vert" idx="1" hasCustomPrompt="1"/>
           </p:nvPr>
         </p:nvSpPr>
         <p:spPr/>
@@ -2001,6 +1905,7 @@
               <a:rPr lang="zh-CN" altLang="en-US"/>
               <a:t>编辑母版文本样式</a:t>
             </a:r>
+            <a:endParaRPr lang="zh-CN" altLang="en-US"/>
           </a:p>
           <a:p>
             <a:pPr lvl="1"/>
@@ -2008,6 +1913,7 @@
               <a:rPr lang="zh-CN" altLang="en-US"/>
               <a:t>第二级</a:t>
             </a:r>
+            <a:endParaRPr lang="zh-CN" altLang="en-US"/>
           </a:p>
           <a:p>
             <a:pPr lvl="2"/>
@@ -2015,6 +1921,7 @@
               <a:rPr lang="zh-CN" altLang="en-US"/>
               <a:t>第三级</a:t>
             </a:r>
+            <a:endParaRPr lang="zh-CN" altLang="en-US"/>
           </a:p>
           <a:p>
             <a:pPr lvl="3"/>
@@ -2022,6 +1929,7 @@
               <a:rPr lang="zh-CN" altLang="en-US"/>
               <a:t>第四级</a:t>
             </a:r>
+            <a:endParaRPr lang="zh-CN" altLang="en-US"/>
           </a:p>
           <a:p>
             <a:pPr lvl="4"/>
@@ -2029,6 +1937,7 @@
               <a:rPr lang="zh-CN" altLang="en-US"/>
               <a:t>第五级</a:t>
             </a:r>
+            <a:endParaRPr lang="zh-CN" altLang="en-US"/>
           </a:p>
         </p:txBody>
       </p:sp>
@@ -2049,7 +1958,6 @@
           <a:p>
             <a:fld id="{A57F24E0-930B-4A04-9F56-81E5D8061857}" type="datetimeFigureOut">
               <a:rPr lang="zh-CN" altLang="en-US" smtClean="0"/>
-              <a:t>2023/9/24</a:t>
             </a:fld>
             <a:endParaRPr lang="zh-CN" altLang="en-US"/>
           </a:p>
@@ -2091,18 +1999,12 @@
           <a:p>
             <a:fld id="{B9E38970-8790-42ED-BDAA-B4F075DE2BCF}" type="slidenum">
               <a:rPr lang="zh-CN" altLang="en-US" smtClean="0"/>
-              <a:t>‹#›</a:t>
             </a:fld>
             <a:endParaRPr lang="zh-CN" altLang="en-US"/>
           </a:p>
         </p:txBody>
       </p:sp>
     </p:spTree>
-    <p:extLst>
-      <p:ext uri="{BB962C8B-B14F-4D97-AF65-F5344CB8AC3E}">
-        <p14:creationId xmlns:p14="http://schemas.microsoft.com/office/powerpoint/2010/main" val="132417868"/>
-      </p:ext>
-    </p:extLst>
   </p:cSld>
   <p:clrMapOvr>
     <a:masterClrMapping/>
@@ -2151,6 +2053,7 @@
               <a:rPr lang="zh-CN" altLang="en-US"/>
               <a:t>单击此处编辑母版标题样式</a:t>
             </a:r>
+            <a:endParaRPr lang="zh-CN" altLang="en-US"/>
           </a:p>
         </p:txBody>
       </p:sp>
@@ -2161,7 +2064,7 @@
             <a:spLocks noGrp="1"/>
           </p:cNvSpPr>
           <p:nvPr>
-            <p:ph type="body" orient="vert" idx="1"/>
+            <p:ph type="body" orient="vert" idx="1" hasCustomPrompt="1"/>
           </p:nvPr>
         </p:nvSpPr>
         <p:spPr>
@@ -2179,6 +2082,7 @@
               <a:rPr lang="zh-CN" altLang="en-US"/>
               <a:t>编辑母版文本样式</a:t>
             </a:r>
+            <a:endParaRPr lang="zh-CN" altLang="en-US"/>
           </a:p>
           <a:p>
             <a:pPr lvl="1"/>
@@ -2186,6 +2090,7 @@
               <a:rPr lang="zh-CN" altLang="en-US"/>
               <a:t>第二级</a:t>
             </a:r>
+            <a:endParaRPr lang="zh-CN" altLang="en-US"/>
           </a:p>
           <a:p>
             <a:pPr lvl="2"/>
@@ -2193,6 +2098,7 @@
               <a:rPr lang="zh-CN" altLang="en-US"/>
               <a:t>第三级</a:t>
             </a:r>
+            <a:endParaRPr lang="zh-CN" altLang="en-US"/>
           </a:p>
           <a:p>
             <a:pPr lvl="3"/>
@@ -2200,6 +2106,7 @@
               <a:rPr lang="zh-CN" altLang="en-US"/>
               <a:t>第四级</a:t>
             </a:r>
+            <a:endParaRPr lang="zh-CN" altLang="en-US"/>
           </a:p>
           <a:p>
             <a:pPr lvl="4"/>
@@ -2207,6 +2114,7 @@
               <a:rPr lang="zh-CN" altLang="en-US"/>
               <a:t>第五级</a:t>
             </a:r>
+            <a:endParaRPr lang="zh-CN" altLang="en-US"/>
           </a:p>
         </p:txBody>
       </p:sp>
@@ -2227,7 +2135,6 @@
           <a:p>
             <a:fld id="{A57F24E0-930B-4A04-9F56-81E5D8061857}" type="datetimeFigureOut">
               <a:rPr lang="zh-CN" altLang="en-US" smtClean="0"/>
-              <a:t>2023/9/24</a:t>
             </a:fld>
             <a:endParaRPr lang="zh-CN" altLang="en-US"/>
           </a:p>
@@ -2269,18 +2176,12 @@
           <a:p>
             <a:fld id="{B9E38970-8790-42ED-BDAA-B4F075DE2BCF}" type="slidenum">
               <a:rPr lang="zh-CN" altLang="en-US" smtClean="0"/>
-              <a:t>‹#›</a:t>
             </a:fld>
             <a:endParaRPr lang="zh-CN" altLang="en-US"/>
           </a:p>
         </p:txBody>
       </p:sp>
     </p:spTree>
-    <p:extLst>
-      <p:ext uri="{BB962C8B-B14F-4D97-AF65-F5344CB8AC3E}">
-        <p14:creationId xmlns:p14="http://schemas.microsoft.com/office/powerpoint/2010/main" val="1471641868"/>
-      </p:ext>
-    </p:extLst>
   </p:cSld>
   <p:clrMapOvr>
     <a:masterClrMapping/>
@@ -2325,7 +2226,7 @@
           <a:lstStyle/>
           <a:p>
             <a:fld id="{86CB4B4D-7CA3-9044-876B-883B54F8677D}" type="slidenum">
-              <a:t>‹#›</a:t>
+              <a:rPr/>
             </a:fld>
             <a:endParaRPr/>
           </a:p>
@@ -2384,11 +2285,6 @@
         </p:txBody>
       </p:sp>
     </p:spTree>
-    <p:extLst>
-      <p:ext uri="{BB962C8B-B14F-4D97-AF65-F5344CB8AC3E}">
-        <p14:creationId xmlns:p14="http://schemas.microsoft.com/office/powerpoint/2010/main" val="1794562555"/>
-      </p:ext>
-    </p:extLst>
   </p:cSld>
   <p:clrMapOvr>
     <a:masterClrMapping/>
@@ -2430,11 +2326,6 @@
           <a:ln w="12700">
             <a:miter lim="400000"/>
           </a:ln>
-          <a:extLst>
-            <a:ext uri="{C572A759-6A51-4108-AA02-DFA0A04FC94B}">
-              <ma14:wrappingTextBoxFlag xmlns="" xmlns:ma14="http://schemas.microsoft.com/office/mac/drawingml/2011/main" val="1"/>
-            </a:ext>
-          </a:extLst>
         </p:spPr>
         <p:txBody>
           <a:bodyPr wrap="none" lIns="25400" tIns="25400" rIns="25400" bIns="25400">
@@ -2454,22 +2345,12 @@
             </a:pPr>
             <a:fld id="{86CB4B4D-7CA3-9044-876B-883B54F8677D}" type="slidenum">
               <a:rPr sz="1400"/>
-              <a:pPr>
-                <a:spcBef>
-                  <a:spcPts val="2250"/>
-                </a:spcBef>
-                <a:defRPr sz="2800">
-                  <a:solidFill>
-                    <a:srgbClr val="797979"/>
-                  </a:solidFill>
-                </a:defRPr>
-              </a:pPr>
-              <a:t>‹#›</a:t>
             </a:fld>
             <a:r>
               <a:rPr sz="1400"/>
               <a:t>￼</a:t>
             </a:r>
+            <a:endParaRPr sz="1400"/>
           </a:p>
         </p:txBody>
       </p:sp>
@@ -2482,13 +2363,7 @@
           <p:nvPr userDrawn="1"/>
         </p:nvPicPr>
         <p:blipFill>
-          <a:blip r:embed="rId2" cstate="screen">
-            <a:extLst>
-              <a:ext uri="{28A0092B-C50C-407E-A947-70E740481C1C}">
-                <a14:useLocalDpi xmlns:a14="http://schemas.microsoft.com/office/drawing/2010/main"/>
-              </a:ext>
-            </a:extLst>
-          </a:blip>
+          <a:blip r:embed="rId2" cstate="screen"/>
           <a:srcRect l="15193" t="6006" r="15193" b="3060"/>
           <a:stretch>
             <a:fillRect/>
@@ -2504,6 +2379,8 @@
           </a:prstGeom>
           <a:ln w="12700">
             <a:miter lim="400000"/>
+            <a:headEnd/>
+            <a:tailEnd/>
           </a:ln>
         </p:spPr>
       </p:pic>
@@ -2527,7 +2404,7 @@
           <a:lstStyle/>
           <a:p>
             <a:fld id="{86CB4B4D-7CA3-9044-876B-883B54F8677D}" type="slidenum">
-              <a:t>‹#›</a:t>
+              <a:rPr/>
             </a:fld>
             <a:endParaRPr/>
           </a:p>
@@ -2568,7 +2445,7 @@
             <a:noAutofit/>
           </a:bodyPr>
           <a:lstStyle>
-            <a:lvl1pPr marL="183173" marR="0" indent="-183173" algn="l" defTabSz="412750" eaLnBrk="1" fontAlgn="auto" latinLnBrk="0" hangingPunct="1">
+            <a:lvl1pPr marL="182880" marR="0" indent="-182880" algn="l" defTabSz="412750" eaLnBrk="1" fontAlgn="auto" latinLnBrk="0" hangingPunct="1">
               <a:lnSpc>
                 <a:spcPct val="120000"/>
               </a:lnSpc>
@@ -2582,7 +2459,6 @@
               <a:buSzPct val="75000"/>
               <a:buFontTx/>
               <a:buChar char="•"/>
-              <a:tabLst/>
               <a:defRPr/>
             </a:lvl1pPr>
           </a:lstStyle>
@@ -2600,11 +2476,6 @@
         </p:txBody>
       </p:sp>
     </p:spTree>
-    <p:extLst>
-      <p:ext uri="{BB962C8B-B14F-4D97-AF65-F5344CB8AC3E}">
-        <p14:creationId xmlns:p14="http://schemas.microsoft.com/office/powerpoint/2010/main" val="1446516245"/>
-      </p:ext>
-    </p:extLst>
   </p:cSld>
   <p:clrMapOvr>
     <a:masterClrMapping/>
@@ -2646,11 +2517,6 @@
           <a:ln w="12700">
             <a:miter lim="400000"/>
           </a:ln>
-          <a:extLst>
-            <a:ext uri="{C572A759-6A51-4108-AA02-DFA0A04FC94B}">
-              <ma14:wrappingTextBoxFlag xmlns="" xmlns:ma14="http://schemas.microsoft.com/office/mac/drawingml/2011/main" val="1"/>
-            </a:ext>
-          </a:extLst>
         </p:spPr>
         <p:txBody>
           <a:bodyPr wrap="none" lIns="25400" tIns="25400" rIns="25400" bIns="25400">
@@ -2670,22 +2536,12 @@
             </a:pPr>
             <a:fld id="{86CB4B4D-7CA3-9044-876B-883B54F8677D}" type="slidenum">
               <a:rPr sz="1400"/>
-              <a:pPr>
-                <a:spcBef>
-                  <a:spcPts val="2250"/>
-                </a:spcBef>
-                <a:defRPr sz="2800">
-                  <a:solidFill>
-                    <a:srgbClr val="797979"/>
-                  </a:solidFill>
-                </a:defRPr>
-              </a:pPr>
-              <a:t>‹#›</a:t>
             </a:fld>
             <a:r>
               <a:rPr sz="1400"/>
               <a:t>￼</a:t>
             </a:r>
+            <a:endParaRPr sz="1400"/>
           </a:p>
         </p:txBody>
       </p:sp>
@@ -2709,7 +2565,7 @@
           <a:lstStyle/>
           <a:p>
             <a:fld id="{86CB4B4D-7CA3-9044-876B-883B54F8677D}" type="slidenum">
-              <a:t>‹#›</a:t>
+              <a:rPr/>
             </a:fld>
             <a:endParaRPr/>
           </a:p>
@@ -2718,9 +2574,7 @@
       <p:sp>
         <p:nvSpPr>
           <p:cNvPr id="6" name="Picture Placeholder 3"/>
-          <p:cNvSpPr txBox="1">
-            <a:spLocks/>
-          </p:cNvSpPr>
+          <p:cNvSpPr txBox="1"/>
           <p:nvPr userDrawn="1"/>
         </p:nvSpPr>
         <p:spPr>
@@ -2849,7 +2703,7 @@
             <a:noAutofit/>
           </a:bodyPr>
           <a:lstStyle>
-            <a:lvl1pPr marL="366346" marR="0" indent="-366346" algn="ctr" defTabSz="825500" latinLnBrk="0">
+            <a:lvl1pPr marL="366395" marR="0" indent="-366395" algn="ctr" defTabSz="825500" latinLnBrk="0">
               <a:lnSpc>
                 <a:spcPct val="120000"/>
               </a:lnSpc>
@@ -2863,7 +2717,6 @@
               <a:buSzPct val="75000"/>
               <a:buFontTx/>
               <a:buChar char="•"/>
-              <a:tabLst/>
               <a:defRPr sz="1600" b="0" i="0" u="none" strike="noStrike" cap="none" spc="0" baseline="0">
                 <a:ln>
                   <a:noFill/>
@@ -2878,7 +2731,7 @@
                 <a:sym typeface="Montserrat Light"/>
               </a:defRPr>
             </a:lvl1pPr>
-            <a:lvl2pPr marL="1001346" marR="0" indent="-366346" algn="l" defTabSz="825500" latinLnBrk="0">
+            <a:lvl2pPr marL="1001395" marR="0" indent="-366395" algn="l" defTabSz="825500" latinLnBrk="0">
               <a:lnSpc>
                 <a:spcPct val="120000"/>
               </a:lnSpc>
@@ -2892,7 +2745,6 @@
               <a:buSzPct val="75000"/>
               <a:buFontTx/>
               <a:buChar char="•"/>
-              <a:tabLst/>
               <a:defRPr sz="3000" b="0" i="0" u="none" strike="noStrike" cap="none" spc="0" baseline="0">
                 <a:ln>
                   <a:noFill/>
@@ -2907,7 +2759,7 @@
                 <a:sym typeface="Montserrat Light"/>
               </a:defRPr>
             </a:lvl2pPr>
-            <a:lvl3pPr marL="1636346" marR="0" indent="-366346" algn="l" defTabSz="825500" latinLnBrk="0">
+            <a:lvl3pPr marL="1636395" marR="0" indent="-366395" algn="l" defTabSz="825500" latinLnBrk="0">
               <a:lnSpc>
                 <a:spcPct val="120000"/>
               </a:lnSpc>
@@ -2921,7 +2773,6 @@
               <a:buSzPct val="75000"/>
               <a:buFontTx/>
               <a:buChar char="•"/>
-              <a:tabLst/>
               <a:defRPr sz="3000" b="0" i="0" u="none" strike="noStrike" cap="none" spc="0" baseline="0">
                 <a:ln>
                   <a:noFill/>
@@ -2936,7 +2787,7 @@
                 <a:sym typeface="Montserrat Light"/>
               </a:defRPr>
             </a:lvl3pPr>
-            <a:lvl4pPr marL="2271346" marR="0" indent="-366346" algn="l" defTabSz="825500" latinLnBrk="0">
+            <a:lvl4pPr marL="2271395" marR="0" indent="-366395" algn="l" defTabSz="825500" latinLnBrk="0">
               <a:lnSpc>
                 <a:spcPct val="120000"/>
               </a:lnSpc>
@@ -2950,7 +2801,6 @@
               <a:buSzPct val="75000"/>
               <a:buFontTx/>
               <a:buChar char="•"/>
-              <a:tabLst/>
               <a:defRPr sz="3000" b="0" i="0" u="none" strike="noStrike" cap="none" spc="0" baseline="0">
                 <a:ln>
                   <a:noFill/>
@@ -2965,7 +2815,7 @@
                 <a:sym typeface="Montserrat Light"/>
               </a:defRPr>
             </a:lvl4pPr>
-            <a:lvl5pPr marL="2906346" marR="0" indent="-366346" algn="l" defTabSz="825500" latinLnBrk="0">
+            <a:lvl5pPr marL="2906395" marR="0" indent="-366395" algn="l" defTabSz="825500" latinLnBrk="0">
               <a:lnSpc>
                 <a:spcPct val="120000"/>
               </a:lnSpc>
@@ -2979,7 +2829,6 @@
               <a:buSzPct val="75000"/>
               <a:buFontTx/>
               <a:buChar char="•"/>
-              <a:tabLst/>
               <a:defRPr sz="3000" b="0" i="0" u="none" strike="noStrike" cap="none" spc="0" baseline="0">
                 <a:ln>
                   <a:noFill/>
@@ -2994,7 +2843,7 @@
                 <a:sym typeface="Montserrat Light"/>
               </a:defRPr>
             </a:lvl5pPr>
-            <a:lvl6pPr marL="14165383" marR="0" indent="-10990383" algn="l" defTabSz="825500" latinLnBrk="0">
+            <a:lvl6pPr marL="14165580" marR="0" indent="-10990580" algn="l" defTabSz="825500" latinLnBrk="0">
               <a:lnSpc>
                 <a:spcPct val="120000"/>
               </a:lnSpc>
@@ -3008,7 +2857,6 @@
               <a:buSzPct val="75000"/>
               <a:buFontTx/>
               <a:buChar char="•"/>
-              <a:tabLst/>
               <a:defRPr sz="3000" b="0" i="0" u="none" strike="noStrike" cap="none" spc="0" baseline="0">
                 <a:ln>
                   <a:noFill/>
@@ -3023,7 +2871,7 @@
                 <a:sym typeface="Montserrat Light"/>
               </a:defRPr>
             </a:lvl6pPr>
-            <a:lvl7pPr marL="14800383" marR="0" indent="-10990383" algn="l" defTabSz="825500" latinLnBrk="0">
+            <a:lvl7pPr marL="14800580" marR="0" indent="-10990580" algn="l" defTabSz="825500" latinLnBrk="0">
               <a:lnSpc>
                 <a:spcPct val="120000"/>
               </a:lnSpc>
@@ -3037,7 +2885,6 @@
               <a:buSzPct val="75000"/>
               <a:buFontTx/>
               <a:buChar char="•"/>
-              <a:tabLst/>
               <a:defRPr sz="3000" b="0" i="0" u="none" strike="noStrike" cap="none" spc="0" baseline="0">
                 <a:ln>
                   <a:noFill/>
@@ -3052,7 +2899,7 @@
                 <a:sym typeface="Montserrat Light"/>
               </a:defRPr>
             </a:lvl7pPr>
-            <a:lvl8pPr marL="15435383" marR="0" indent="-10990383" algn="l" defTabSz="825500" latinLnBrk="0">
+            <a:lvl8pPr marL="15435580" marR="0" indent="-10990580" algn="l" defTabSz="825500" latinLnBrk="0">
               <a:lnSpc>
                 <a:spcPct val="120000"/>
               </a:lnSpc>
@@ -3066,7 +2913,6 @@
               <a:buSzPct val="75000"/>
               <a:buFontTx/>
               <a:buChar char="•"/>
-              <a:tabLst/>
               <a:defRPr sz="3000" b="0" i="0" u="none" strike="noStrike" cap="none" spc="0" baseline="0">
                 <a:ln>
                   <a:noFill/>
@@ -3081,7 +2927,7 @@
                 <a:sym typeface="Montserrat Light"/>
               </a:defRPr>
             </a:lvl8pPr>
-            <a:lvl9pPr marL="16070383" marR="0" indent="-10990383" algn="l" defTabSz="825500" latinLnBrk="0">
+            <a:lvl9pPr marL="16070580" marR="0" indent="-10990580" algn="l" defTabSz="825500" latinLnBrk="0">
               <a:lnSpc>
                 <a:spcPct val="120000"/>
               </a:lnSpc>
@@ -3095,7 +2941,6 @@
               <a:buSzPct val="75000"/>
               <a:buFontTx/>
               <a:buChar char="•"/>
-              <a:tabLst/>
               <a:defRPr sz="3000" b="0" i="0" u="none" strike="noStrike" cap="none" spc="0" baseline="0">
                 <a:ln>
                   <a:noFill/>
@@ -3117,6 +2962,7 @@
               <a:rPr lang="en-US" sz="800"/>
               <a:t>Insert Image</a:t>
             </a:r>
+            <a:endParaRPr lang="en-US" sz="800"/>
           </a:p>
         </p:txBody>
       </p:sp>
@@ -3278,11 +3124,6 @@
         </p:txBody>
       </p:sp>
     </p:spTree>
-    <p:extLst>
-      <p:ext uri="{BB962C8B-B14F-4D97-AF65-F5344CB8AC3E}">
-        <p14:creationId xmlns:p14="http://schemas.microsoft.com/office/powerpoint/2010/main" val="2710781886"/>
-      </p:ext>
-    </p:extLst>
   </p:cSld>
   <p:clrMapOvr>
     <a:masterClrMapping/>
@@ -3324,11 +3165,6 @@
           <a:ln w="12700">
             <a:miter lim="400000"/>
           </a:ln>
-          <a:extLst>
-            <a:ext uri="{C572A759-6A51-4108-AA02-DFA0A04FC94B}">
-              <ma14:wrappingTextBoxFlag xmlns="" xmlns:ma14="http://schemas.microsoft.com/office/mac/drawingml/2011/main" val="1"/>
-            </a:ext>
-          </a:extLst>
         </p:spPr>
         <p:txBody>
           <a:bodyPr wrap="none" lIns="25400" tIns="25400" rIns="25400" bIns="25400">
@@ -3348,22 +3184,12 @@
             </a:pPr>
             <a:fld id="{86CB4B4D-7CA3-9044-876B-883B54F8677D}" type="slidenum">
               <a:rPr sz="1400"/>
-              <a:pPr>
-                <a:spcBef>
-                  <a:spcPts val="2250"/>
-                </a:spcBef>
-                <a:defRPr sz="2800">
-                  <a:solidFill>
-                    <a:srgbClr val="797979"/>
-                  </a:solidFill>
-                </a:defRPr>
-              </a:pPr>
-              <a:t>‹#›</a:t>
             </a:fld>
             <a:r>
               <a:rPr sz="1400"/>
               <a:t>￼</a:t>
             </a:r>
+            <a:endParaRPr sz="1400"/>
           </a:p>
         </p:txBody>
       </p:sp>
@@ -3387,7 +3213,7 @@
           <a:lstStyle/>
           <a:p>
             <a:fld id="{86CB4B4D-7CA3-9044-876B-883B54F8677D}" type="slidenum">
-              <a:t>‹#›</a:t>
+              <a:rPr/>
             </a:fld>
             <a:endParaRPr/>
           </a:p>
@@ -3428,7 +3254,7 @@
             <a:noAutofit/>
           </a:bodyPr>
           <a:lstStyle>
-            <a:lvl1pPr marL="183173" marR="0" indent="-183173" algn="l" defTabSz="412750" eaLnBrk="1" fontAlgn="auto" latinLnBrk="0" hangingPunct="1">
+            <a:lvl1pPr marL="182880" marR="0" indent="-182880" algn="l" defTabSz="412750" eaLnBrk="1" fontAlgn="auto" latinLnBrk="0" hangingPunct="1">
               <a:lnSpc>
                 <a:spcPct val="120000"/>
               </a:lnSpc>
@@ -3442,7 +3268,6 @@
               <a:buSzPct val="75000"/>
               <a:buFontTx/>
               <a:buChar char="•"/>
-              <a:tabLst/>
               <a:defRPr>
                 <a:effectLst>
                   <a:glow>
@@ -3468,11 +3293,6 @@
         </p:txBody>
       </p:sp>
     </p:spTree>
-    <p:extLst>
-      <p:ext uri="{BB962C8B-B14F-4D97-AF65-F5344CB8AC3E}">
-        <p14:creationId xmlns:p14="http://schemas.microsoft.com/office/powerpoint/2010/main" val="2569911381"/>
-      </p:ext>
-    </p:extLst>
   </p:cSld>
   <p:clrMapOvr>
     <a:masterClrMapping/>
@@ -3514,11 +3334,6 @@
           <a:ln w="12700">
             <a:miter lim="400000"/>
           </a:ln>
-          <a:extLst>
-            <a:ext uri="{C572A759-6A51-4108-AA02-DFA0A04FC94B}">
-              <ma14:wrappingTextBoxFlag xmlns="" xmlns:ma14="http://schemas.microsoft.com/office/mac/drawingml/2011/main" val="1"/>
-            </a:ext>
-          </a:extLst>
         </p:spPr>
         <p:txBody>
           <a:bodyPr wrap="none" lIns="25400" tIns="25400" rIns="25400" bIns="25400">
@@ -3538,22 +3353,12 @@
             </a:pPr>
             <a:fld id="{86CB4B4D-7CA3-9044-876B-883B54F8677D}" type="slidenum">
               <a:rPr sz="1400"/>
-              <a:pPr>
-                <a:spcBef>
-                  <a:spcPts val="2250"/>
-                </a:spcBef>
-                <a:defRPr sz="2800">
-                  <a:solidFill>
-                    <a:srgbClr val="797979"/>
-                  </a:solidFill>
-                </a:defRPr>
-              </a:pPr>
-              <a:t>‹#›</a:t>
             </a:fld>
             <a:r>
               <a:rPr sz="1400"/>
               <a:t>￼</a:t>
             </a:r>
+            <a:endParaRPr sz="1400"/>
           </a:p>
         </p:txBody>
       </p:sp>
@@ -3577,7 +3382,7 @@
           <a:lstStyle/>
           <a:p>
             <a:fld id="{86CB4B4D-7CA3-9044-876B-883B54F8677D}" type="slidenum">
-              <a:t>‹#›</a:t>
+              <a:rPr/>
             </a:fld>
             <a:endParaRPr/>
           </a:p>
@@ -3618,7 +3423,7 @@
             <a:noAutofit/>
           </a:bodyPr>
           <a:lstStyle>
-            <a:lvl1pPr marL="183173" marR="0" indent="-183173" algn="l" defTabSz="412750" eaLnBrk="1" fontAlgn="auto" latinLnBrk="0" hangingPunct="1">
+            <a:lvl1pPr marL="182880" marR="0" indent="-182880" algn="l" defTabSz="412750" eaLnBrk="1" fontAlgn="auto" latinLnBrk="0" hangingPunct="1">
               <a:lnSpc>
                 <a:spcPct val="120000"/>
               </a:lnSpc>
@@ -3632,7 +3437,6 @@
               <a:buSzPct val="75000"/>
               <a:buFontTx/>
               <a:buChar char="•"/>
-              <a:tabLst/>
               <a:defRPr/>
             </a:lvl1pPr>
           </a:lstStyle>
@@ -3684,7 +3488,7 @@
             <a:noAutofit/>
           </a:bodyPr>
           <a:lstStyle>
-            <a:lvl1pPr marL="183173" marR="0" indent="-183173" algn="l" defTabSz="412750" eaLnBrk="1" fontAlgn="auto" latinLnBrk="0" hangingPunct="1">
+            <a:lvl1pPr marL="182880" marR="0" indent="-182880" algn="l" defTabSz="412750" eaLnBrk="1" fontAlgn="auto" latinLnBrk="0" hangingPunct="1">
               <a:lnSpc>
                 <a:spcPct val="120000"/>
               </a:lnSpc>
@@ -3698,7 +3502,6 @@
               <a:buSzPct val="75000"/>
               <a:buFontTx/>
               <a:buChar char="•"/>
-              <a:tabLst/>
               <a:defRPr/>
             </a:lvl1pPr>
           </a:lstStyle>
@@ -3750,7 +3553,7 @@
             <a:noAutofit/>
           </a:bodyPr>
           <a:lstStyle>
-            <a:lvl1pPr marL="183173" marR="0" indent="-183173" algn="l" defTabSz="412750" eaLnBrk="1" fontAlgn="auto" latinLnBrk="0" hangingPunct="1">
+            <a:lvl1pPr marL="182880" marR="0" indent="-182880" algn="l" defTabSz="412750" eaLnBrk="1" fontAlgn="auto" latinLnBrk="0" hangingPunct="1">
               <a:lnSpc>
                 <a:spcPct val="120000"/>
               </a:lnSpc>
@@ -3764,7 +3567,6 @@
               <a:buSzPct val="75000"/>
               <a:buFontTx/>
               <a:buChar char="•"/>
-              <a:tabLst/>
               <a:defRPr/>
             </a:lvl1pPr>
           </a:lstStyle>
@@ -3782,11 +3584,6 @@
         </p:txBody>
       </p:sp>
     </p:spTree>
-    <p:extLst>
-      <p:ext uri="{BB962C8B-B14F-4D97-AF65-F5344CB8AC3E}">
-        <p14:creationId xmlns:p14="http://schemas.microsoft.com/office/powerpoint/2010/main" val="1192485114"/>
-      </p:ext>
-    </p:extLst>
   </p:cSld>
   <p:clrMapOvr>
     <a:masterClrMapping/>
@@ -3828,11 +3625,6 @@
           <a:ln w="12700">
             <a:miter lim="400000"/>
           </a:ln>
-          <a:extLst>
-            <a:ext uri="{C572A759-6A51-4108-AA02-DFA0A04FC94B}">
-              <ma14:wrappingTextBoxFlag xmlns="" xmlns:ma14="http://schemas.microsoft.com/office/mac/drawingml/2011/main" val="1"/>
-            </a:ext>
-          </a:extLst>
         </p:spPr>
         <p:txBody>
           <a:bodyPr wrap="none" lIns="25400" tIns="25400" rIns="25400" bIns="25400">
@@ -3852,22 +3644,12 @@
             </a:pPr>
             <a:fld id="{86CB4B4D-7CA3-9044-876B-883B54F8677D}" type="slidenum">
               <a:rPr sz="1400"/>
-              <a:pPr>
-                <a:spcBef>
-                  <a:spcPts val="2250"/>
-                </a:spcBef>
-                <a:defRPr sz="2800">
-                  <a:solidFill>
-                    <a:srgbClr val="797979"/>
-                  </a:solidFill>
-                </a:defRPr>
-              </a:pPr>
-              <a:t>‹#›</a:t>
             </a:fld>
             <a:r>
               <a:rPr sz="1400"/>
               <a:t>￼</a:t>
             </a:r>
+            <a:endParaRPr sz="1400"/>
           </a:p>
         </p:txBody>
       </p:sp>
@@ -3891,7 +3673,7 @@
           <a:lstStyle/>
           <a:p>
             <a:fld id="{86CB4B4D-7CA3-9044-876B-883B54F8677D}" type="slidenum">
-              <a:t>‹#›</a:t>
+              <a:rPr/>
             </a:fld>
             <a:endParaRPr/>
           </a:p>
@@ -3932,7 +3714,7 @@
             <a:noAutofit/>
           </a:bodyPr>
           <a:lstStyle>
-            <a:lvl1pPr marL="183173" marR="0" indent="-183173" algn="l" defTabSz="412750" eaLnBrk="1" fontAlgn="auto" latinLnBrk="0" hangingPunct="1">
+            <a:lvl1pPr marL="182880" marR="0" indent="-182880" algn="l" defTabSz="412750" eaLnBrk="1" fontAlgn="auto" latinLnBrk="0" hangingPunct="1">
               <a:lnSpc>
                 <a:spcPct val="120000"/>
               </a:lnSpc>
@@ -3946,7 +3728,6 @@
               <a:buSzPct val="75000"/>
               <a:buFontTx/>
               <a:buChar char="•"/>
-              <a:tabLst/>
               <a:defRPr/>
             </a:lvl1pPr>
           </a:lstStyle>
@@ -3998,7 +3779,7 @@
             <a:noAutofit/>
           </a:bodyPr>
           <a:lstStyle>
-            <a:lvl1pPr marL="183173" marR="0" indent="-183173" algn="l" defTabSz="412750" eaLnBrk="1" fontAlgn="auto" latinLnBrk="0" hangingPunct="1">
+            <a:lvl1pPr marL="182880" marR="0" indent="-182880" algn="l" defTabSz="412750" eaLnBrk="1" fontAlgn="auto" latinLnBrk="0" hangingPunct="1">
               <a:lnSpc>
                 <a:spcPct val="120000"/>
               </a:lnSpc>
@@ -4012,7 +3793,6 @@
               <a:buSzPct val="75000"/>
               <a:buFontTx/>
               <a:buChar char="•"/>
-              <a:tabLst/>
               <a:defRPr/>
             </a:lvl1pPr>
           </a:lstStyle>
@@ -4030,11 +3810,6 @@
         </p:txBody>
       </p:sp>
     </p:spTree>
-    <p:extLst>
-      <p:ext uri="{BB962C8B-B14F-4D97-AF65-F5344CB8AC3E}">
-        <p14:creationId xmlns:p14="http://schemas.microsoft.com/office/powerpoint/2010/main" val="1301431921"/>
-      </p:ext>
-    </p:extLst>
   </p:cSld>
   <p:clrMapOvr>
     <a:masterClrMapping/>
@@ -4076,11 +3851,6 @@
           <a:ln w="12700">
             <a:miter lim="400000"/>
           </a:ln>
-          <a:extLst>
-            <a:ext uri="{C572A759-6A51-4108-AA02-DFA0A04FC94B}">
-              <ma14:wrappingTextBoxFlag xmlns="" xmlns:ma14="http://schemas.microsoft.com/office/mac/drawingml/2011/main" val="1"/>
-            </a:ext>
-          </a:extLst>
         </p:spPr>
         <p:txBody>
           <a:bodyPr wrap="none" lIns="25400" tIns="25400" rIns="25400" bIns="25400">
@@ -4100,22 +3870,12 @@
             </a:pPr>
             <a:fld id="{86CB4B4D-7CA3-9044-876B-883B54F8677D}" type="slidenum">
               <a:rPr sz="1400"/>
-              <a:pPr>
-                <a:spcBef>
-                  <a:spcPts val="2250"/>
-                </a:spcBef>
-                <a:defRPr sz="2800">
-                  <a:solidFill>
-                    <a:srgbClr val="797979"/>
-                  </a:solidFill>
-                </a:defRPr>
-              </a:pPr>
-              <a:t>‹#›</a:t>
             </a:fld>
             <a:r>
               <a:rPr sz="1400"/>
               <a:t>￼</a:t>
             </a:r>
+            <a:endParaRPr sz="1400"/>
           </a:p>
         </p:txBody>
       </p:sp>
@@ -4139,7 +3899,7 @@
           <a:lstStyle/>
           <a:p>
             <a:fld id="{86CB4B4D-7CA3-9044-876B-883B54F8677D}" type="slidenum">
-              <a:t>‹#›</a:t>
+              <a:rPr/>
             </a:fld>
             <a:endParaRPr/>
           </a:p>
@@ -4617,11 +4377,6 @@
         </p:txBody>
       </p:sp>
     </p:spTree>
-    <p:extLst>
-      <p:ext uri="{BB962C8B-B14F-4D97-AF65-F5344CB8AC3E}">
-        <p14:creationId xmlns:p14="http://schemas.microsoft.com/office/powerpoint/2010/main" val="2732401890"/>
-      </p:ext>
-    </p:extLst>
   </p:cSld>
   <p:clrMapOvr>
     <a:masterClrMapping/>
@@ -4663,11 +4418,6 @@
           <a:ln w="12700">
             <a:miter lim="400000"/>
           </a:ln>
-          <a:extLst>
-            <a:ext uri="{C572A759-6A51-4108-AA02-DFA0A04FC94B}">
-              <ma14:wrappingTextBoxFlag xmlns="" xmlns:ma14="http://schemas.microsoft.com/office/mac/drawingml/2011/main" val="1"/>
-            </a:ext>
-          </a:extLst>
         </p:spPr>
         <p:txBody>
           <a:bodyPr wrap="none" lIns="25400" tIns="25400" rIns="25400" bIns="25400">
@@ -4687,22 +4437,12 @@
             </a:pPr>
             <a:fld id="{86CB4B4D-7CA3-9044-876B-883B54F8677D}" type="slidenum">
               <a:rPr sz="1400"/>
-              <a:pPr>
-                <a:spcBef>
-                  <a:spcPts val="2250"/>
-                </a:spcBef>
-                <a:defRPr sz="2800">
-                  <a:solidFill>
-                    <a:srgbClr val="797979"/>
-                  </a:solidFill>
-                </a:defRPr>
-              </a:pPr>
-              <a:t>‹#›</a:t>
             </a:fld>
             <a:r>
               <a:rPr sz="1400"/>
               <a:t>￼</a:t>
             </a:r>
+            <a:endParaRPr sz="1400"/>
           </a:p>
         </p:txBody>
       </p:sp>
@@ -4726,7 +4466,7 @@
           <a:lstStyle/>
           <a:p>
             <a:fld id="{86CB4B4D-7CA3-9044-876B-883B54F8677D}" type="slidenum">
-              <a:t>‹#›</a:t>
+              <a:rPr/>
             </a:fld>
             <a:endParaRPr/>
           </a:p>
@@ -4890,11 +4630,6 @@
         </p:txBody>
       </p:sp>
     </p:spTree>
-    <p:extLst>
-      <p:ext uri="{BB962C8B-B14F-4D97-AF65-F5344CB8AC3E}">
-        <p14:creationId xmlns:p14="http://schemas.microsoft.com/office/powerpoint/2010/main" val="2164140977"/>
-      </p:ext>
-    </p:extLst>
   </p:cSld>
   <p:clrMapOvr>
     <a:masterClrMapping/>
@@ -4938,6 +4673,7 @@
               <a:rPr lang="zh-CN" altLang="en-US"/>
               <a:t>单击此处编辑母版标题样式</a:t>
             </a:r>
+            <a:endParaRPr lang="zh-CN" altLang="en-US"/>
           </a:p>
         </p:txBody>
       </p:sp>
@@ -4948,7 +4684,7 @@
             <a:spLocks noGrp="1"/>
           </p:cNvSpPr>
           <p:nvPr>
-            <p:ph idx="1"/>
+            <p:ph idx="1" hasCustomPrompt="1"/>
           </p:nvPr>
         </p:nvSpPr>
         <p:spPr/>
@@ -4961,6 +4697,7 @@
               <a:rPr lang="zh-CN" altLang="en-US"/>
               <a:t>编辑母版文本样式</a:t>
             </a:r>
+            <a:endParaRPr lang="zh-CN" altLang="en-US"/>
           </a:p>
           <a:p>
             <a:pPr lvl="1"/>
@@ -4968,6 +4705,7 @@
               <a:rPr lang="zh-CN" altLang="en-US"/>
               <a:t>第二级</a:t>
             </a:r>
+            <a:endParaRPr lang="zh-CN" altLang="en-US"/>
           </a:p>
           <a:p>
             <a:pPr lvl="2"/>
@@ -4975,6 +4713,7 @@
               <a:rPr lang="zh-CN" altLang="en-US"/>
               <a:t>第三级</a:t>
             </a:r>
+            <a:endParaRPr lang="zh-CN" altLang="en-US"/>
           </a:p>
           <a:p>
             <a:pPr lvl="3"/>
@@ -4982,6 +4721,7 @@
               <a:rPr lang="zh-CN" altLang="en-US"/>
               <a:t>第四级</a:t>
             </a:r>
+            <a:endParaRPr lang="zh-CN" altLang="en-US"/>
           </a:p>
           <a:p>
             <a:pPr lvl="4"/>
@@ -4989,6 +4729,7 @@
               <a:rPr lang="zh-CN" altLang="en-US"/>
               <a:t>第五级</a:t>
             </a:r>
+            <a:endParaRPr lang="zh-CN" altLang="en-US"/>
           </a:p>
         </p:txBody>
       </p:sp>
@@ -5009,7 +4750,6 @@
           <a:p>
             <a:fld id="{A57F24E0-930B-4A04-9F56-81E5D8061857}" type="datetimeFigureOut">
               <a:rPr lang="zh-CN" altLang="en-US" smtClean="0"/>
-              <a:t>2023/9/24</a:t>
             </a:fld>
             <a:endParaRPr lang="zh-CN" altLang="en-US"/>
           </a:p>
@@ -5051,18 +4791,12 @@
           <a:p>
             <a:fld id="{B9E38970-8790-42ED-BDAA-B4F075DE2BCF}" type="slidenum">
               <a:rPr lang="zh-CN" altLang="en-US" smtClean="0"/>
-              <a:t>‹#›</a:t>
             </a:fld>
             <a:endParaRPr lang="zh-CN" altLang="en-US"/>
           </a:p>
         </p:txBody>
       </p:sp>
     </p:spTree>
-    <p:extLst>
-      <p:ext uri="{BB962C8B-B14F-4D97-AF65-F5344CB8AC3E}">
-        <p14:creationId xmlns:p14="http://schemas.microsoft.com/office/powerpoint/2010/main" val="1284536261"/>
-      </p:ext>
-    </p:extLst>
   </p:cSld>
   <p:clrMapOvr>
     <a:masterClrMapping/>
@@ -5104,11 +4838,6 @@
           <a:ln w="12700">
             <a:miter lim="400000"/>
           </a:ln>
-          <a:extLst>
-            <a:ext uri="{C572A759-6A51-4108-AA02-DFA0A04FC94B}">
-              <ma14:wrappingTextBoxFlag xmlns="" xmlns:ma14="http://schemas.microsoft.com/office/mac/drawingml/2011/main" val="1"/>
-            </a:ext>
-          </a:extLst>
         </p:spPr>
         <p:txBody>
           <a:bodyPr wrap="none" lIns="25400" tIns="25400" rIns="25400" bIns="25400">
@@ -5128,22 +4857,12 @@
             </a:pPr>
             <a:fld id="{86CB4B4D-7CA3-9044-876B-883B54F8677D}" type="slidenum">
               <a:rPr sz="1400"/>
-              <a:pPr>
-                <a:spcBef>
-                  <a:spcPts val="2250"/>
-                </a:spcBef>
-                <a:defRPr sz="2800">
-                  <a:solidFill>
-                    <a:srgbClr val="797979"/>
-                  </a:solidFill>
-                </a:defRPr>
-              </a:pPr>
-              <a:t>‹#›</a:t>
             </a:fld>
             <a:r>
               <a:rPr sz="1400"/>
               <a:t>￼</a:t>
             </a:r>
+            <a:endParaRPr sz="1400"/>
           </a:p>
         </p:txBody>
       </p:sp>
@@ -5167,7 +4886,7 @@
           <a:lstStyle/>
           <a:p>
             <a:fld id="{86CB4B4D-7CA3-9044-876B-883B54F8677D}" type="slidenum">
-              <a:t>‹#›</a:t>
+              <a:rPr/>
             </a:fld>
             <a:endParaRPr/>
           </a:p>
@@ -5208,7 +4927,7 @@
             <a:noAutofit/>
           </a:bodyPr>
           <a:lstStyle>
-            <a:lvl1pPr marL="183173" marR="0" indent="-183173" algn="l" defTabSz="412750" eaLnBrk="1" fontAlgn="auto" latinLnBrk="0" hangingPunct="1">
+            <a:lvl1pPr marL="182880" marR="0" indent="-182880" algn="l" defTabSz="412750" eaLnBrk="1" fontAlgn="auto" latinLnBrk="0" hangingPunct="1">
               <a:lnSpc>
                 <a:spcPct val="120000"/>
               </a:lnSpc>
@@ -5222,7 +4941,6 @@
               <a:buSzPct val="75000"/>
               <a:buFontTx/>
               <a:buChar char="•"/>
-              <a:tabLst/>
               <a:defRPr/>
             </a:lvl1pPr>
           </a:lstStyle>
@@ -5274,7 +4992,7 @@
             <a:noAutofit/>
           </a:bodyPr>
           <a:lstStyle>
-            <a:lvl1pPr marL="183173" marR="0" indent="-183173" algn="l" defTabSz="412750" eaLnBrk="1" fontAlgn="auto" latinLnBrk="0" hangingPunct="1">
+            <a:lvl1pPr marL="182880" marR="0" indent="-182880" algn="l" defTabSz="412750" eaLnBrk="1" fontAlgn="auto" latinLnBrk="0" hangingPunct="1">
               <a:lnSpc>
                 <a:spcPct val="120000"/>
               </a:lnSpc>
@@ -5288,7 +5006,6 @@
               <a:buSzPct val="75000"/>
               <a:buFontTx/>
               <a:buChar char="•"/>
-              <a:tabLst/>
               <a:defRPr/>
             </a:lvl1pPr>
           </a:lstStyle>
@@ -5340,7 +5057,7 @@
             <a:noAutofit/>
           </a:bodyPr>
           <a:lstStyle>
-            <a:lvl1pPr marL="183173" marR="0" indent="-183173" algn="l" defTabSz="412750" eaLnBrk="1" fontAlgn="auto" latinLnBrk="0" hangingPunct="1">
+            <a:lvl1pPr marL="182880" marR="0" indent="-182880" algn="l" defTabSz="412750" eaLnBrk="1" fontAlgn="auto" latinLnBrk="0" hangingPunct="1">
               <a:lnSpc>
                 <a:spcPct val="120000"/>
               </a:lnSpc>
@@ -5354,7 +5071,6 @@
               <a:buSzPct val="75000"/>
               <a:buFontTx/>
               <a:buChar char="•"/>
-              <a:tabLst/>
               <a:defRPr/>
             </a:lvl1pPr>
           </a:lstStyle>
@@ -5372,11 +5088,6 @@
         </p:txBody>
       </p:sp>
     </p:spTree>
-    <p:extLst>
-      <p:ext uri="{BB962C8B-B14F-4D97-AF65-F5344CB8AC3E}">
-        <p14:creationId xmlns:p14="http://schemas.microsoft.com/office/powerpoint/2010/main" val="2715644715"/>
-      </p:ext>
-    </p:extLst>
   </p:cSld>
   <p:clrMapOvr>
     <a:masterClrMapping/>
@@ -5418,11 +5129,6 @@
           <a:ln w="12700">
             <a:miter lim="400000"/>
           </a:ln>
-          <a:extLst>
-            <a:ext uri="{C572A759-6A51-4108-AA02-DFA0A04FC94B}">
-              <ma14:wrappingTextBoxFlag xmlns="" xmlns:ma14="http://schemas.microsoft.com/office/mac/drawingml/2011/main" val="1"/>
-            </a:ext>
-          </a:extLst>
         </p:spPr>
         <p:txBody>
           <a:bodyPr wrap="none" lIns="25400" tIns="25400" rIns="25400" bIns="25400">
@@ -5442,22 +5148,12 @@
             </a:pPr>
             <a:fld id="{86CB4B4D-7CA3-9044-876B-883B54F8677D}" type="slidenum">
               <a:rPr sz="1400"/>
-              <a:pPr>
-                <a:spcBef>
-                  <a:spcPts val="2250"/>
-                </a:spcBef>
-                <a:defRPr sz="2800">
-                  <a:solidFill>
-                    <a:srgbClr val="797979"/>
-                  </a:solidFill>
-                </a:defRPr>
-              </a:pPr>
-              <a:t>‹#›</a:t>
             </a:fld>
             <a:r>
               <a:rPr sz="1400"/>
               <a:t>￼</a:t>
             </a:r>
+            <a:endParaRPr sz="1400"/>
           </a:p>
         </p:txBody>
       </p:sp>
@@ -5481,7 +5177,7 @@
           <a:lstStyle/>
           <a:p>
             <a:fld id="{86CB4B4D-7CA3-9044-876B-883B54F8677D}" type="slidenum">
-              <a:t>‹#›</a:t>
+              <a:rPr/>
             </a:fld>
             <a:endParaRPr/>
           </a:p>
@@ -5522,7 +5218,7 @@
             <a:noAutofit/>
           </a:bodyPr>
           <a:lstStyle>
-            <a:lvl1pPr marL="183173" marR="0" indent="-183173" algn="l" defTabSz="412750" eaLnBrk="1" fontAlgn="auto" latinLnBrk="0" hangingPunct="1">
+            <a:lvl1pPr marL="182880" marR="0" indent="-182880" algn="l" defTabSz="412750" eaLnBrk="1" fontAlgn="auto" latinLnBrk="0" hangingPunct="1">
               <a:lnSpc>
                 <a:spcPct val="120000"/>
               </a:lnSpc>
@@ -5536,7 +5232,6 @@
               <a:buSzPct val="75000"/>
               <a:buFontTx/>
               <a:buChar char="•"/>
-              <a:tabLst/>
               <a:defRPr/>
             </a:lvl1pPr>
           </a:lstStyle>
@@ -5588,7 +5283,7 @@
             <a:noAutofit/>
           </a:bodyPr>
           <a:lstStyle>
-            <a:lvl1pPr marL="183173" marR="0" indent="-183173" algn="l" defTabSz="412750" eaLnBrk="1" fontAlgn="auto" latinLnBrk="0" hangingPunct="1">
+            <a:lvl1pPr marL="182880" marR="0" indent="-182880" algn="l" defTabSz="412750" eaLnBrk="1" fontAlgn="auto" latinLnBrk="0" hangingPunct="1">
               <a:lnSpc>
                 <a:spcPct val="120000"/>
               </a:lnSpc>
@@ -5602,7 +5297,6 @@
               <a:buSzPct val="75000"/>
               <a:buFontTx/>
               <a:buChar char="•"/>
-              <a:tabLst/>
               <a:defRPr/>
             </a:lvl1pPr>
           </a:lstStyle>
@@ -5654,7 +5348,7 @@
             <a:noAutofit/>
           </a:bodyPr>
           <a:lstStyle>
-            <a:lvl1pPr marL="183173" marR="0" indent="-183173" algn="l" defTabSz="412750" eaLnBrk="1" fontAlgn="auto" latinLnBrk="0" hangingPunct="1">
+            <a:lvl1pPr marL="182880" marR="0" indent="-182880" algn="l" defTabSz="412750" eaLnBrk="1" fontAlgn="auto" latinLnBrk="0" hangingPunct="1">
               <a:lnSpc>
                 <a:spcPct val="120000"/>
               </a:lnSpc>
@@ -5668,7 +5362,6 @@
               <a:buSzPct val="75000"/>
               <a:buFontTx/>
               <a:buChar char="•"/>
-              <a:tabLst/>
               <a:defRPr/>
             </a:lvl1pPr>
           </a:lstStyle>
@@ -5686,11 +5379,6 @@
         </p:txBody>
       </p:sp>
     </p:spTree>
-    <p:extLst>
-      <p:ext uri="{BB962C8B-B14F-4D97-AF65-F5344CB8AC3E}">
-        <p14:creationId xmlns:p14="http://schemas.microsoft.com/office/powerpoint/2010/main" val="3355731340"/>
-      </p:ext>
-    </p:extLst>
   </p:cSld>
   <p:clrMapOvr>
     <a:masterClrMapping/>
@@ -5732,11 +5420,6 @@
           <a:ln w="12700">
             <a:miter lim="400000"/>
           </a:ln>
-          <a:extLst>
-            <a:ext uri="{C572A759-6A51-4108-AA02-DFA0A04FC94B}">
-              <ma14:wrappingTextBoxFlag xmlns="" xmlns:ma14="http://schemas.microsoft.com/office/mac/drawingml/2011/main" val="1"/>
-            </a:ext>
-          </a:extLst>
         </p:spPr>
         <p:txBody>
           <a:bodyPr wrap="none" lIns="25400" tIns="25400" rIns="25400" bIns="25400">
@@ -5756,22 +5439,12 @@
             </a:pPr>
             <a:fld id="{86CB4B4D-7CA3-9044-876B-883B54F8677D}" type="slidenum">
               <a:rPr sz="1400"/>
-              <a:pPr>
-                <a:spcBef>
-                  <a:spcPts val="2250"/>
-                </a:spcBef>
-                <a:defRPr sz="2800">
-                  <a:solidFill>
-                    <a:srgbClr val="797979"/>
-                  </a:solidFill>
-                </a:defRPr>
-              </a:pPr>
-              <a:t>‹#›</a:t>
             </a:fld>
             <a:r>
               <a:rPr sz="1400"/>
               <a:t>￼</a:t>
             </a:r>
+            <a:endParaRPr sz="1400"/>
           </a:p>
         </p:txBody>
       </p:sp>
@@ -5795,7 +5468,7 @@
           <a:lstStyle/>
           <a:p>
             <a:fld id="{86CB4B4D-7CA3-9044-876B-883B54F8677D}" type="slidenum">
-              <a:t>‹#›</a:t>
+              <a:rPr/>
             </a:fld>
             <a:endParaRPr/>
           </a:p>
@@ -5836,7 +5509,7 @@
             <a:noAutofit/>
           </a:bodyPr>
           <a:lstStyle>
-            <a:lvl1pPr marL="183173" marR="0" indent="-183173" algn="l" defTabSz="412750" eaLnBrk="1" fontAlgn="auto" latinLnBrk="0" hangingPunct="1">
+            <a:lvl1pPr marL="182880" marR="0" indent="-182880" algn="l" defTabSz="412750" eaLnBrk="1" fontAlgn="auto" latinLnBrk="0" hangingPunct="1">
               <a:lnSpc>
                 <a:spcPct val="120000"/>
               </a:lnSpc>
@@ -5850,7 +5523,6 @@
               <a:buSzPct val="75000"/>
               <a:buFontTx/>
               <a:buChar char="•"/>
-              <a:tabLst/>
               <a:defRPr/>
             </a:lvl1pPr>
           </a:lstStyle>
@@ -5902,7 +5574,7 @@
             <a:noAutofit/>
           </a:bodyPr>
           <a:lstStyle>
-            <a:lvl1pPr marL="183173" marR="0" indent="-183173" algn="l" defTabSz="412750" eaLnBrk="1" fontAlgn="auto" latinLnBrk="0" hangingPunct="1">
+            <a:lvl1pPr marL="182880" marR="0" indent="-182880" algn="l" defTabSz="412750" eaLnBrk="1" fontAlgn="auto" latinLnBrk="0" hangingPunct="1">
               <a:lnSpc>
                 <a:spcPct val="120000"/>
               </a:lnSpc>
@@ -5916,7 +5588,6 @@
               <a:buSzPct val="75000"/>
               <a:buFontTx/>
               <a:buChar char="•"/>
-              <a:tabLst/>
               <a:defRPr/>
             </a:lvl1pPr>
           </a:lstStyle>
@@ -5968,7 +5639,7 @@
             <a:noAutofit/>
           </a:bodyPr>
           <a:lstStyle>
-            <a:lvl1pPr marL="183173" marR="0" indent="-183173" algn="l" defTabSz="412750" eaLnBrk="1" fontAlgn="auto" latinLnBrk="0" hangingPunct="1">
+            <a:lvl1pPr marL="182880" marR="0" indent="-182880" algn="l" defTabSz="412750" eaLnBrk="1" fontAlgn="auto" latinLnBrk="0" hangingPunct="1">
               <a:lnSpc>
                 <a:spcPct val="120000"/>
               </a:lnSpc>
@@ -5982,7 +5653,6 @@
               <a:buSzPct val="75000"/>
               <a:buFontTx/>
               <a:buChar char="•"/>
-              <a:tabLst/>
               <a:defRPr/>
             </a:lvl1pPr>
           </a:lstStyle>
@@ -6034,7 +5704,7 @@
             <a:noAutofit/>
           </a:bodyPr>
           <a:lstStyle>
-            <a:lvl1pPr marL="183173" marR="0" indent="-183173" algn="l" defTabSz="412750" eaLnBrk="1" fontAlgn="auto" latinLnBrk="0" hangingPunct="1">
+            <a:lvl1pPr marL="182880" marR="0" indent="-182880" algn="l" defTabSz="412750" eaLnBrk="1" fontAlgn="auto" latinLnBrk="0" hangingPunct="1">
               <a:lnSpc>
                 <a:spcPct val="120000"/>
               </a:lnSpc>
@@ -6048,7 +5718,6 @@
               <a:buSzPct val="75000"/>
               <a:buFontTx/>
               <a:buChar char="•"/>
-              <a:tabLst/>
               <a:defRPr/>
             </a:lvl1pPr>
           </a:lstStyle>
@@ -6100,7 +5769,7 @@
             <a:noAutofit/>
           </a:bodyPr>
           <a:lstStyle>
-            <a:lvl1pPr marL="183173" marR="0" indent="-183173" algn="l" defTabSz="412750" eaLnBrk="1" fontAlgn="auto" latinLnBrk="0" hangingPunct="1">
+            <a:lvl1pPr marL="182880" marR="0" indent="-182880" algn="l" defTabSz="412750" eaLnBrk="1" fontAlgn="auto" latinLnBrk="0" hangingPunct="1">
               <a:lnSpc>
                 <a:spcPct val="120000"/>
               </a:lnSpc>
@@ -6114,7 +5783,6 @@
               <a:buSzPct val="75000"/>
               <a:buFontTx/>
               <a:buChar char="•"/>
-              <a:tabLst/>
               <a:defRPr/>
             </a:lvl1pPr>
           </a:lstStyle>
@@ -6132,11 +5800,6 @@
         </p:txBody>
       </p:sp>
     </p:spTree>
-    <p:extLst>
-      <p:ext uri="{BB962C8B-B14F-4D97-AF65-F5344CB8AC3E}">
-        <p14:creationId xmlns:p14="http://schemas.microsoft.com/office/powerpoint/2010/main" val="1039331132"/>
-      </p:ext>
-    </p:extLst>
   </p:cSld>
   <p:clrMapOvr>
     <a:masterClrMapping/>
@@ -6178,11 +5841,6 @@
           <a:ln w="12700">
             <a:miter lim="400000"/>
           </a:ln>
-          <a:extLst>
-            <a:ext uri="{C572A759-6A51-4108-AA02-DFA0A04FC94B}">
-              <ma14:wrappingTextBoxFlag xmlns="" xmlns:ma14="http://schemas.microsoft.com/office/mac/drawingml/2011/main" val="1"/>
-            </a:ext>
-          </a:extLst>
         </p:spPr>
         <p:txBody>
           <a:bodyPr wrap="none" lIns="25400" tIns="25400" rIns="25400" bIns="25400">
@@ -6202,22 +5860,12 @@
             </a:pPr>
             <a:fld id="{86CB4B4D-7CA3-9044-876B-883B54F8677D}" type="slidenum">
               <a:rPr sz="1400"/>
-              <a:pPr>
-                <a:spcBef>
-                  <a:spcPts val="2250"/>
-                </a:spcBef>
-                <a:defRPr sz="2800">
-                  <a:solidFill>
-                    <a:srgbClr val="797979"/>
-                  </a:solidFill>
-                </a:defRPr>
-              </a:pPr>
-              <a:t>‹#›</a:t>
             </a:fld>
             <a:r>
               <a:rPr sz="1400"/>
               <a:t>￼</a:t>
             </a:r>
+            <a:endParaRPr sz="1400"/>
           </a:p>
         </p:txBody>
       </p:sp>
@@ -6253,7 +5901,7 @@
             <a:noAutofit/>
           </a:bodyPr>
           <a:lstStyle>
-            <a:lvl1pPr marL="183173" marR="0" indent="-183173" algn="l" defTabSz="412750" eaLnBrk="1" fontAlgn="auto" latinLnBrk="0" hangingPunct="1">
+            <a:lvl1pPr marL="182880" marR="0" indent="-182880" algn="l" defTabSz="412750" eaLnBrk="1" fontAlgn="auto" latinLnBrk="0" hangingPunct="1">
               <a:lnSpc>
                 <a:spcPct val="120000"/>
               </a:lnSpc>
@@ -6267,7 +5915,6 @@
               <a:buSzPct val="75000"/>
               <a:buFontTx/>
               <a:buChar char="•"/>
-              <a:tabLst/>
               <a:defRPr/>
             </a:lvl1pPr>
           </a:lstStyle>
@@ -6304,18 +5951,13 @@
           <a:lstStyle/>
           <a:p>
             <a:fld id="{86CB4B4D-7CA3-9044-876B-883B54F8677D}" type="slidenum">
-              <a:t>‹#›</a:t>
+              <a:rPr/>
             </a:fld>
             <a:endParaRPr/>
           </a:p>
         </p:txBody>
       </p:sp>
     </p:spTree>
-    <p:extLst>
-      <p:ext uri="{BB962C8B-B14F-4D97-AF65-F5344CB8AC3E}">
-        <p14:creationId xmlns:p14="http://schemas.microsoft.com/office/powerpoint/2010/main" val="1469451069"/>
-      </p:ext>
-    </p:extLst>
   </p:cSld>
   <p:clrMapOvr>
     <a:masterClrMapping/>
@@ -6357,11 +5999,6 @@
           <a:ln w="12700">
             <a:miter lim="400000"/>
           </a:ln>
-          <a:extLst>
-            <a:ext uri="{C572A759-6A51-4108-AA02-DFA0A04FC94B}">
-              <ma14:wrappingTextBoxFlag xmlns="" xmlns:ma14="http://schemas.microsoft.com/office/mac/drawingml/2011/main" val="1"/>
-            </a:ext>
-          </a:extLst>
         </p:spPr>
         <p:txBody>
           <a:bodyPr wrap="none" lIns="25400" tIns="25400" rIns="25400" bIns="25400">
@@ -6381,22 +6018,12 @@
             </a:pPr>
             <a:fld id="{86CB4B4D-7CA3-9044-876B-883B54F8677D}" type="slidenum">
               <a:rPr sz="1400"/>
-              <a:pPr>
-                <a:spcBef>
-                  <a:spcPts val="2250"/>
-                </a:spcBef>
-                <a:defRPr sz="2800">
-                  <a:solidFill>
-                    <a:srgbClr val="797979"/>
-                  </a:solidFill>
-                </a:defRPr>
-              </a:pPr>
-              <a:t>‹#›</a:t>
             </a:fld>
             <a:r>
               <a:rPr sz="1400"/>
               <a:t>￼</a:t>
             </a:r>
+            <a:endParaRPr sz="1400"/>
           </a:p>
         </p:txBody>
       </p:sp>
@@ -6420,7 +6047,7 @@
           <a:lstStyle/>
           <a:p>
             <a:fld id="{86CB4B4D-7CA3-9044-876B-883B54F8677D}" type="slidenum">
-              <a:t>‹#›</a:t>
+              <a:rPr/>
             </a:fld>
             <a:endParaRPr/>
           </a:p>
@@ -6584,11 +6211,6 @@
         </p:txBody>
       </p:sp>
     </p:spTree>
-    <p:extLst>
-      <p:ext uri="{BB962C8B-B14F-4D97-AF65-F5344CB8AC3E}">
-        <p14:creationId xmlns:p14="http://schemas.microsoft.com/office/powerpoint/2010/main" val="2949086633"/>
-      </p:ext>
-    </p:extLst>
   </p:cSld>
   <p:clrMapOvr>
     <a:masterClrMapping/>
@@ -6630,11 +6252,6 @@
           <a:ln w="12700">
             <a:miter lim="400000"/>
           </a:ln>
-          <a:extLst>
-            <a:ext uri="{C572A759-6A51-4108-AA02-DFA0A04FC94B}">
-              <ma14:wrappingTextBoxFlag xmlns="" xmlns:ma14="http://schemas.microsoft.com/office/mac/drawingml/2011/main" val="1"/>
-            </a:ext>
-          </a:extLst>
         </p:spPr>
         <p:txBody>
           <a:bodyPr wrap="none" lIns="25400" tIns="25400" rIns="25400" bIns="25400">
@@ -6654,22 +6271,12 @@
             </a:pPr>
             <a:fld id="{86CB4B4D-7CA3-9044-876B-883B54F8677D}" type="slidenum">
               <a:rPr sz="1400"/>
-              <a:pPr>
-                <a:spcBef>
-                  <a:spcPts val="2250"/>
-                </a:spcBef>
-                <a:defRPr sz="2800">
-                  <a:solidFill>
-                    <a:srgbClr val="797979"/>
-                  </a:solidFill>
-                </a:defRPr>
-              </a:pPr>
-              <a:t>‹#›</a:t>
             </a:fld>
             <a:r>
               <a:rPr sz="1400"/>
               <a:t>￼</a:t>
             </a:r>
+            <a:endParaRPr sz="1400"/>
           </a:p>
         </p:txBody>
       </p:sp>
@@ -6744,7 +6351,7 @@
             <a:noAutofit/>
           </a:bodyPr>
           <a:lstStyle>
-            <a:lvl1pPr marL="183173" marR="0" indent="-183173" algn="l" defTabSz="412750" eaLnBrk="1" fontAlgn="auto" latinLnBrk="0" hangingPunct="1">
+            <a:lvl1pPr marL="182880" marR="0" indent="-182880" algn="l" defTabSz="412750" eaLnBrk="1" fontAlgn="auto" latinLnBrk="0" hangingPunct="1">
               <a:lnSpc>
                 <a:spcPct val="120000"/>
               </a:lnSpc>
@@ -6758,7 +6365,6 @@
               <a:buSzPct val="75000"/>
               <a:buFontTx/>
               <a:buChar char="•"/>
-              <a:tabLst/>
               <a:defRPr/>
             </a:lvl1pPr>
           </a:lstStyle>
@@ -6795,18 +6401,13 @@
           <a:lstStyle/>
           <a:p>
             <a:fld id="{86CB4B4D-7CA3-9044-876B-883B54F8677D}" type="slidenum">
-              <a:t>‹#›</a:t>
+              <a:rPr/>
             </a:fld>
             <a:endParaRPr/>
           </a:p>
         </p:txBody>
       </p:sp>
     </p:spTree>
-    <p:extLst>
-      <p:ext uri="{BB962C8B-B14F-4D97-AF65-F5344CB8AC3E}">
-        <p14:creationId xmlns:p14="http://schemas.microsoft.com/office/powerpoint/2010/main" val="100672424"/>
-      </p:ext>
-    </p:extLst>
   </p:cSld>
   <p:clrMapOvr>
     <a:masterClrMapping/>
@@ -6859,6 +6460,7 @@
               <a:rPr lang="zh-CN" altLang="en-US"/>
               <a:t>单击此处编辑母版标题样式</a:t>
             </a:r>
+            <a:endParaRPr lang="zh-CN" altLang="en-US"/>
           </a:p>
         </p:txBody>
       </p:sp>
@@ -6869,7 +6471,7 @@
             <a:spLocks noGrp="1"/>
           </p:cNvSpPr>
           <p:nvPr>
-            <p:ph type="body" idx="1"/>
+            <p:ph type="body" idx="1" hasCustomPrompt="1"/>
           </p:nvPr>
         </p:nvSpPr>
         <p:spPr>
@@ -6978,6 +6580,7 @@
               <a:rPr lang="zh-CN" altLang="en-US"/>
               <a:t>编辑母版文本样式</a:t>
             </a:r>
+            <a:endParaRPr lang="zh-CN" altLang="en-US"/>
           </a:p>
         </p:txBody>
       </p:sp>
@@ -6998,7 +6601,6 @@
           <a:p>
             <a:fld id="{A57F24E0-930B-4A04-9F56-81E5D8061857}" type="datetimeFigureOut">
               <a:rPr lang="zh-CN" altLang="en-US" smtClean="0"/>
-              <a:t>2023/9/24</a:t>
             </a:fld>
             <a:endParaRPr lang="zh-CN" altLang="en-US"/>
           </a:p>
@@ -7040,18 +6642,12 @@
           <a:p>
             <a:fld id="{B9E38970-8790-42ED-BDAA-B4F075DE2BCF}" type="slidenum">
               <a:rPr lang="zh-CN" altLang="en-US" smtClean="0"/>
-              <a:t>‹#›</a:t>
             </a:fld>
             <a:endParaRPr lang="zh-CN" altLang="en-US"/>
           </a:p>
         </p:txBody>
       </p:sp>
     </p:spTree>
-    <p:extLst>
-      <p:ext uri="{BB962C8B-B14F-4D97-AF65-F5344CB8AC3E}">
-        <p14:creationId xmlns:p14="http://schemas.microsoft.com/office/powerpoint/2010/main" val="1191537728"/>
-      </p:ext>
-    </p:extLst>
   </p:cSld>
   <p:clrMapOvr>
     <a:masterClrMapping/>
@@ -7095,6 +6691,7 @@
               <a:rPr lang="zh-CN" altLang="en-US"/>
               <a:t>单击此处编辑母版标题样式</a:t>
             </a:r>
+            <a:endParaRPr lang="zh-CN" altLang="en-US"/>
           </a:p>
         </p:txBody>
       </p:sp>
@@ -7105,7 +6702,7 @@
             <a:spLocks noGrp="1"/>
           </p:cNvSpPr>
           <p:nvPr>
-            <p:ph sz="half" idx="1"/>
+            <p:ph sz="half" idx="1" hasCustomPrompt="1"/>
           </p:nvPr>
         </p:nvSpPr>
         <p:spPr>
@@ -7123,6 +6720,7 @@
               <a:rPr lang="zh-CN" altLang="en-US"/>
               <a:t>编辑母版文本样式</a:t>
             </a:r>
+            <a:endParaRPr lang="zh-CN" altLang="en-US"/>
           </a:p>
           <a:p>
             <a:pPr lvl="1"/>
@@ -7130,6 +6728,7 @@
               <a:rPr lang="zh-CN" altLang="en-US"/>
               <a:t>第二级</a:t>
             </a:r>
+            <a:endParaRPr lang="zh-CN" altLang="en-US"/>
           </a:p>
           <a:p>
             <a:pPr lvl="2"/>
@@ -7137,6 +6736,7 @@
               <a:rPr lang="zh-CN" altLang="en-US"/>
               <a:t>第三级</a:t>
             </a:r>
+            <a:endParaRPr lang="zh-CN" altLang="en-US"/>
           </a:p>
           <a:p>
             <a:pPr lvl="3"/>
@@ -7144,6 +6744,7 @@
               <a:rPr lang="zh-CN" altLang="en-US"/>
               <a:t>第四级</a:t>
             </a:r>
+            <a:endParaRPr lang="zh-CN" altLang="en-US"/>
           </a:p>
           <a:p>
             <a:pPr lvl="4"/>
@@ -7151,6 +6752,7 @@
               <a:rPr lang="zh-CN" altLang="en-US"/>
               <a:t>第五级</a:t>
             </a:r>
+            <a:endParaRPr lang="zh-CN" altLang="en-US"/>
           </a:p>
         </p:txBody>
       </p:sp>
@@ -7161,7 +6763,7 @@
             <a:spLocks noGrp="1"/>
           </p:cNvSpPr>
           <p:nvPr>
-            <p:ph sz="half" idx="2"/>
+            <p:ph sz="half" idx="2" hasCustomPrompt="1"/>
           </p:nvPr>
         </p:nvSpPr>
         <p:spPr>
@@ -7179,6 +6781,7 @@
               <a:rPr lang="zh-CN" altLang="en-US"/>
               <a:t>编辑母版文本样式</a:t>
             </a:r>
+            <a:endParaRPr lang="zh-CN" altLang="en-US"/>
           </a:p>
           <a:p>
             <a:pPr lvl="1"/>
@@ -7186,6 +6789,7 @@
               <a:rPr lang="zh-CN" altLang="en-US"/>
               <a:t>第二级</a:t>
             </a:r>
+            <a:endParaRPr lang="zh-CN" altLang="en-US"/>
           </a:p>
           <a:p>
             <a:pPr lvl="2"/>
@@ -7193,6 +6797,7 @@
               <a:rPr lang="zh-CN" altLang="en-US"/>
               <a:t>第三级</a:t>
             </a:r>
+            <a:endParaRPr lang="zh-CN" altLang="en-US"/>
           </a:p>
           <a:p>
             <a:pPr lvl="3"/>
@@ -7200,6 +6805,7 @@
               <a:rPr lang="zh-CN" altLang="en-US"/>
               <a:t>第四级</a:t>
             </a:r>
+            <a:endParaRPr lang="zh-CN" altLang="en-US"/>
           </a:p>
           <a:p>
             <a:pPr lvl="4"/>
@@ -7207,6 +6813,7 @@
               <a:rPr lang="zh-CN" altLang="en-US"/>
               <a:t>第五级</a:t>
             </a:r>
+            <a:endParaRPr lang="zh-CN" altLang="en-US"/>
           </a:p>
         </p:txBody>
       </p:sp>
@@ -7227,7 +6834,6 @@
           <a:p>
             <a:fld id="{A57F24E0-930B-4A04-9F56-81E5D8061857}" type="datetimeFigureOut">
               <a:rPr lang="zh-CN" altLang="en-US" smtClean="0"/>
-              <a:t>2023/9/24</a:t>
             </a:fld>
             <a:endParaRPr lang="zh-CN" altLang="en-US"/>
           </a:p>
@@ -7269,18 +6875,12 @@
           <a:p>
             <a:fld id="{B9E38970-8790-42ED-BDAA-B4F075DE2BCF}" type="slidenum">
               <a:rPr lang="zh-CN" altLang="en-US" smtClean="0"/>
-              <a:t>‹#›</a:t>
             </a:fld>
             <a:endParaRPr lang="zh-CN" altLang="en-US"/>
           </a:p>
         </p:txBody>
       </p:sp>
     </p:spTree>
-    <p:extLst>
-      <p:ext uri="{BB962C8B-B14F-4D97-AF65-F5344CB8AC3E}">
-        <p14:creationId xmlns:p14="http://schemas.microsoft.com/office/powerpoint/2010/main" val="185591321"/>
-      </p:ext>
-    </p:extLst>
   </p:cSld>
   <p:clrMapOvr>
     <a:masterClrMapping/>
@@ -7329,6 +6929,7 @@
               <a:rPr lang="zh-CN" altLang="en-US"/>
               <a:t>单击此处编辑母版标题样式</a:t>
             </a:r>
+            <a:endParaRPr lang="zh-CN" altLang="en-US"/>
           </a:p>
         </p:txBody>
       </p:sp>
@@ -7339,7 +6940,7 @@
             <a:spLocks noGrp="1"/>
           </p:cNvSpPr>
           <p:nvPr>
-            <p:ph type="body" idx="1"/>
+            <p:ph type="body" idx="1" hasCustomPrompt="1"/>
           </p:nvPr>
         </p:nvSpPr>
         <p:spPr>
@@ -7394,6 +6995,7 @@
               <a:rPr lang="zh-CN" altLang="en-US"/>
               <a:t>编辑母版文本样式</a:t>
             </a:r>
+            <a:endParaRPr lang="zh-CN" altLang="en-US"/>
           </a:p>
         </p:txBody>
       </p:sp>
@@ -7404,7 +7006,7 @@
             <a:spLocks noGrp="1"/>
           </p:cNvSpPr>
           <p:nvPr>
-            <p:ph sz="half" idx="2"/>
+            <p:ph sz="half" idx="2" hasCustomPrompt="1"/>
           </p:nvPr>
         </p:nvSpPr>
         <p:spPr>
@@ -7422,6 +7024,7 @@
               <a:rPr lang="zh-CN" altLang="en-US"/>
               <a:t>编辑母版文本样式</a:t>
             </a:r>
+            <a:endParaRPr lang="zh-CN" altLang="en-US"/>
           </a:p>
           <a:p>
             <a:pPr lvl="1"/>
@@ -7429,6 +7032,7 @@
               <a:rPr lang="zh-CN" altLang="en-US"/>
               <a:t>第二级</a:t>
             </a:r>
+            <a:endParaRPr lang="zh-CN" altLang="en-US"/>
           </a:p>
           <a:p>
             <a:pPr lvl="2"/>
@@ -7436,6 +7040,7 @@
               <a:rPr lang="zh-CN" altLang="en-US"/>
               <a:t>第三级</a:t>
             </a:r>
+            <a:endParaRPr lang="zh-CN" altLang="en-US"/>
           </a:p>
           <a:p>
             <a:pPr lvl="3"/>
@@ -7443,6 +7048,7 @@
               <a:rPr lang="zh-CN" altLang="en-US"/>
               <a:t>第四级</a:t>
             </a:r>
+            <a:endParaRPr lang="zh-CN" altLang="en-US"/>
           </a:p>
           <a:p>
             <a:pPr lvl="4"/>
@@ -7450,6 +7056,7 @@
               <a:rPr lang="zh-CN" altLang="en-US"/>
               <a:t>第五级</a:t>
             </a:r>
+            <a:endParaRPr lang="zh-CN" altLang="en-US"/>
           </a:p>
         </p:txBody>
       </p:sp>
@@ -7460,7 +7067,7 @@
             <a:spLocks noGrp="1"/>
           </p:cNvSpPr>
           <p:nvPr>
-            <p:ph type="body" sz="quarter" idx="3"/>
+            <p:ph type="body" sz="quarter" idx="3" hasCustomPrompt="1"/>
           </p:nvPr>
         </p:nvSpPr>
         <p:spPr>
@@ -7515,6 +7122,7 @@
               <a:rPr lang="zh-CN" altLang="en-US"/>
               <a:t>编辑母版文本样式</a:t>
             </a:r>
+            <a:endParaRPr lang="zh-CN" altLang="en-US"/>
           </a:p>
         </p:txBody>
       </p:sp>
@@ -7525,7 +7133,7 @@
             <a:spLocks noGrp="1"/>
           </p:cNvSpPr>
           <p:nvPr>
-            <p:ph sz="quarter" idx="4"/>
+            <p:ph sz="quarter" idx="4" hasCustomPrompt="1"/>
           </p:nvPr>
         </p:nvSpPr>
         <p:spPr>
@@ -7543,6 +7151,7 @@
               <a:rPr lang="zh-CN" altLang="en-US"/>
               <a:t>编辑母版文本样式</a:t>
             </a:r>
+            <a:endParaRPr lang="zh-CN" altLang="en-US"/>
           </a:p>
           <a:p>
             <a:pPr lvl="1"/>
@@ -7550,6 +7159,7 @@
               <a:rPr lang="zh-CN" altLang="en-US"/>
               <a:t>第二级</a:t>
             </a:r>
+            <a:endParaRPr lang="zh-CN" altLang="en-US"/>
           </a:p>
           <a:p>
             <a:pPr lvl="2"/>
@@ -7557,6 +7167,7 @@
               <a:rPr lang="zh-CN" altLang="en-US"/>
               <a:t>第三级</a:t>
             </a:r>
+            <a:endParaRPr lang="zh-CN" altLang="en-US"/>
           </a:p>
           <a:p>
             <a:pPr lvl="3"/>
@@ -7564,6 +7175,7 @@
               <a:rPr lang="zh-CN" altLang="en-US"/>
               <a:t>第四级</a:t>
             </a:r>
+            <a:endParaRPr lang="zh-CN" altLang="en-US"/>
           </a:p>
           <a:p>
             <a:pPr lvl="4"/>
@@ -7571,6 +7183,7 @@
               <a:rPr lang="zh-CN" altLang="en-US"/>
               <a:t>第五级</a:t>
             </a:r>
+            <a:endParaRPr lang="zh-CN" altLang="en-US"/>
           </a:p>
         </p:txBody>
       </p:sp>
@@ -7591,7 +7204,6 @@
           <a:p>
             <a:fld id="{A57F24E0-930B-4A04-9F56-81E5D8061857}" type="datetimeFigureOut">
               <a:rPr lang="zh-CN" altLang="en-US" smtClean="0"/>
-              <a:t>2023/9/24</a:t>
             </a:fld>
             <a:endParaRPr lang="zh-CN" altLang="en-US"/>
           </a:p>
@@ -7633,7 +7245,6 @@
           <a:p>
             <a:fld id="{B9E38970-8790-42ED-BDAA-B4F075DE2BCF}" type="slidenum">
               <a:rPr lang="zh-CN" altLang="en-US" smtClean="0"/>
-              <a:t>‹#›</a:t>
             </a:fld>
             <a:endParaRPr lang="zh-CN" altLang="en-US"/>
           </a:p>
@@ -7665,8 +7276,8 @@
                 <a:solidFill>
                   <a:prstClr val="white"/>
                 </a:solidFill>
-                <a:latin typeface="Calibri"/>
-                <a:ea typeface="宋体"/>
+                <a:latin typeface="Calibri" panose="020F0502020204030204"/>
+                <a:ea typeface="宋体" panose="02010600030101010101" pitchFamily="2" charset="-122"/>
               </a:rPr>
               <a:t>PPT</a:t>
             </a:r>
@@ -7675,8 +7286,8 @@
                 <a:solidFill>
                   <a:prstClr val="white"/>
                 </a:solidFill>
-                <a:latin typeface="Calibri"/>
-                <a:ea typeface="宋体"/>
+                <a:latin typeface="Calibri" panose="020F0502020204030204"/>
+                <a:ea typeface="宋体" panose="02010600030101010101" pitchFamily="2" charset="-122"/>
               </a:rPr>
               <a:t>模板下载：</a:t>
             </a:r>
@@ -7685,8 +7296,8 @@
                 <a:solidFill>
                   <a:prstClr val="white"/>
                 </a:solidFill>
-                <a:latin typeface="Calibri"/>
-                <a:ea typeface="宋体"/>
+                <a:latin typeface="Calibri" panose="020F0502020204030204"/>
+                <a:ea typeface="宋体" panose="02010600030101010101" pitchFamily="2" charset="-122"/>
               </a:rPr>
               <a:t>www.1ppt.com/moban/          </a:t>
             </a:r>
@@ -7695,8 +7306,8 @@
                 <a:solidFill>
                   <a:prstClr val="white"/>
                 </a:solidFill>
-                <a:latin typeface="Calibri"/>
-                <a:ea typeface="宋体"/>
+                <a:latin typeface="Calibri" panose="020F0502020204030204"/>
+                <a:ea typeface="宋体" panose="02010600030101010101" pitchFamily="2" charset="-122"/>
               </a:rPr>
               <a:t>行业</a:t>
             </a:r>
@@ -7705,8 +7316,8 @@
                 <a:solidFill>
                   <a:prstClr val="white"/>
                 </a:solidFill>
-                <a:latin typeface="Calibri"/>
-                <a:ea typeface="宋体"/>
+                <a:latin typeface="Calibri" panose="020F0502020204030204"/>
+                <a:ea typeface="宋体" panose="02010600030101010101" pitchFamily="2" charset="-122"/>
               </a:rPr>
               <a:t>PPT</a:t>
             </a:r>
@@ -7715,8 +7326,8 @@
                 <a:solidFill>
                   <a:prstClr val="white"/>
                 </a:solidFill>
-                <a:latin typeface="Calibri"/>
-                <a:ea typeface="宋体"/>
+                <a:latin typeface="Calibri" panose="020F0502020204030204"/>
+                <a:ea typeface="宋体" panose="02010600030101010101" pitchFamily="2" charset="-122"/>
               </a:rPr>
               <a:t>模板：</a:t>
             </a:r>
@@ -7725,11 +7336,18 @@
                 <a:solidFill>
                   <a:prstClr val="white"/>
                 </a:solidFill>
-                <a:latin typeface="Calibri"/>
-                <a:ea typeface="宋体"/>
+                <a:latin typeface="Calibri" panose="020F0502020204030204"/>
+                <a:ea typeface="宋体" panose="02010600030101010101" pitchFamily="2" charset="-122"/>
               </a:rPr>
               <a:t>www.1ppt.com/hangye/ </a:t>
             </a:r>
+            <a:endParaRPr lang="en-US" altLang="zh-CN" sz="100" dirty="0">
+              <a:solidFill>
+                <a:prstClr val="white"/>
+              </a:solidFill>
+              <a:latin typeface="Calibri" panose="020F0502020204030204"/>
+              <a:ea typeface="宋体" panose="02010600030101010101" pitchFamily="2" charset="-122"/>
+            </a:endParaRPr>
           </a:p>
           <a:p>
             <a:r>
@@ -7737,8 +7355,8 @@
                 <a:solidFill>
                   <a:prstClr val="white"/>
                 </a:solidFill>
-                <a:latin typeface="Calibri"/>
-                <a:ea typeface="宋体"/>
+                <a:latin typeface="Calibri" panose="020F0502020204030204"/>
+                <a:ea typeface="宋体" panose="02010600030101010101" pitchFamily="2" charset="-122"/>
               </a:rPr>
               <a:t>节日</a:t>
             </a:r>
@@ -7747,8 +7365,8 @@
                 <a:solidFill>
                   <a:prstClr val="white"/>
                 </a:solidFill>
-                <a:latin typeface="Calibri"/>
-                <a:ea typeface="宋体"/>
+                <a:latin typeface="Calibri" panose="020F0502020204030204"/>
+                <a:ea typeface="宋体" panose="02010600030101010101" pitchFamily="2" charset="-122"/>
               </a:rPr>
               <a:t>PPT</a:t>
             </a:r>
@@ -7757,8 +7375,8 @@
                 <a:solidFill>
                   <a:prstClr val="white"/>
                 </a:solidFill>
-                <a:latin typeface="Calibri"/>
-                <a:ea typeface="宋体"/>
+                <a:latin typeface="Calibri" panose="020F0502020204030204"/>
+                <a:ea typeface="宋体" panose="02010600030101010101" pitchFamily="2" charset="-122"/>
               </a:rPr>
               <a:t>模板：</a:t>
             </a:r>
@@ -7767,8 +7385,8 @@
                 <a:solidFill>
                   <a:prstClr val="white"/>
                 </a:solidFill>
-                <a:latin typeface="Calibri"/>
-                <a:ea typeface="宋体"/>
+                <a:latin typeface="Calibri" panose="020F0502020204030204"/>
+                <a:ea typeface="宋体" panose="02010600030101010101" pitchFamily="2" charset="-122"/>
               </a:rPr>
               <a:t>www.1ppt.com/jieri/          PPT</a:t>
             </a:r>
@@ -7777,8 +7395,8 @@
                 <a:solidFill>
                   <a:prstClr val="white"/>
                 </a:solidFill>
-                <a:latin typeface="Calibri"/>
-                <a:ea typeface="宋体"/>
+                <a:latin typeface="Calibri" panose="020F0502020204030204"/>
+                <a:ea typeface="宋体" panose="02010600030101010101" pitchFamily="2" charset="-122"/>
               </a:rPr>
               <a:t>素材：</a:t>
             </a:r>
@@ -7787,11 +7405,18 @@
                 <a:solidFill>
                   <a:prstClr val="white"/>
                 </a:solidFill>
-                <a:latin typeface="Calibri"/>
-                <a:ea typeface="宋体"/>
+                <a:latin typeface="Calibri" panose="020F0502020204030204"/>
+                <a:ea typeface="宋体" panose="02010600030101010101" pitchFamily="2" charset="-122"/>
               </a:rPr>
               <a:t>www.1ppt.com/sucai/</a:t>
             </a:r>
+            <a:endParaRPr lang="en-US" altLang="zh-CN" sz="100" dirty="0">
+              <a:solidFill>
+                <a:prstClr val="white"/>
+              </a:solidFill>
+              <a:latin typeface="Calibri" panose="020F0502020204030204"/>
+              <a:ea typeface="宋体" panose="02010600030101010101" pitchFamily="2" charset="-122"/>
+            </a:endParaRPr>
           </a:p>
           <a:p>
             <a:r>
@@ -7799,8 +7424,8 @@
                 <a:solidFill>
                   <a:prstClr val="white"/>
                 </a:solidFill>
-                <a:latin typeface="Calibri"/>
-                <a:ea typeface="宋体"/>
+                <a:latin typeface="Calibri" panose="020F0502020204030204"/>
+                <a:ea typeface="宋体" panose="02010600030101010101" pitchFamily="2" charset="-122"/>
               </a:rPr>
               <a:t>PPT</a:t>
             </a:r>
@@ -7809,8 +7434,8 @@
                 <a:solidFill>
                   <a:prstClr val="white"/>
                 </a:solidFill>
-                <a:latin typeface="Calibri"/>
-                <a:ea typeface="宋体"/>
+                <a:latin typeface="Calibri" panose="020F0502020204030204"/>
+                <a:ea typeface="宋体" panose="02010600030101010101" pitchFamily="2" charset="-122"/>
               </a:rPr>
               <a:t>背景图片：</a:t>
             </a:r>
@@ -7819,8 +7444,8 @@
                 <a:solidFill>
                   <a:prstClr val="white"/>
                 </a:solidFill>
-                <a:latin typeface="Calibri"/>
-                <a:ea typeface="宋体"/>
+                <a:latin typeface="Calibri" panose="020F0502020204030204"/>
+                <a:ea typeface="宋体" panose="02010600030101010101" pitchFamily="2" charset="-122"/>
               </a:rPr>
               <a:t>www.1ppt.com/beijing/        PPT</a:t>
             </a:r>
@@ -7829,8 +7454,8 @@
                 <a:solidFill>
                   <a:prstClr val="white"/>
                 </a:solidFill>
-                <a:latin typeface="Calibri"/>
-                <a:ea typeface="宋体"/>
+                <a:latin typeface="Calibri" panose="020F0502020204030204"/>
+                <a:ea typeface="宋体" panose="02010600030101010101" pitchFamily="2" charset="-122"/>
               </a:rPr>
               <a:t>图表：</a:t>
             </a:r>
@@ -7839,11 +7464,18 @@
                 <a:solidFill>
                   <a:prstClr val="white"/>
                 </a:solidFill>
-                <a:latin typeface="Calibri"/>
-                <a:ea typeface="宋体"/>
+                <a:latin typeface="Calibri" panose="020F0502020204030204"/>
+                <a:ea typeface="宋体" panose="02010600030101010101" pitchFamily="2" charset="-122"/>
               </a:rPr>
               <a:t>www.1ppt.com/tubiao/      </a:t>
             </a:r>
+            <a:endParaRPr lang="en-US" altLang="zh-CN" sz="100" dirty="0">
+              <a:solidFill>
+                <a:prstClr val="white"/>
+              </a:solidFill>
+              <a:latin typeface="Calibri" panose="020F0502020204030204"/>
+              <a:ea typeface="宋体" panose="02010600030101010101" pitchFamily="2" charset="-122"/>
+            </a:endParaRPr>
           </a:p>
           <a:p>
             <a:r>
@@ -7851,8 +7483,8 @@
                 <a:solidFill>
                   <a:prstClr val="white"/>
                 </a:solidFill>
-                <a:latin typeface="Calibri"/>
-                <a:ea typeface="宋体"/>
+                <a:latin typeface="Calibri" panose="020F0502020204030204"/>
+                <a:ea typeface="宋体" panose="02010600030101010101" pitchFamily="2" charset="-122"/>
               </a:rPr>
               <a:t>精美</a:t>
             </a:r>
@@ -7861,8 +7493,8 @@
                 <a:solidFill>
                   <a:prstClr val="white"/>
                 </a:solidFill>
-                <a:latin typeface="Calibri"/>
-                <a:ea typeface="宋体"/>
+                <a:latin typeface="Calibri" panose="020F0502020204030204"/>
+                <a:ea typeface="宋体" panose="02010600030101010101" pitchFamily="2" charset="-122"/>
               </a:rPr>
               <a:t>PPT</a:t>
             </a:r>
@@ -7871,8 +7503,8 @@
                 <a:solidFill>
                   <a:prstClr val="white"/>
                 </a:solidFill>
-                <a:latin typeface="Calibri"/>
-                <a:ea typeface="宋体"/>
+                <a:latin typeface="Calibri" panose="020F0502020204030204"/>
+                <a:ea typeface="宋体" panose="02010600030101010101" pitchFamily="2" charset="-122"/>
               </a:rPr>
               <a:t>下载：</a:t>
             </a:r>
@@ -7881,8 +7513,8 @@
                 <a:solidFill>
                   <a:prstClr val="white"/>
                 </a:solidFill>
-                <a:latin typeface="Calibri"/>
-                <a:ea typeface="宋体"/>
+                <a:latin typeface="Calibri" panose="020F0502020204030204"/>
+                <a:ea typeface="宋体" panose="02010600030101010101" pitchFamily="2" charset="-122"/>
               </a:rPr>
               <a:t>www.1ppt.com/xiazai/         PPT</a:t>
             </a:r>
@@ -7891,8 +7523,8 @@
                 <a:solidFill>
                   <a:prstClr val="white"/>
                 </a:solidFill>
-                <a:latin typeface="Calibri"/>
-                <a:ea typeface="宋体"/>
+                <a:latin typeface="Calibri" panose="020F0502020204030204"/>
+                <a:ea typeface="宋体" panose="02010600030101010101" pitchFamily="2" charset="-122"/>
               </a:rPr>
               <a:t>教程： </a:t>
             </a:r>
@@ -7901,11 +7533,18 @@
                 <a:solidFill>
                   <a:prstClr val="white"/>
                 </a:solidFill>
-                <a:latin typeface="Calibri"/>
-                <a:ea typeface="宋体"/>
+                <a:latin typeface="Calibri" panose="020F0502020204030204"/>
+                <a:ea typeface="宋体" panose="02010600030101010101" pitchFamily="2" charset="-122"/>
               </a:rPr>
               <a:t>www.1ppt.com/powerpoint/      </a:t>
             </a:r>
+            <a:endParaRPr lang="en-US" altLang="zh-CN" sz="100" dirty="0">
+              <a:solidFill>
+                <a:prstClr val="white"/>
+              </a:solidFill>
+              <a:latin typeface="Calibri" panose="020F0502020204030204"/>
+              <a:ea typeface="宋体" panose="02010600030101010101" pitchFamily="2" charset="-122"/>
+            </a:endParaRPr>
           </a:p>
           <a:p>
             <a:r>
@@ -7913,8 +7552,8 @@
                 <a:solidFill>
                   <a:prstClr val="white"/>
                 </a:solidFill>
-                <a:latin typeface="Calibri"/>
-                <a:ea typeface="宋体"/>
+                <a:latin typeface="Calibri" panose="020F0502020204030204"/>
+                <a:ea typeface="宋体" panose="02010600030101010101" pitchFamily="2" charset="-122"/>
               </a:rPr>
               <a:t>PPT</a:t>
             </a:r>
@@ -7923,8 +7562,8 @@
                 <a:solidFill>
                   <a:prstClr val="white"/>
                 </a:solidFill>
-                <a:latin typeface="Calibri"/>
-                <a:ea typeface="宋体"/>
+                <a:latin typeface="Calibri" panose="020F0502020204030204"/>
+                <a:ea typeface="宋体" panose="02010600030101010101" pitchFamily="2" charset="-122"/>
               </a:rPr>
               <a:t>课件：</a:t>
             </a:r>
@@ -7933,8 +7572,8 @@
                 <a:solidFill>
                   <a:prstClr val="white"/>
                 </a:solidFill>
-                <a:latin typeface="Calibri"/>
-                <a:ea typeface="宋体"/>
+                <a:latin typeface="Calibri" panose="020F0502020204030204"/>
+                <a:ea typeface="宋体" panose="02010600030101010101" pitchFamily="2" charset="-122"/>
               </a:rPr>
               <a:t>www.1ppt.com/kejian/             </a:t>
             </a:r>
@@ -7943,8 +7582,8 @@
                 <a:solidFill>
                   <a:prstClr val="white"/>
                 </a:solidFill>
-                <a:latin typeface="Calibri"/>
-                <a:ea typeface="宋体"/>
+                <a:latin typeface="Calibri" panose="020F0502020204030204"/>
+                <a:ea typeface="宋体" panose="02010600030101010101" pitchFamily="2" charset="-122"/>
               </a:rPr>
               <a:t>字体下载：</a:t>
             </a:r>
@@ -7953,11 +7592,18 @@
                 <a:solidFill>
                   <a:prstClr val="white"/>
                 </a:solidFill>
-                <a:latin typeface="Calibri"/>
-                <a:ea typeface="宋体"/>
+                <a:latin typeface="Calibri" panose="020F0502020204030204"/>
+                <a:ea typeface="宋体" panose="02010600030101010101" pitchFamily="2" charset="-122"/>
               </a:rPr>
               <a:t>www.1ppt.com/ziti/</a:t>
             </a:r>
+            <a:endParaRPr lang="en-US" altLang="zh-CN" sz="100" dirty="0">
+              <a:solidFill>
+                <a:prstClr val="white"/>
+              </a:solidFill>
+              <a:latin typeface="Calibri" panose="020F0502020204030204"/>
+              <a:ea typeface="宋体" panose="02010600030101010101" pitchFamily="2" charset="-122"/>
+            </a:endParaRPr>
           </a:p>
           <a:p>
             <a:r>
@@ -7965,8 +7611,8 @@
                 <a:solidFill>
                   <a:prstClr val="white"/>
                 </a:solidFill>
-                <a:latin typeface="Calibri"/>
-                <a:ea typeface="宋体"/>
+                <a:latin typeface="Calibri" panose="020F0502020204030204"/>
+                <a:ea typeface="宋体" panose="02010600030101010101" pitchFamily="2" charset="-122"/>
               </a:rPr>
               <a:t>工作总结</a:t>
             </a:r>
@@ -7975,8 +7621,8 @@
                 <a:solidFill>
                   <a:prstClr val="white"/>
                 </a:solidFill>
-                <a:latin typeface="Calibri"/>
-                <a:ea typeface="宋体"/>
+                <a:latin typeface="Calibri" panose="020F0502020204030204"/>
+                <a:ea typeface="宋体" panose="02010600030101010101" pitchFamily="2" charset="-122"/>
               </a:rPr>
               <a:t>PPT</a:t>
             </a:r>
@@ -7985,8 +7631,8 @@
                 <a:solidFill>
                   <a:prstClr val="white"/>
                 </a:solidFill>
-                <a:latin typeface="Calibri"/>
-                <a:ea typeface="宋体"/>
+                <a:latin typeface="Calibri" panose="020F0502020204030204"/>
+                <a:ea typeface="宋体" panose="02010600030101010101" pitchFamily="2" charset="-122"/>
               </a:rPr>
               <a:t>：</a:t>
             </a:r>
@@ -7995,8 +7641,8 @@
                 <a:solidFill>
                   <a:prstClr val="white"/>
                 </a:solidFill>
-                <a:latin typeface="Calibri"/>
-                <a:ea typeface="宋体"/>
+                <a:latin typeface="Calibri" panose="020F0502020204030204"/>
+                <a:ea typeface="宋体" panose="02010600030101010101" pitchFamily="2" charset="-122"/>
               </a:rPr>
               <a:t>www.1ppt.com/xiazai/zongjie/ </a:t>
             </a:r>
@@ -8005,8 +7651,8 @@
                 <a:solidFill>
                   <a:prstClr val="white"/>
                 </a:solidFill>
-                <a:latin typeface="Calibri"/>
-                <a:ea typeface="宋体"/>
+                <a:latin typeface="Calibri" panose="020F0502020204030204"/>
+                <a:ea typeface="宋体" panose="02010600030101010101" pitchFamily="2" charset="-122"/>
               </a:rPr>
               <a:t>工作计划：</a:t>
             </a:r>
@@ -8015,11 +7661,18 @@
                 <a:solidFill>
                   <a:prstClr val="white"/>
                 </a:solidFill>
-                <a:latin typeface="Calibri"/>
-                <a:ea typeface="宋体"/>
+                <a:latin typeface="Calibri" panose="020F0502020204030204"/>
+                <a:ea typeface="宋体" panose="02010600030101010101" pitchFamily="2" charset="-122"/>
               </a:rPr>
               <a:t>www.1ppt.com/xiazai/jihua/</a:t>
             </a:r>
+            <a:endParaRPr lang="en-US" altLang="zh-CN" sz="100" dirty="0">
+              <a:solidFill>
+                <a:prstClr val="white"/>
+              </a:solidFill>
+              <a:latin typeface="Calibri" panose="020F0502020204030204"/>
+              <a:ea typeface="宋体" panose="02010600030101010101" pitchFamily="2" charset="-122"/>
+            </a:endParaRPr>
           </a:p>
           <a:p>
             <a:r>
@@ -8027,8 +7680,8 @@
                 <a:solidFill>
                   <a:prstClr val="white"/>
                 </a:solidFill>
-                <a:latin typeface="Calibri"/>
-                <a:ea typeface="宋体"/>
+                <a:latin typeface="Calibri" panose="020F0502020204030204"/>
+                <a:ea typeface="宋体" panose="02010600030101010101" pitchFamily="2" charset="-122"/>
               </a:rPr>
               <a:t>商务</a:t>
             </a:r>
@@ -8037,8 +7690,8 @@
                 <a:solidFill>
                   <a:prstClr val="white"/>
                 </a:solidFill>
-                <a:latin typeface="Calibri"/>
-                <a:ea typeface="宋体"/>
+                <a:latin typeface="Calibri" panose="020F0502020204030204"/>
+                <a:ea typeface="宋体" panose="02010600030101010101" pitchFamily="2" charset="-122"/>
               </a:rPr>
               <a:t>PPT</a:t>
             </a:r>
@@ -8047,8 +7700,8 @@
                 <a:solidFill>
                   <a:prstClr val="white"/>
                 </a:solidFill>
-                <a:latin typeface="Calibri"/>
-                <a:ea typeface="宋体"/>
+                <a:latin typeface="Calibri" panose="020F0502020204030204"/>
+                <a:ea typeface="宋体" panose="02010600030101010101" pitchFamily="2" charset="-122"/>
               </a:rPr>
               <a:t>模板：</a:t>
             </a:r>
@@ -8057,8 +7710,8 @@
                 <a:solidFill>
                   <a:prstClr val="white"/>
                 </a:solidFill>
-                <a:latin typeface="Calibri"/>
-                <a:ea typeface="宋体"/>
+                <a:latin typeface="Calibri" panose="020F0502020204030204"/>
+                <a:ea typeface="宋体" panose="02010600030101010101" pitchFamily="2" charset="-122"/>
               </a:rPr>
               <a:t>www.1ppt.com/moban/shangwu/  </a:t>
             </a:r>
@@ -8067,8 +7720,8 @@
                 <a:solidFill>
                   <a:prstClr val="white"/>
                 </a:solidFill>
-                <a:latin typeface="Calibri"/>
-                <a:ea typeface="宋体"/>
+                <a:latin typeface="Calibri" panose="020F0502020204030204"/>
+                <a:ea typeface="宋体" panose="02010600030101010101" pitchFamily="2" charset="-122"/>
               </a:rPr>
               <a:t>个人简历</a:t>
             </a:r>
@@ -8077,8 +7730,8 @@
                 <a:solidFill>
                   <a:prstClr val="white"/>
                 </a:solidFill>
-                <a:latin typeface="Calibri"/>
-                <a:ea typeface="宋体"/>
+                <a:latin typeface="Calibri" panose="020F0502020204030204"/>
+                <a:ea typeface="宋体" panose="02010600030101010101" pitchFamily="2" charset="-122"/>
               </a:rPr>
               <a:t>PPT</a:t>
             </a:r>
@@ -8087,8 +7740,8 @@
                 <a:solidFill>
                   <a:prstClr val="white"/>
                 </a:solidFill>
-                <a:latin typeface="Calibri"/>
-                <a:ea typeface="宋体"/>
+                <a:latin typeface="Calibri" panose="020F0502020204030204"/>
+                <a:ea typeface="宋体" panose="02010600030101010101" pitchFamily="2" charset="-122"/>
               </a:rPr>
               <a:t>：</a:t>
             </a:r>
@@ -8097,11 +7750,18 @@
                 <a:solidFill>
                   <a:prstClr val="white"/>
                 </a:solidFill>
-                <a:latin typeface="Calibri"/>
-                <a:ea typeface="宋体"/>
+                <a:latin typeface="Calibri" panose="020F0502020204030204"/>
+                <a:ea typeface="宋体" panose="02010600030101010101" pitchFamily="2" charset="-122"/>
               </a:rPr>
               <a:t>www.1ppt.com/xiazai/jianli/  </a:t>
             </a:r>
+            <a:endParaRPr lang="en-US" altLang="zh-CN" sz="100" dirty="0">
+              <a:solidFill>
+                <a:prstClr val="white"/>
+              </a:solidFill>
+              <a:latin typeface="Calibri" panose="020F0502020204030204"/>
+              <a:ea typeface="宋体" panose="02010600030101010101" pitchFamily="2" charset="-122"/>
+            </a:endParaRPr>
           </a:p>
           <a:p>
             <a:r>
@@ -8109,8 +7769,8 @@
                 <a:solidFill>
                   <a:prstClr val="white"/>
                 </a:solidFill>
-                <a:latin typeface="Calibri"/>
-                <a:ea typeface="宋体"/>
+                <a:latin typeface="Calibri" panose="020F0502020204030204"/>
+                <a:ea typeface="宋体" panose="02010600030101010101" pitchFamily="2" charset="-122"/>
               </a:rPr>
               <a:t>毕业答辩</a:t>
             </a:r>
@@ -8119,8 +7779,8 @@
                 <a:solidFill>
                   <a:prstClr val="white"/>
                 </a:solidFill>
-                <a:latin typeface="Calibri"/>
-                <a:ea typeface="宋体"/>
+                <a:latin typeface="Calibri" panose="020F0502020204030204"/>
+                <a:ea typeface="宋体" panose="02010600030101010101" pitchFamily="2" charset="-122"/>
               </a:rPr>
               <a:t>PPT</a:t>
             </a:r>
@@ -8129,8 +7789,8 @@
                 <a:solidFill>
                   <a:prstClr val="white"/>
                 </a:solidFill>
-                <a:latin typeface="Calibri"/>
-                <a:ea typeface="宋体"/>
+                <a:latin typeface="Calibri" panose="020F0502020204030204"/>
+                <a:ea typeface="宋体" panose="02010600030101010101" pitchFamily="2" charset="-122"/>
               </a:rPr>
               <a:t>：</a:t>
             </a:r>
@@ -8139,8 +7799,8 @@
                 <a:solidFill>
                   <a:prstClr val="white"/>
                 </a:solidFill>
-                <a:latin typeface="Calibri"/>
-                <a:ea typeface="宋体"/>
+                <a:latin typeface="Calibri" panose="020F0502020204030204"/>
+                <a:ea typeface="宋体" panose="02010600030101010101" pitchFamily="2" charset="-122"/>
               </a:rPr>
               <a:t>www.1ppt.com/xiazai/dabian/  </a:t>
             </a:r>
@@ -8149,8 +7809,8 @@
                 <a:solidFill>
                   <a:prstClr val="white"/>
                 </a:solidFill>
-                <a:latin typeface="Calibri"/>
-                <a:ea typeface="宋体"/>
+                <a:latin typeface="Calibri" panose="020F0502020204030204"/>
+                <a:ea typeface="宋体" panose="02010600030101010101" pitchFamily="2" charset="-122"/>
               </a:rPr>
               <a:t>工作汇报</a:t>
             </a:r>
@@ -8159,8 +7819,8 @@
                 <a:solidFill>
                   <a:prstClr val="white"/>
                 </a:solidFill>
-                <a:latin typeface="Calibri"/>
-                <a:ea typeface="宋体"/>
+                <a:latin typeface="Calibri" panose="020F0502020204030204"/>
+                <a:ea typeface="宋体" panose="02010600030101010101" pitchFamily="2" charset="-122"/>
               </a:rPr>
               <a:t>PPT</a:t>
             </a:r>
@@ -8169,8 +7829,8 @@
                 <a:solidFill>
                   <a:prstClr val="white"/>
                 </a:solidFill>
-                <a:latin typeface="Calibri"/>
-                <a:ea typeface="宋体"/>
+                <a:latin typeface="Calibri" panose="020F0502020204030204"/>
+                <a:ea typeface="宋体" panose="02010600030101010101" pitchFamily="2" charset="-122"/>
               </a:rPr>
               <a:t>：</a:t>
             </a:r>
@@ -8179,11 +7839,18 @@
                 <a:solidFill>
                   <a:prstClr val="white"/>
                 </a:solidFill>
-                <a:latin typeface="Calibri"/>
-                <a:ea typeface="宋体"/>
+                <a:latin typeface="Calibri" panose="020F0502020204030204"/>
+                <a:ea typeface="宋体" panose="02010600030101010101" pitchFamily="2" charset="-122"/>
               </a:rPr>
               <a:t>www.1ppt.com/xiazai/huibao/    </a:t>
             </a:r>
+            <a:endParaRPr lang="en-US" altLang="zh-CN" sz="100" dirty="0">
+              <a:solidFill>
+                <a:prstClr val="white"/>
+              </a:solidFill>
+              <a:latin typeface="Calibri" panose="020F0502020204030204"/>
+              <a:ea typeface="宋体" panose="02010600030101010101" pitchFamily="2" charset="-122"/>
+            </a:endParaRPr>
           </a:p>
           <a:p>
             <a:r>
@@ -8191,20 +7858,22 @@
                 <a:solidFill>
                   <a:prstClr val="white"/>
                 </a:solidFill>
-                <a:latin typeface="Calibri"/>
-                <a:ea typeface="宋体"/>
+                <a:latin typeface="Calibri" panose="020F0502020204030204"/>
+                <a:ea typeface="宋体" panose="02010600030101010101" pitchFamily="2" charset="-122"/>
               </a:rPr>
               <a:t> </a:t>
             </a:r>
+            <a:endParaRPr lang="en-US" altLang="zh-CN" sz="100" dirty="0">
+              <a:solidFill>
+                <a:prstClr val="white"/>
+              </a:solidFill>
+              <a:latin typeface="Calibri" panose="020F0502020204030204"/>
+              <a:ea typeface="宋体" panose="02010600030101010101" pitchFamily="2" charset="-122"/>
+            </a:endParaRPr>
           </a:p>
         </p:txBody>
       </p:sp>
     </p:spTree>
-    <p:extLst>
-      <p:ext uri="{BB962C8B-B14F-4D97-AF65-F5344CB8AC3E}">
-        <p14:creationId xmlns:p14="http://schemas.microsoft.com/office/powerpoint/2010/main" val="3125809807"/>
-      </p:ext>
-    </p:extLst>
   </p:cSld>
   <p:clrMapOvr>
     <a:masterClrMapping/>
@@ -8248,6 +7917,7 @@
               <a:rPr lang="zh-CN" altLang="en-US"/>
               <a:t>单击此处编辑母版标题样式</a:t>
             </a:r>
+            <a:endParaRPr lang="zh-CN" altLang="en-US"/>
           </a:p>
         </p:txBody>
       </p:sp>
@@ -8268,7 +7938,6 @@
           <a:p>
             <a:fld id="{A57F24E0-930B-4A04-9F56-81E5D8061857}" type="datetimeFigureOut">
               <a:rPr lang="zh-CN" altLang="en-US" smtClean="0"/>
-              <a:t>2023/9/24</a:t>
             </a:fld>
             <a:endParaRPr lang="zh-CN" altLang="en-US"/>
           </a:p>
@@ -8310,18 +7979,12 @@
           <a:p>
             <a:fld id="{B9E38970-8790-42ED-BDAA-B4F075DE2BCF}" type="slidenum">
               <a:rPr lang="zh-CN" altLang="en-US" smtClean="0"/>
-              <a:t>‹#›</a:t>
             </a:fld>
             <a:endParaRPr lang="zh-CN" altLang="en-US"/>
           </a:p>
         </p:txBody>
       </p:sp>
     </p:spTree>
-    <p:extLst>
-      <p:ext uri="{BB962C8B-B14F-4D97-AF65-F5344CB8AC3E}">
-        <p14:creationId xmlns:p14="http://schemas.microsoft.com/office/powerpoint/2010/main" val="2567982403"/>
-      </p:ext>
-    </p:extLst>
   </p:cSld>
   <p:clrMapOvr>
     <a:masterClrMapping/>
@@ -8363,7 +8026,6 @@
           <a:p>
             <a:fld id="{A57F24E0-930B-4A04-9F56-81E5D8061857}" type="datetimeFigureOut">
               <a:rPr lang="zh-CN" altLang="en-US" smtClean="0"/>
-              <a:t>2023/9/24</a:t>
             </a:fld>
             <a:endParaRPr lang="zh-CN" altLang="en-US"/>
           </a:p>
@@ -8405,18 +8067,12 @@
           <a:p>
             <a:fld id="{B9E38970-8790-42ED-BDAA-B4F075DE2BCF}" type="slidenum">
               <a:rPr lang="zh-CN" altLang="en-US" smtClean="0"/>
-              <a:t>‹#›</a:t>
             </a:fld>
             <a:endParaRPr lang="zh-CN" altLang="en-US"/>
           </a:p>
         </p:txBody>
       </p:sp>
     </p:spTree>
-    <p:extLst>
-      <p:ext uri="{BB962C8B-B14F-4D97-AF65-F5344CB8AC3E}">
-        <p14:creationId xmlns:p14="http://schemas.microsoft.com/office/powerpoint/2010/main" val="3294688415"/>
-      </p:ext>
-    </p:extLst>
   </p:cSld>
   <p:clrMapOvr>
     <a:masterClrMapping/>
@@ -8469,6 +8125,7 @@
               <a:rPr lang="zh-CN" altLang="en-US"/>
               <a:t>单击此处编辑母版标题样式</a:t>
             </a:r>
+            <a:endParaRPr lang="zh-CN" altLang="en-US"/>
           </a:p>
         </p:txBody>
       </p:sp>
@@ -8479,7 +8136,7 @@
             <a:spLocks noGrp="1"/>
           </p:cNvSpPr>
           <p:nvPr>
-            <p:ph idx="1"/>
+            <p:ph idx="1" hasCustomPrompt="1"/>
           </p:nvPr>
         </p:nvSpPr>
         <p:spPr>
@@ -8525,6 +8182,7 @@
               <a:rPr lang="zh-CN" altLang="en-US"/>
               <a:t>编辑母版文本样式</a:t>
             </a:r>
+            <a:endParaRPr lang="zh-CN" altLang="en-US"/>
           </a:p>
           <a:p>
             <a:pPr lvl="1"/>
@@ -8532,6 +8190,7 @@
               <a:rPr lang="zh-CN" altLang="en-US"/>
               <a:t>第二级</a:t>
             </a:r>
+            <a:endParaRPr lang="zh-CN" altLang="en-US"/>
           </a:p>
           <a:p>
             <a:pPr lvl="2"/>
@@ -8539,6 +8198,7 @@
               <a:rPr lang="zh-CN" altLang="en-US"/>
               <a:t>第三级</a:t>
             </a:r>
+            <a:endParaRPr lang="zh-CN" altLang="en-US"/>
           </a:p>
           <a:p>
             <a:pPr lvl="3"/>
@@ -8546,6 +8206,7 @@
               <a:rPr lang="zh-CN" altLang="en-US"/>
               <a:t>第四级</a:t>
             </a:r>
+            <a:endParaRPr lang="zh-CN" altLang="en-US"/>
           </a:p>
           <a:p>
             <a:pPr lvl="4"/>
@@ -8553,6 +8214,7 @@
               <a:rPr lang="zh-CN" altLang="en-US"/>
               <a:t>第五级</a:t>
             </a:r>
+            <a:endParaRPr lang="zh-CN" altLang="en-US"/>
           </a:p>
         </p:txBody>
       </p:sp>
@@ -8563,7 +8225,7 @@
             <a:spLocks noGrp="1"/>
           </p:cNvSpPr>
           <p:nvPr>
-            <p:ph type="body" sz="half" idx="2"/>
+            <p:ph type="body" sz="half" idx="2" hasCustomPrompt="1"/>
           </p:nvPr>
         </p:nvSpPr>
         <p:spPr>
@@ -8618,6 +8280,7 @@
               <a:rPr lang="zh-CN" altLang="en-US"/>
               <a:t>编辑母版文本样式</a:t>
             </a:r>
+            <a:endParaRPr lang="zh-CN" altLang="en-US"/>
           </a:p>
         </p:txBody>
       </p:sp>
@@ -8638,7 +8301,6 @@
           <a:p>
             <a:fld id="{A57F24E0-930B-4A04-9F56-81E5D8061857}" type="datetimeFigureOut">
               <a:rPr lang="zh-CN" altLang="en-US" smtClean="0"/>
-              <a:t>2023/9/24</a:t>
             </a:fld>
             <a:endParaRPr lang="zh-CN" altLang="en-US"/>
           </a:p>
@@ -8680,18 +8342,12 @@
           <a:p>
             <a:fld id="{B9E38970-8790-42ED-BDAA-B4F075DE2BCF}" type="slidenum">
               <a:rPr lang="zh-CN" altLang="en-US" smtClean="0"/>
-              <a:t>‹#›</a:t>
             </a:fld>
             <a:endParaRPr lang="zh-CN" altLang="en-US"/>
           </a:p>
         </p:txBody>
       </p:sp>
     </p:spTree>
-    <p:extLst>
-      <p:ext uri="{BB962C8B-B14F-4D97-AF65-F5344CB8AC3E}">
-        <p14:creationId xmlns:p14="http://schemas.microsoft.com/office/powerpoint/2010/main" val="311384471"/>
-      </p:ext>
-    </p:extLst>
   </p:cSld>
   <p:clrMapOvr>
     <a:masterClrMapping/>
@@ -8744,6 +8400,7 @@
               <a:rPr lang="zh-CN" altLang="en-US"/>
               <a:t>单击此处编辑母版标题样式</a:t>
             </a:r>
+            <a:endParaRPr lang="zh-CN" altLang="en-US"/>
           </a:p>
         </p:txBody>
       </p:sp>
@@ -8815,7 +8472,7 @@
             <a:spLocks noGrp="1"/>
           </p:cNvSpPr>
           <p:nvPr>
-            <p:ph type="body" sz="half" idx="2"/>
+            <p:ph type="body" sz="half" idx="2" hasCustomPrompt="1"/>
           </p:nvPr>
         </p:nvSpPr>
         <p:spPr>
@@ -8870,6 +8527,7 @@
               <a:rPr lang="zh-CN" altLang="en-US"/>
               <a:t>编辑母版文本样式</a:t>
             </a:r>
+            <a:endParaRPr lang="zh-CN" altLang="en-US"/>
           </a:p>
         </p:txBody>
       </p:sp>
@@ -8890,7 +8548,6 @@
           <a:p>
             <a:fld id="{A57F24E0-930B-4A04-9F56-81E5D8061857}" type="datetimeFigureOut">
               <a:rPr lang="zh-CN" altLang="en-US" smtClean="0"/>
-              <a:t>2023/9/24</a:t>
             </a:fld>
             <a:endParaRPr lang="zh-CN" altLang="en-US"/>
           </a:p>
@@ -8932,18 +8589,12 @@
           <a:p>
             <a:fld id="{B9E38970-8790-42ED-BDAA-B4F075DE2BCF}" type="slidenum">
               <a:rPr lang="zh-CN" altLang="en-US" smtClean="0"/>
-              <a:t>‹#›</a:t>
             </a:fld>
             <a:endParaRPr lang="zh-CN" altLang="en-US"/>
           </a:p>
         </p:txBody>
       </p:sp>
     </p:spTree>
-    <p:extLst>
-      <p:ext uri="{BB962C8B-B14F-4D97-AF65-F5344CB8AC3E}">
-        <p14:creationId xmlns:p14="http://schemas.microsoft.com/office/powerpoint/2010/main" val="2372719439"/>
-      </p:ext>
-    </p:extLst>
   </p:cSld>
   <p:clrMapOvr>
     <a:masterClrMapping/>
@@ -9005,6 +8656,7 @@
               <a:rPr lang="zh-CN" altLang="en-US"/>
               <a:t>单击此处编辑母版标题样式</a:t>
             </a:r>
+            <a:endParaRPr lang="zh-CN" altLang="en-US"/>
           </a:p>
         </p:txBody>
       </p:sp>
@@ -9038,6 +8690,7 @@
               <a:rPr lang="zh-CN" altLang="en-US"/>
               <a:t>编辑母版文本样式</a:t>
             </a:r>
+            <a:endParaRPr lang="zh-CN" altLang="en-US"/>
           </a:p>
           <a:p>
             <a:pPr lvl="1"/>
@@ -9045,6 +8698,7 @@
               <a:rPr lang="zh-CN" altLang="en-US"/>
               <a:t>第二级</a:t>
             </a:r>
+            <a:endParaRPr lang="zh-CN" altLang="en-US"/>
           </a:p>
           <a:p>
             <a:pPr lvl="2"/>
@@ -9052,6 +8706,7 @@
               <a:rPr lang="zh-CN" altLang="en-US"/>
               <a:t>第三级</a:t>
             </a:r>
+            <a:endParaRPr lang="zh-CN" altLang="en-US"/>
           </a:p>
           <a:p>
             <a:pPr lvl="3"/>
@@ -9059,6 +8714,7 @@
               <a:rPr lang="zh-CN" altLang="en-US"/>
               <a:t>第四级</a:t>
             </a:r>
+            <a:endParaRPr lang="zh-CN" altLang="en-US"/>
           </a:p>
           <a:p>
             <a:pPr lvl="4"/>
@@ -9066,6 +8722,7 @@
               <a:rPr lang="zh-CN" altLang="en-US"/>
               <a:t>第五级</a:t>
             </a:r>
+            <a:endParaRPr lang="zh-CN" altLang="en-US"/>
           </a:p>
         </p:txBody>
       </p:sp>
@@ -9104,7 +8761,6 @@
           <a:p>
             <a:fld id="{A57F24E0-930B-4A04-9F56-81E5D8061857}" type="datetimeFigureOut">
               <a:rPr lang="zh-CN" altLang="en-US" smtClean="0"/>
-              <a:t>2023/9/24</a:t>
             </a:fld>
             <a:endParaRPr lang="zh-CN" altLang="en-US"/>
           </a:p>
@@ -9182,18 +8838,12 @@
           <a:p>
             <a:fld id="{B9E38970-8790-42ED-BDAA-B4F075DE2BCF}" type="slidenum">
               <a:rPr lang="zh-CN" altLang="en-US" smtClean="0"/>
-              <a:t>‹#›</a:t>
             </a:fld>
             <a:endParaRPr lang="zh-CN" altLang="en-US"/>
           </a:p>
         </p:txBody>
       </p:sp>
     </p:spTree>
-    <p:extLst>
-      <p:ext uri="{BB962C8B-B14F-4D97-AF65-F5344CB8AC3E}">
-        <p14:creationId xmlns:p14="http://schemas.microsoft.com/office/powerpoint/2010/main" val="3180542654"/>
-      </p:ext>
-    </p:extLst>
   </p:cSld>
   <p:clrMap bg1="lt1" tx1="dk1" bg2="lt2" tx2="dk2" accent1="accent1" accent2="accent2" accent3="accent3" accent4="accent4" accent5="accent5" accent6="accent6" hlink="hlink" folHlink="folHlink"/>
   <p:sldLayoutIdLst>
@@ -9208,20 +8858,20 @@
     <p:sldLayoutId id="2147483657" r:id="rId9"/>
     <p:sldLayoutId id="2147483658" r:id="rId10"/>
     <p:sldLayoutId id="2147483659" r:id="rId11"/>
-    <p:sldLayoutId id="2147483661" r:id="rId12"/>
-    <p:sldLayoutId id="2147483662" r:id="rId13"/>
-    <p:sldLayoutId id="2147483663" r:id="rId14"/>
-    <p:sldLayoutId id="2147483664" r:id="rId15"/>
-    <p:sldLayoutId id="2147483669" r:id="rId16"/>
-    <p:sldLayoutId id="2147483670" r:id="rId17"/>
-    <p:sldLayoutId id="2147483683" r:id="rId18"/>
-    <p:sldLayoutId id="2147483707" r:id="rId19"/>
-    <p:sldLayoutId id="2147483722" r:id="rId20"/>
-    <p:sldLayoutId id="2147483723" r:id="rId21"/>
-    <p:sldLayoutId id="2147483724" r:id="rId22"/>
-    <p:sldLayoutId id="2147483725" r:id="rId23"/>
-    <p:sldLayoutId id="2147483739" r:id="rId24"/>
-    <p:sldLayoutId id="2147483740" r:id="rId25"/>
+    <p:sldLayoutId id="2147483660" r:id="rId12"/>
+    <p:sldLayoutId id="2147483661" r:id="rId13"/>
+    <p:sldLayoutId id="2147483662" r:id="rId14"/>
+    <p:sldLayoutId id="2147483663" r:id="rId15"/>
+    <p:sldLayoutId id="2147483664" r:id="rId16"/>
+    <p:sldLayoutId id="2147483665" r:id="rId17"/>
+    <p:sldLayoutId id="2147483666" r:id="rId18"/>
+    <p:sldLayoutId id="2147483667" r:id="rId19"/>
+    <p:sldLayoutId id="2147483668" r:id="rId20"/>
+    <p:sldLayoutId id="2147483669" r:id="rId21"/>
+    <p:sldLayoutId id="2147483670" r:id="rId22"/>
+    <p:sldLayoutId id="2147483671" r:id="rId23"/>
+    <p:sldLayoutId id="2147483672" r:id="rId24"/>
+    <p:sldLayoutId id="2147483673" r:id="rId25"/>
   </p:sldLayoutIdLst>
   <p:txStyles>
     <p:titleStyle>
@@ -9525,13 +9175,7 @@
       </p:grpSpPr>
       <p:sp>
         <p:nvSpPr>
-          <p:cNvPr id="9" name="矩形 8">
-            <a:extLst>
-              <a:ext uri="{FF2B5EF4-FFF2-40B4-BE49-F238E27FC236}">
-                <a16:creationId xmlns:a16="http://schemas.microsoft.com/office/drawing/2014/main" id="{82023C5A-002A-4D55-B6D9-BA77213D77D2}"/>
-              </a:ext>
-            </a:extLst>
-          </p:cNvPr>
+          <p:cNvPr id="9" name="矩形 8"/>
           <p:cNvSpPr/>
           <p:nvPr/>
         </p:nvSpPr>
@@ -9544,7 +9188,7 @@
             <a:avLst/>
           </a:prstGeom>
           <a:blipFill dpi="0" rotWithShape="1">
-            <a:blip r:embed="rId3">
+            <a:blip r:embed="rId1">
               <a:alphaModFix amt="8000"/>
             </a:blip>
             <a:srcRect/>
@@ -9615,18 +9259,21 @@
               </a:rPr>
               <a:t>语法分析</a:t>
             </a:r>
+            <a:endParaRPr lang="zh-CN" altLang="en-US" sz="4400" b="1" dirty="0">
+              <a:solidFill>
+                <a:schemeClr val="bg1">
+                  <a:lumMod val="50000"/>
+                </a:schemeClr>
+              </a:solidFill>
+              <a:latin typeface="方正细谭黑简体" panose="02000000000000000000" pitchFamily="2" charset="-122"/>
+              <a:ea typeface="方正细谭黑简体" panose="02000000000000000000" pitchFamily="2" charset="-122"/>
+            </a:endParaRPr>
           </a:p>
         </p:txBody>
       </p:sp>
       <p:grpSp>
         <p:nvGrpSpPr>
-          <p:cNvPr id="4" name="组合 3">
-            <a:extLst>
-              <a:ext uri="{FF2B5EF4-FFF2-40B4-BE49-F238E27FC236}">
-                <a16:creationId xmlns:a16="http://schemas.microsoft.com/office/drawing/2014/main" id="{6492F762-B648-4C6A-BCCD-DE814C95A84A}"/>
-              </a:ext>
-            </a:extLst>
-          </p:cNvPr>
+          <p:cNvPr id="4" name="组合 3"/>
           <p:cNvGrpSpPr/>
           <p:nvPr/>
         </p:nvGrpSpPr>
@@ -9899,13 +9546,7 @@
       </p:grpSp>
       <p:grpSp>
         <p:nvGrpSpPr>
-          <p:cNvPr id="5" name="组合 4">
-            <a:extLst>
-              <a:ext uri="{FF2B5EF4-FFF2-40B4-BE49-F238E27FC236}">
-                <a16:creationId xmlns:a16="http://schemas.microsoft.com/office/drawing/2014/main" id="{B3B54D5C-DF23-4320-80C7-D5FDCC31C73E}"/>
-              </a:ext>
-            </a:extLst>
-          </p:cNvPr>
+          <p:cNvPr id="5" name="组合 4"/>
           <p:cNvGrpSpPr/>
           <p:nvPr/>
         </p:nvGrpSpPr>
@@ -10180,28 +9821,18 @@
       </p:grpSp>
       <p:pic>
         <p:nvPicPr>
-          <p:cNvPr id="3" name="图片 2" descr="图片包含 户外艺术系列&#10;&#10;已生成高可信度的说明">
-            <a:extLst>
-              <a:ext uri="{FF2B5EF4-FFF2-40B4-BE49-F238E27FC236}">
-                <a16:creationId xmlns:a16="http://schemas.microsoft.com/office/drawing/2014/main" id="{ABA7B7BC-2EA9-4B48-9EC2-D10CCCF93649}"/>
-              </a:ext>
-            </a:extLst>
-          </p:cNvPr>
+          <p:cNvPr id="3" name="图片 2" descr="图片包含 户外艺术系列&#10;&#10;已生成高可信度的说明"/>
           <p:cNvPicPr>
             <a:picLocks noChangeAspect="1"/>
           </p:cNvPicPr>
           <p:nvPr/>
         </p:nvPicPr>
         <p:blipFill rotWithShape="1">
-          <a:blip r:embed="rId4" cstate="screen">
-            <a:extLst>
-              <a:ext uri="{28A0092B-C50C-407E-A947-70E740481C1C}">
-                <a14:useLocalDpi xmlns:a14="http://schemas.microsoft.com/office/drawing/2010/main"/>
-              </a:ext>
-            </a:extLst>
-          </a:blip>
+          <a:blip r:embed="rId2" cstate="screen"/>
           <a:srcRect/>
-          <a:stretch/>
+          <a:stretch>
+            <a:fillRect/>
+          </a:stretch>
         </p:blipFill>
         <p:spPr>
           <a:xfrm rot="12564080">
@@ -10215,28 +9846,18 @@
       </p:pic>
       <p:pic>
         <p:nvPicPr>
-          <p:cNvPr id="122" name="图片 121" descr="图片包含 户外艺术系列&#10;&#10;已生成高可信度的说明">
-            <a:extLst>
-              <a:ext uri="{FF2B5EF4-FFF2-40B4-BE49-F238E27FC236}">
-                <a16:creationId xmlns:a16="http://schemas.microsoft.com/office/drawing/2014/main" id="{3EA6A347-BDFB-419C-B6F7-63BF6CC4CAFC}"/>
-              </a:ext>
-            </a:extLst>
-          </p:cNvPr>
+          <p:cNvPr id="122" name="图片 121" descr="图片包含 户外艺术系列&#10;&#10;已生成高可信度的说明"/>
           <p:cNvPicPr>
             <a:picLocks noChangeAspect="1"/>
           </p:cNvPicPr>
           <p:nvPr/>
         </p:nvPicPr>
         <p:blipFill rotWithShape="1">
-          <a:blip r:embed="rId5" cstate="screen">
-            <a:extLst>
-              <a:ext uri="{28A0092B-C50C-407E-A947-70E740481C1C}">
-                <a14:useLocalDpi xmlns:a14="http://schemas.microsoft.com/office/drawing/2010/main"/>
-              </a:ext>
-            </a:extLst>
-          </a:blip>
+          <a:blip r:embed="rId3" cstate="screen"/>
           <a:srcRect/>
-          <a:stretch/>
+          <a:stretch>
+            <a:fillRect/>
+          </a:stretch>
         </p:blipFill>
         <p:spPr>
           <a:xfrm rot="14326105">
@@ -10250,13 +9871,7 @@
       </p:pic>
       <p:cxnSp>
         <p:nvCxnSpPr>
-          <p:cNvPr id="7" name="直接连接符 6">
-            <a:extLst>
-              <a:ext uri="{FF2B5EF4-FFF2-40B4-BE49-F238E27FC236}">
-                <a16:creationId xmlns:a16="http://schemas.microsoft.com/office/drawing/2014/main" id="{6A700B99-6065-4865-8C68-803D5763C6AA}"/>
-              </a:ext>
-            </a:extLst>
-          </p:cNvPr>
+          <p:cNvPr id="7" name="直接连接符 6"/>
           <p:cNvCxnSpPr/>
           <p:nvPr/>
         </p:nvCxnSpPr>
@@ -10293,13 +9908,7 @@
       </p:cxnSp>
       <p:sp>
         <p:nvSpPr>
-          <p:cNvPr id="8" name="文本框 7">
-            <a:extLst>
-              <a:ext uri="{FF2B5EF4-FFF2-40B4-BE49-F238E27FC236}">
-                <a16:creationId xmlns:a16="http://schemas.microsoft.com/office/drawing/2014/main" id="{ABA46D93-D6CE-4DB2-82E1-0C7504266082}"/>
-              </a:ext>
-            </a:extLst>
-          </p:cNvPr>
+          <p:cNvPr id="8" name="文本框 7"/>
           <p:cNvSpPr txBox="1"/>
           <p:nvPr/>
         </p:nvSpPr>
@@ -10376,15 +9985,19 @@
               </a:rPr>
               <a:t>王子懿</a:t>
             </a:r>
+            <a:endParaRPr lang="zh-CN" altLang="en-US" sz="1600" dirty="0">
+              <a:solidFill>
+                <a:schemeClr val="bg1">
+                  <a:lumMod val="65000"/>
+                </a:schemeClr>
+              </a:solidFill>
+              <a:latin typeface="Calibri" panose="020F0502020204030204" pitchFamily="34" charset="0"/>
+              <a:cs typeface="Calibri" panose="020F0502020204030204" pitchFamily="34" charset="0"/>
+            </a:endParaRPr>
           </a:p>
         </p:txBody>
       </p:sp>
     </p:spTree>
-    <p:extLst>
-      <p:ext uri="{BB962C8B-B14F-4D97-AF65-F5344CB8AC3E}">
-        <p14:creationId xmlns:p14="http://schemas.microsoft.com/office/powerpoint/2010/main" val="3020511879"/>
-      </p:ext>
-    </p:extLst>
   </p:cSld>
   <p:clrMapOvr>
     <a:masterClrMapping/>
@@ -11888,13 +11501,7 @@
       </p:grpSp>
       <p:grpSp>
         <p:nvGrpSpPr>
-          <p:cNvPr id="123" name="组合 122">
-            <a:extLst>
-              <a:ext uri="{FF2B5EF4-FFF2-40B4-BE49-F238E27FC236}">
-                <a16:creationId xmlns:a16="http://schemas.microsoft.com/office/drawing/2014/main" id="{00480087-048F-4EBB-8203-A28B45992B92}"/>
-              </a:ext>
-            </a:extLst>
-          </p:cNvPr>
+          <p:cNvPr id="123" name="组合 122"/>
           <p:cNvGrpSpPr/>
           <p:nvPr/>
         </p:nvGrpSpPr>
@@ -11908,13 +11515,7 @@
         </p:grpSpPr>
         <p:sp>
           <p:nvSpPr>
-            <p:cNvPr id="124" name="文本框 123">
-              <a:extLst>
-                <a:ext uri="{FF2B5EF4-FFF2-40B4-BE49-F238E27FC236}">
-                  <a16:creationId xmlns:a16="http://schemas.microsoft.com/office/drawing/2014/main" id="{4D099783-DBDD-47ED-AD50-14FC2C87D77D}"/>
-                </a:ext>
-              </a:extLst>
-            </p:cNvPr>
+            <p:cNvPr id="124" name="文本框 123"/>
             <p:cNvSpPr txBox="1"/>
             <p:nvPr/>
           </p:nvSpPr>
@@ -11953,7 +11554,6 @@
                 <a:buSzTx/>
                 <a:buFontTx/>
                 <a:buNone/>
-                <a:tabLst/>
                 <a:defRPr/>
               </a:pPr>
               <a:r>
@@ -11964,13 +11564,13 @@
                   <a:effectLst/>
                   <a:uLnTx/>
                   <a:uFillTx/>
-                  <a:latin typeface="微软雅黑"/>
+                  <a:latin typeface="微软雅黑" panose="020B0503020204020204" charset="-122"/>
                 </a:rPr>
                 <a:t>递归下降</a:t>
               </a:r>
               <a:r>
                 <a:rPr lang="zh-CN" altLang="en-US" sz="2000" b="1" kern="0" dirty="0">
-                  <a:latin typeface="微软雅黑"/>
+                  <a:latin typeface="微软雅黑" panose="020B0503020204020204" charset="-122"/>
                 </a:rPr>
                 <a:t>难点</a:t>
               </a:r>
@@ -11980,20 +11580,14 @@
                     <a:lumMod val="75000"/>
                   </a:schemeClr>
                 </a:solidFill>
-                <a:latin typeface="微软雅黑"/>
+                <a:latin typeface="微软雅黑" panose="020B0503020204020204" charset="-122"/>
               </a:endParaRPr>
             </a:p>
           </p:txBody>
         </p:sp>
         <p:sp>
           <p:nvSpPr>
-            <p:cNvPr id="127" name="矩形: 圆角 126">
-              <a:extLst>
-                <a:ext uri="{FF2B5EF4-FFF2-40B4-BE49-F238E27FC236}">
-                  <a16:creationId xmlns:a16="http://schemas.microsoft.com/office/drawing/2014/main" id="{FE93D2D6-B815-4CFD-9352-13E258A32C4D}"/>
-                </a:ext>
-              </a:extLst>
-            </p:cNvPr>
+            <p:cNvPr id="127" name="矩形: 圆角 126"/>
             <p:cNvSpPr/>
             <p:nvPr/>
           </p:nvSpPr>
@@ -12038,7 +11632,6 @@
                 <a:buSzTx/>
                 <a:buFontTx/>
                 <a:buNone/>
-                <a:tabLst/>
                 <a:defRPr/>
               </a:pPr>
               <a:endParaRPr kumimoji="0" lang="zh-CN" altLang="en-US" sz="1800" b="0" i="0" u="none" strike="noStrike" kern="0" cap="none" spc="0" normalizeH="0" baseline="0" noProof="0">
@@ -12051,8 +11644,8 @@
                 <a:effectLst/>
                 <a:uLnTx/>
                 <a:uFillTx/>
-                <a:latin typeface="Arial"/>
-                <a:ea typeface="微软雅黑"/>
+                <a:latin typeface="Arial" panose="020B0604020202020204"/>
+                <a:ea typeface="微软雅黑" panose="020B0503020204020204" charset="-122"/>
                 <a:cs typeface="+mn-cs"/>
               </a:endParaRPr>
             </a:p>
@@ -12061,13 +11654,7 @@
       </p:grpSp>
       <p:sp>
         <p:nvSpPr>
-          <p:cNvPr id="6" name="文本框 5">
-            <a:extLst>
-              <a:ext uri="{FF2B5EF4-FFF2-40B4-BE49-F238E27FC236}">
-                <a16:creationId xmlns:a16="http://schemas.microsoft.com/office/drawing/2014/main" id="{15290117-C893-E8CA-F752-B11E1709FC0F}"/>
-              </a:ext>
-            </a:extLst>
-          </p:cNvPr>
+          <p:cNvPr id="6" name="文本框 5"/>
           <p:cNvSpPr txBox="1"/>
           <p:nvPr/>
         </p:nvSpPr>
@@ -12191,13 +11778,7 @@
       </p:sp>
       <p:sp>
         <p:nvSpPr>
-          <p:cNvPr id="4" name="文本框 3">
-            <a:extLst>
-              <a:ext uri="{FF2B5EF4-FFF2-40B4-BE49-F238E27FC236}">
-                <a16:creationId xmlns:a16="http://schemas.microsoft.com/office/drawing/2014/main" id="{C98D92D7-E493-1533-11B8-A58269AF8776}"/>
-              </a:ext>
-            </a:extLst>
-          </p:cNvPr>
+          <p:cNvPr id="4" name="文本框 3"/>
           <p:cNvSpPr txBox="1"/>
           <p:nvPr/>
         </p:nvSpPr>
@@ -12236,7 +11817,6 @@
               <a:buSzTx/>
               <a:buFontTx/>
               <a:buNone/>
-              <a:tabLst/>
               <a:defRPr/>
             </a:pPr>
             <a:r>
@@ -12246,7 +11826,7 @@
                     <a:lumMod val="50000"/>
                   </a:prstClr>
                 </a:solidFill>
-                <a:latin typeface="微软雅黑"/>
+                <a:latin typeface="微软雅黑" panose="020B0503020204020204" charset="-122"/>
               </a:rPr>
               <a:t>左递归文法</a:t>
             </a:r>
@@ -12262,20 +11842,14 @@
               <a:effectLst/>
               <a:uLnTx/>
               <a:uFillTx/>
-              <a:latin typeface="微软雅黑"/>
+              <a:latin typeface="微软雅黑" panose="020B0503020204020204" charset="-122"/>
             </a:endParaRPr>
           </a:p>
         </p:txBody>
       </p:sp>
       <p:grpSp>
         <p:nvGrpSpPr>
-          <p:cNvPr id="22" name="组合 21">
-            <a:extLst>
-              <a:ext uri="{FF2B5EF4-FFF2-40B4-BE49-F238E27FC236}">
-                <a16:creationId xmlns:a16="http://schemas.microsoft.com/office/drawing/2014/main" id="{30866884-916F-823B-FDE1-DB4B4EF8705D}"/>
-              </a:ext>
-            </a:extLst>
-          </p:cNvPr>
+          <p:cNvPr id="22" name="组合 21"/>
           <p:cNvGrpSpPr/>
           <p:nvPr/>
         </p:nvGrpSpPr>
@@ -12289,20 +11863,14 @@
         </p:grpSpPr>
         <p:pic>
           <p:nvPicPr>
-            <p:cNvPr id="12" name="图片 11">
-              <a:extLst>
-                <a:ext uri="{FF2B5EF4-FFF2-40B4-BE49-F238E27FC236}">
-                  <a16:creationId xmlns:a16="http://schemas.microsoft.com/office/drawing/2014/main" id="{5A8BB1B7-6016-E3A6-8D23-AE48B806BA6A}"/>
-                </a:ext>
-              </a:extLst>
-            </p:cNvPr>
+            <p:cNvPr id="12" name="图片 11"/>
             <p:cNvPicPr>
               <a:picLocks noChangeAspect="1"/>
             </p:cNvPicPr>
             <p:nvPr/>
           </p:nvPicPr>
           <p:blipFill>
-            <a:blip r:embed="rId3"/>
+            <a:blip r:embed="rId1"/>
             <a:stretch>
               <a:fillRect/>
             </a:stretch>
@@ -12319,20 +11887,14 @@
         </p:pic>
         <p:pic>
           <p:nvPicPr>
-            <p:cNvPr id="13" name="图片 12">
-              <a:extLst>
-                <a:ext uri="{FF2B5EF4-FFF2-40B4-BE49-F238E27FC236}">
-                  <a16:creationId xmlns:a16="http://schemas.microsoft.com/office/drawing/2014/main" id="{5A1CEAFF-B67A-2417-DE5C-0817A04582CC}"/>
-                </a:ext>
-              </a:extLst>
-            </p:cNvPr>
+            <p:cNvPr id="13" name="图片 12"/>
             <p:cNvPicPr>
               <a:picLocks noChangeAspect="1"/>
             </p:cNvPicPr>
             <p:nvPr/>
           </p:nvPicPr>
           <p:blipFill>
-            <a:blip r:embed="rId4"/>
+            <a:blip r:embed="rId2"/>
             <a:stretch>
               <a:fillRect/>
             </a:stretch>
@@ -12349,20 +11911,14 @@
         </p:pic>
         <p:pic>
           <p:nvPicPr>
-            <p:cNvPr id="14" name="图片 13">
-              <a:extLst>
-                <a:ext uri="{FF2B5EF4-FFF2-40B4-BE49-F238E27FC236}">
-                  <a16:creationId xmlns:a16="http://schemas.microsoft.com/office/drawing/2014/main" id="{D07F5F52-CD24-AF71-F51B-51B24A90D75B}"/>
-                </a:ext>
-              </a:extLst>
-            </p:cNvPr>
+            <p:cNvPr id="14" name="图片 13"/>
             <p:cNvPicPr>
               <a:picLocks noChangeAspect="1"/>
             </p:cNvPicPr>
             <p:nvPr/>
           </p:nvPicPr>
           <p:blipFill>
-            <a:blip r:embed="rId4"/>
+            <a:blip r:embed="rId2"/>
             <a:stretch>
               <a:fillRect/>
             </a:stretch>
@@ -12379,20 +11935,14 @@
         </p:pic>
         <p:pic>
           <p:nvPicPr>
-            <p:cNvPr id="15" name="图片 14">
-              <a:extLst>
-                <a:ext uri="{FF2B5EF4-FFF2-40B4-BE49-F238E27FC236}">
-                  <a16:creationId xmlns:a16="http://schemas.microsoft.com/office/drawing/2014/main" id="{BFD5AE67-5480-CF46-D8B2-56B5F7B936CB}"/>
-                </a:ext>
-              </a:extLst>
-            </p:cNvPr>
+            <p:cNvPr id="15" name="图片 14"/>
             <p:cNvPicPr>
               <a:picLocks noChangeAspect="1"/>
             </p:cNvPicPr>
             <p:nvPr/>
           </p:nvPicPr>
           <p:blipFill>
-            <a:blip r:embed="rId3"/>
+            <a:blip r:embed="rId1"/>
             <a:stretch>
               <a:fillRect/>
             </a:stretch>
@@ -12409,13 +11959,7 @@
         </p:pic>
         <p:sp>
           <p:nvSpPr>
-            <p:cNvPr id="16" name="加号 15">
-              <a:extLst>
-                <a:ext uri="{FF2B5EF4-FFF2-40B4-BE49-F238E27FC236}">
-                  <a16:creationId xmlns:a16="http://schemas.microsoft.com/office/drawing/2014/main" id="{C3BB5E10-44FC-D854-E501-74CCFB2962B9}"/>
-                </a:ext>
-              </a:extLst>
-            </p:cNvPr>
+            <p:cNvPr id="16" name="加号 15"/>
             <p:cNvSpPr/>
             <p:nvPr/>
           </p:nvSpPr>
@@ -12466,13 +12010,7 @@
       </p:grpSp>
       <p:grpSp>
         <p:nvGrpSpPr>
-          <p:cNvPr id="23" name="组合 22">
-            <a:extLst>
-              <a:ext uri="{FF2B5EF4-FFF2-40B4-BE49-F238E27FC236}">
-                <a16:creationId xmlns:a16="http://schemas.microsoft.com/office/drawing/2014/main" id="{857015E1-15FF-C2B9-B6F7-6D70E47E3087}"/>
-              </a:ext>
-            </a:extLst>
-          </p:cNvPr>
+          <p:cNvPr id="23" name="组合 22"/>
           <p:cNvGrpSpPr/>
           <p:nvPr/>
         </p:nvGrpSpPr>
@@ -12486,20 +12024,14 @@
         </p:grpSpPr>
         <p:pic>
           <p:nvPicPr>
-            <p:cNvPr id="17" name="图片 16">
-              <a:extLst>
-                <a:ext uri="{FF2B5EF4-FFF2-40B4-BE49-F238E27FC236}">
-                  <a16:creationId xmlns:a16="http://schemas.microsoft.com/office/drawing/2014/main" id="{A16AD083-EEFD-0E9E-1948-97D72C4F45FF}"/>
-                </a:ext>
-              </a:extLst>
-            </p:cNvPr>
+            <p:cNvPr id="17" name="图片 16"/>
             <p:cNvPicPr>
               <a:picLocks noChangeAspect="1"/>
             </p:cNvPicPr>
             <p:nvPr/>
           </p:nvPicPr>
           <p:blipFill>
-            <a:blip r:embed="rId3"/>
+            <a:blip r:embed="rId1"/>
             <a:stretch>
               <a:fillRect/>
             </a:stretch>
@@ -12516,20 +12048,14 @@
         </p:pic>
         <p:pic>
           <p:nvPicPr>
-            <p:cNvPr id="18" name="图片 17">
-              <a:extLst>
-                <a:ext uri="{FF2B5EF4-FFF2-40B4-BE49-F238E27FC236}">
-                  <a16:creationId xmlns:a16="http://schemas.microsoft.com/office/drawing/2014/main" id="{FFE96212-815F-42F3-F852-F33F3F1163A7}"/>
-                </a:ext>
-              </a:extLst>
-            </p:cNvPr>
+            <p:cNvPr id="18" name="图片 17"/>
             <p:cNvPicPr>
               <a:picLocks noChangeAspect="1"/>
             </p:cNvPicPr>
             <p:nvPr/>
           </p:nvPicPr>
           <p:blipFill>
-            <a:blip r:embed="rId4"/>
+            <a:blip r:embed="rId2"/>
             <a:stretch>
               <a:fillRect/>
             </a:stretch>
@@ -12546,20 +12072,14 @@
         </p:pic>
         <p:pic>
           <p:nvPicPr>
-            <p:cNvPr id="19" name="图片 18">
-              <a:extLst>
-                <a:ext uri="{FF2B5EF4-FFF2-40B4-BE49-F238E27FC236}">
-                  <a16:creationId xmlns:a16="http://schemas.microsoft.com/office/drawing/2014/main" id="{B5D15C3D-A6D1-3CF8-988B-C14484965316}"/>
-                </a:ext>
-              </a:extLst>
-            </p:cNvPr>
+            <p:cNvPr id="19" name="图片 18"/>
             <p:cNvPicPr>
               <a:picLocks noChangeAspect="1"/>
             </p:cNvPicPr>
             <p:nvPr/>
           </p:nvPicPr>
           <p:blipFill>
-            <a:blip r:embed="rId4"/>
+            <a:blip r:embed="rId2"/>
             <a:stretch>
               <a:fillRect/>
             </a:stretch>
@@ -12576,20 +12096,14 @@
         </p:pic>
         <p:pic>
           <p:nvPicPr>
-            <p:cNvPr id="20" name="图片 19">
-              <a:extLst>
-                <a:ext uri="{FF2B5EF4-FFF2-40B4-BE49-F238E27FC236}">
-                  <a16:creationId xmlns:a16="http://schemas.microsoft.com/office/drawing/2014/main" id="{F2CF8F68-4D16-82ED-E9AF-A222D87D8085}"/>
-                </a:ext>
-              </a:extLst>
-            </p:cNvPr>
+            <p:cNvPr id="20" name="图片 19"/>
             <p:cNvPicPr>
               <a:picLocks noChangeAspect="1"/>
             </p:cNvPicPr>
             <p:nvPr/>
           </p:nvPicPr>
           <p:blipFill>
-            <a:blip r:embed="rId3"/>
+            <a:blip r:embed="rId1"/>
             <a:stretch>
               <a:fillRect/>
             </a:stretch>
@@ -12606,13 +12120,7 @@
         </p:pic>
         <p:sp>
           <p:nvSpPr>
-            <p:cNvPr id="21" name="加号 20">
-              <a:extLst>
-                <a:ext uri="{FF2B5EF4-FFF2-40B4-BE49-F238E27FC236}">
-                  <a16:creationId xmlns:a16="http://schemas.microsoft.com/office/drawing/2014/main" id="{F765A5BA-B765-F2C3-8A19-57BA54B274F0}"/>
-                </a:ext>
-              </a:extLst>
-            </p:cNvPr>
+            <p:cNvPr id="21" name="加号 20"/>
             <p:cNvSpPr/>
             <p:nvPr/>
           </p:nvSpPr>
@@ -12663,20 +12171,14 @@
       </p:grpSp>
       <p:pic>
         <p:nvPicPr>
-          <p:cNvPr id="24" name="图片 23">
-            <a:extLst>
-              <a:ext uri="{FF2B5EF4-FFF2-40B4-BE49-F238E27FC236}">
-                <a16:creationId xmlns:a16="http://schemas.microsoft.com/office/drawing/2014/main" id="{0A75EB55-6C91-272D-77E5-B8A7DE1A530B}"/>
-              </a:ext>
-            </a:extLst>
-          </p:cNvPr>
+          <p:cNvPr id="24" name="图片 23"/>
           <p:cNvPicPr>
             <a:picLocks noChangeAspect="1"/>
           </p:cNvPicPr>
           <p:nvPr/>
         </p:nvPicPr>
         <p:blipFill>
-          <a:blip r:embed="rId4"/>
+          <a:blip r:embed="rId2"/>
           <a:stretch>
             <a:fillRect/>
           </a:stretch>
@@ -12696,13 +12198,7 @@
       </p:pic>
       <p:sp>
         <p:nvSpPr>
-          <p:cNvPr id="25" name="文本框 24">
-            <a:extLst>
-              <a:ext uri="{FF2B5EF4-FFF2-40B4-BE49-F238E27FC236}">
-                <a16:creationId xmlns:a16="http://schemas.microsoft.com/office/drawing/2014/main" id="{2C9A2059-7638-D2A3-B723-202ED1A2352B}"/>
-              </a:ext>
-            </a:extLst>
-          </p:cNvPr>
+          <p:cNvPr id="25" name="文本框 24"/>
           <p:cNvSpPr txBox="1"/>
           <p:nvPr/>
         </p:nvSpPr>
@@ -12800,20 +12296,14 @@
       </p:sp>
       <p:pic>
         <p:nvPicPr>
-          <p:cNvPr id="26" name="图片 25">
-            <a:extLst>
-              <a:ext uri="{FF2B5EF4-FFF2-40B4-BE49-F238E27FC236}">
-                <a16:creationId xmlns:a16="http://schemas.microsoft.com/office/drawing/2014/main" id="{2096DBD9-DE4A-7C05-B52A-A62F88FCCE92}"/>
-              </a:ext>
-            </a:extLst>
-          </p:cNvPr>
+          <p:cNvPr id="26" name="图片 25"/>
           <p:cNvPicPr>
             <a:picLocks noChangeAspect="1"/>
           </p:cNvPicPr>
           <p:nvPr/>
         </p:nvPicPr>
         <p:blipFill>
-          <a:blip r:embed="rId3"/>
+          <a:blip r:embed="rId1"/>
           <a:stretch>
             <a:fillRect/>
           </a:stretch>
@@ -12830,20 +12320,14 @@
       </p:pic>
       <p:pic>
         <p:nvPicPr>
-          <p:cNvPr id="27" name="图片 26">
-            <a:extLst>
-              <a:ext uri="{FF2B5EF4-FFF2-40B4-BE49-F238E27FC236}">
-                <a16:creationId xmlns:a16="http://schemas.microsoft.com/office/drawing/2014/main" id="{3E53F0F4-C848-BED3-A7F5-3364D32AA956}"/>
-              </a:ext>
-            </a:extLst>
-          </p:cNvPr>
+          <p:cNvPr id="27" name="图片 26"/>
           <p:cNvPicPr>
             <a:picLocks noChangeAspect="1"/>
           </p:cNvPicPr>
           <p:nvPr/>
         </p:nvPicPr>
         <p:blipFill>
-          <a:blip r:embed="rId3"/>
+          <a:blip r:embed="rId1"/>
           <a:stretch>
             <a:fillRect/>
           </a:stretch>
@@ -12860,20 +12344,14 @@
       </p:pic>
       <p:pic>
         <p:nvPicPr>
-          <p:cNvPr id="28" name="图片 27">
-            <a:extLst>
-              <a:ext uri="{FF2B5EF4-FFF2-40B4-BE49-F238E27FC236}">
-                <a16:creationId xmlns:a16="http://schemas.microsoft.com/office/drawing/2014/main" id="{A414F9B6-0C74-9011-F40B-F3DF42F32539}"/>
-              </a:ext>
-            </a:extLst>
-          </p:cNvPr>
+          <p:cNvPr id="28" name="图片 27"/>
           <p:cNvPicPr>
             <a:picLocks noChangeAspect="1"/>
           </p:cNvPicPr>
           <p:nvPr/>
         </p:nvPicPr>
         <p:blipFill>
-          <a:blip r:embed="rId4"/>
+          <a:blip r:embed="rId2"/>
           <a:stretch>
             <a:fillRect/>
           </a:stretch>
@@ -12890,13 +12368,7 @@
       </p:pic>
       <p:sp>
         <p:nvSpPr>
-          <p:cNvPr id="29" name="加号 28">
-            <a:extLst>
-              <a:ext uri="{FF2B5EF4-FFF2-40B4-BE49-F238E27FC236}">
-                <a16:creationId xmlns:a16="http://schemas.microsoft.com/office/drawing/2014/main" id="{49DC2D70-2A4A-E09A-CF82-E17C650E7E81}"/>
-              </a:ext>
-            </a:extLst>
-          </p:cNvPr>
+          <p:cNvPr id="29" name="加号 28"/>
           <p:cNvSpPr/>
           <p:nvPr/>
         </p:nvSpPr>
@@ -12946,13 +12418,7 @@
       </p:sp>
       <p:sp>
         <p:nvSpPr>
-          <p:cNvPr id="31" name="文本框 30">
-            <a:extLst>
-              <a:ext uri="{FF2B5EF4-FFF2-40B4-BE49-F238E27FC236}">
-                <a16:creationId xmlns:a16="http://schemas.microsoft.com/office/drawing/2014/main" id="{9946B949-2450-F024-DA59-BF783B280C89}"/>
-              </a:ext>
-            </a:extLst>
-          </p:cNvPr>
+          <p:cNvPr id="31" name="文本框 30"/>
           <p:cNvSpPr txBox="1"/>
           <p:nvPr/>
         </p:nvSpPr>
@@ -13022,13 +12488,7 @@
       </p:sp>
       <p:sp>
         <p:nvSpPr>
-          <p:cNvPr id="32" name="矩形 31">
-            <a:extLst>
-              <a:ext uri="{FF2B5EF4-FFF2-40B4-BE49-F238E27FC236}">
-                <a16:creationId xmlns:a16="http://schemas.microsoft.com/office/drawing/2014/main" id="{BAB3799A-DB99-ABC5-8CC3-317C1AC714D1}"/>
-              </a:ext>
-            </a:extLst>
-          </p:cNvPr>
+          <p:cNvPr id="32" name="矩形 31"/>
           <p:cNvSpPr/>
           <p:nvPr/>
         </p:nvSpPr>
@@ -13076,13 +12536,7 @@
       </p:sp>
       <p:sp>
         <p:nvSpPr>
-          <p:cNvPr id="33" name="矩形 32">
-            <a:extLst>
-              <a:ext uri="{FF2B5EF4-FFF2-40B4-BE49-F238E27FC236}">
-                <a16:creationId xmlns:a16="http://schemas.microsoft.com/office/drawing/2014/main" id="{10F4A79F-2691-4B6A-7CA5-7EA61E36FD0B}"/>
-              </a:ext>
-            </a:extLst>
-          </p:cNvPr>
+          <p:cNvPr id="33" name="矩形 32"/>
           <p:cNvSpPr/>
           <p:nvPr/>
         </p:nvSpPr>
@@ -13130,13 +12584,7 @@
       </p:sp>
       <p:sp>
         <p:nvSpPr>
-          <p:cNvPr id="34" name="矩形 33">
-            <a:extLst>
-              <a:ext uri="{FF2B5EF4-FFF2-40B4-BE49-F238E27FC236}">
-                <a16:creationId xmlns:a16="http://schemas.microsoft.com/office/drawing/2014/main" id="{84DC55EF-86DF-4451-D30B-AEF100924EDF}"/>
-              </a:ext>
-            </a:extLst>
-          </p:cNvPr>
+          <p:cNvPr id="34" name="矩形 33"/>
           <p:cNvSpPr/>
           <p:nvPr/>
         </p:nvSpPr>
@@ -13184,13 +12632,7 @@
       </p:sp>
       <p:sp>
         <p:nvSpPr>
-          <p:cNvPr id="35" name="文本框 34">
-            <a:extLst>
-              <a:ext uri="{FF2B5EF4-FFF2-40B4-BE49-F238E27FC236}">
-                <a16:creationId xmlns:a16="http://schemas.microsoft.com/office/drawing/2014/main" id="{8F92C9FA-03DD-BC2F-AE64-182814868A1E}"/>
-              </a:ext>
-            </a:extLst>
-          </p:cNvPr>
+          <p:cNvPr id="35" name="文本框 34"/>
           <p:cNvSpPr txBox="1"/>
           <p:nvPr/>
         </p:nvSpPr>
@@ -13233,6 +12675,9 @@
               </a:rPr>
               <a:t>……</a:t>
             </a:r>
+            <a:endParaRPr lang="en-US" altLang="zh-CN" sz="1400" dirty="0">
+              <a:latin typeface="Consolas" panose="020B0609020204030204" pitchFamily="49" charset="0"/>
+            </a:endParaRPr>
           </a:p>
           <a:p>
             <a:endParaRPr lang="zh-CN" altLang="en-US" sz="1400" dirty="0">
@@ -13242,11 +12687,6 @@
         </p:txBody>
       </p:sp>
     </p:spTree>
-    <p:extLst>
-      <p:ext uri="{BB962C8B-B14F-4D97-AF65-F5344CB8AC3E}">
-        <p14:creationId xmlns:p14="http://schemas.microsoft.com/office/powerpoint/2010/main" val="161817263"/>
-      </p:ext>
-    </p:extLst>
   </p:cSld>
   <p:clrMapOvr>
     <a:masterClrMapping/>
@@ -15714,13 +15154,7 @@
       </p:grpSp>
       <p:sp>
         <p:nvSpPr>
-          <p:cNvPr id="127" name="矩形: 圆角 126">
-            <a:extLst>
-              <a:ext uri="{FF2B5EF4-FFF2-40B4-BE49-F238E27FC236}">
-                <a16:creationId xmlns:a16="http://schemas.microsoft.com/office/drawing/2014/main" id="{FE93D2D6-B815-4CFD-9352-13E258A32C4D}"/>
-              </a:ext>
-            </a:extLst>
-          </p:cNvPr>
+          <p:cNvPr id="127" name="矩形: 圆角 126"/>
           <p:cNvSpPr/>
           <p:nvPr/>
         </p:nvSpPr>
@@ -15765,7 +15199,6 @@
               <a:buSzTx/>
               <a:buFontTx/>
               <a:buNone/>
-              <a:tabLst/>
               <a:defRPr/>
             </a:pPr>
             <a:endParaRPr kumimoji="0" lang="zh-CN" altLang="en-US" sz="1800" b="0" i="0" u="none" strike="noStrike" kern="0" cap="none" spc="0" normalizeH="0" baseline="0" noProof="0">
@@ -15778,8 +15211,8 @@
               <a:effectLst/>
               <a:uLnTx/>
               <a:uFillTx/>
-              <a:latin typeface="Arial"/>
-              <a:ea typeface="微软雅黑"/>
+              <a:latin typeface="Arial" panose="020B0604020202020204"/>
+              <a:ea typeface="微软雅黑" panose="020B0503020204020204" charset="-122"/>
               <a:cs typeface="+mn-cs"/>
             </a:endParaRPr>
           </a:p>
@@ -15787,13 +15220,7 @@
       </p:sp>
       <p:sp>
         <p:nvSpPr>
-          <p:cNvPr id="5" name="文本框 4">
-            <a:extLst>
-              <a:ext uri="{FF2B5EF4-FFF2-40B4-BE49-F238E27FC236}">
-                <a16:creationId xmlns:a16="http://schemas.microsoft.com/office/drawing/2014/main" id="{22846E41-609F-A1E2-59D7-8CF7F95D4832}"/>
-              </a:ext>
-            </a:extLst>
-          </p:cNvPr>
+          <p:cNvPr id="5" name="文本框 4"/>
           <p:cNvSpPr txBox="1"/>
           <p:nvPr/>
         </p:nvSpPr>
@@ -15839,13 +15266,7 @@
       </p:sp>
       <p:grpSp>
         <p:nvGrpSpPr>
-          <p:cNvPr id="9" name="组合 8">
-            <a:extLst>
-              <a:ext uri="{FF2B5EF4-FFF2-40B4-BE49-F238E27FC236}">
-                <a16:creationId xmlns:a16="http://schemas.microsoft.com/office/drawing/2014/main" id="{8DE73AAE-739E-5936-D0A0-B69A5A1694A1}"/>
-              </a:ext>
-            </a:extLst>
-          </p:cNvPr>
+          <p:cNvPr id="9" name="组合 8"/>
           <p:cNvGrpSpPr/>
           <p:nvPr/>
         </p:nvGrpSpPr>
@@ -15859,13 +15280,7 @@
         </p:grpSpPr>
         <p:sp>
           <p:nvSpPr>
-            <p:cNvPr id="10" name="文本框 9">
-              <a:extLst>
-                <a:ext uri="{FF2B5EF4-FFF2-40B4-BE49-F238E27FC236}">
-                  <a16:creationId xmlns:a16="http://schemas.microsoft.com/office/drawing/2014/main" id="{F3CB8D42-1E2B-E5E3-CFC1-2EF2227D778F}"/>
-                </a:ext>
-              </a:extLst>
-            </p:cNvPr>
+            <p:cNvPr id="10" name="文本框 9"/>
             <p:cNvSpPr txBox="1"/>
             <p:nvPr/>
           </p:nvSpPr>
@@ -15904,7 +15319,6 @@
                 <a:buSzTx/>
                 <a:buFontTx/>
                 <a:buNone/>
-                <a:tabLst/>
                 <a:defRPr/>
               </a:pPr>
               <a:r>
@@ -15915,13 +15329,13 @@
                   <a:effectLst/>
                   <a:uLnTx/>
                   <a:uFillTx/>
-                  <a:latin typeface="微软雅黑"/>
+                  <a:latin typeface="微软雅黑" panose="020B0503020204020204" charset="-122"/>
                 </a:rPr>
                 <a:t>递归下降</a:t>
               </a:r>
               <a:r>
                 <a:rPr lang="zh-CN" altLang="en-US" sz="2000" b="1" kern="0" dirty="0">
-                  <a:latin typeface="微软雅黑"/>
+                  <a:latin typeface="微软雅黑" panose="020B0503020204020204" charset="-122"/>
                 </a:rPr>
                 <a:t>难点</a:t>
               </a:r>
@@ -15931,20 +15345,14 @@
                     <a:lumMod val="75000"/>
                   </a:schemeClr>
                 </a:solidFill>
-                <a:latin typeface="微软雅黑"/>
+                <a:latin typeface="微软雅黑" panose="020B0503020204020204" charset="-122"/>
               </a:endParaRPr>
             </a:p>
           </p:txBody>
         </p:sp>
         <p:sp>
           <p:nvSpPr>
-            <p:cNvPr id="11" name="矩形: 圆角 10">
-              <a:extLst>
-                <a:ext uri="{FF2B5EF4-FFF2-40B4-BE49-F238E27FC236}">
-                  <a16:creationId xmlns:a16="http://schemas.microsoft.com/office/drawing/2014/main" id="{71335917-DD7B-BD58-543D-7494D21FD596}"/>
-                </a:ext>
-              </a:extLst>
-            </p:cNvPr>
+            <p:cNvPr id="11" name="矩形: 圆角 10"/>
             <p:cNvSpPr/>
             <p:nvPr/>
           </p:nvSpPr>
@@ -15989,7 +15397,6 @@
                 <a:buSzTx/>
                 <a:buFontTx/>
                 <a:buNone/>
-                <a:tabLst/>
                 <a:defRPr/>
               </a:pPr>
               <a:endParaRPr kumimoji="0" lang="zh-CN" altLang="en-US" sz="1800" b="0" i="0" u="none" strike="noStrike" kern="0" cap="none" spc="0" normalizeH="0" baseline="0" noProof="0">
@@ -16002,8 +15409,8 @@
                 <a:effectLst/>
                 <a:uLnTx/>
                 <a:uFillTx/>
-                <a:latin typeface="Arial"/>
-                <a:ea typeface="微软雅黑"/>
+                <a:latin typeface="Arial" panose="020B0604020202020204"/>
+                <a:ea typeface="微软雅黑" panose="020B0503020204020204" charset="-122"/>
                 <a:cs typeface="+mn-cs"/>
               </a:endParaRPr>
             </a:p>
@@ -16012,13 +15419,7 @@
       </p:grpSp>
       <p:sp>
         <p:nvSpPr>
-          <p:cNvPr id="12" name="文本框 11">
-            <a:extLst>
-              <a:ext uri="{FF2B5EF4-FFF2-40B4-BE49-F238E27FC236}">
-                <a16:creationId xmlns:a16="http://schemas.microsoft.com/office/drawing/2014/main" id="{82323FE0-2A1E-502B-DDDD-C72F7688A2DA}"/>
-              </a:ext>
-            </a:extLst>
-          </p:cNvPr>
+          <p:cNvPr id="12" name="文本框 11"/>
           <p:cNvSpPr txBox="1"/>
           <p:nvPr/>
         </p:nvSpPr>
@@ -16057,7 +15458,6 @@
               <a:buSzTx/>
               <a:buFontTx/>
               <a:buNone/>
-              <a:tabLst/>
               <a:defRPr/>
             </a:pPr>
             <a:r>
@@ -16073,7 +15473,7 @@
                 <a:effectLst/>
                 <a:uLnTx/>
                 <a:uFillTx/>
-                <a:latin typeface="微软雅黑"/>
+                <a:latin typeface="微软雅黑" panose="020B0503020204020204" charset="-122"/>
               </a:rPr>
               <a:t>回溯问题</a:t>
             </a:r>
@@ -16089,20 +15489,14 @@
               <a:effectLst/>
               <a:uLnTx/>
               <a:uFillTx/>
-              <a:latin typeface="微软雅黑"/>
+              <a:latin typeface="微软雅黑" panose="020B0503020204020204" charset="-122"/>
             </a:endParaRPr>
           </a:p>
         </p:txBody>
       </p:sp>
       <p:sp>
         <p:nvSpPr>
-          <p:cNvPr id="14" name="文本框 13">
-            <a:extLst>
-              <a:ext uri="{FF2B5EF4-FFF2-40B4-BE49-F238E27FC236}">
-                <a16:creationId xmlns:a16="http://schemas.microsoft.com/office/drawing/2014/main" id="{1E8AB9AB-53F7-1A76-7A76-69A298F7FB64}"/>
-              </a:ext>
-            </a:extLst>
-          </p:cNvPr>
+          <p:cNvPr id="14" name="文本框 13"/>
           <p:cNvSpPr txBox="1"/>
           <p:nvPr/>
         </p:nvSpPr>
@@ -16172,13 +15566,7 @@
       </p:sp>
       <p:sp>
         <p:nvSpPr>
-          <p:cNvPr id="16" name="文本框 15">
-            <a:extLst>
-              <a:ext uri="{FF2B5EF4-FFF2-40B4-BE49-F238E27FC236}">
-                <a16:creationId xmlns:a16="http://schemas.microsoft.com/office/drawing/2014/main" id="{5D2CBC2C-58B5-3A5F-86AF-55207E592E16}"/>
-              </a:ext>
-            </a:extLst>
-          </p:cNvPr>
+          <p:cNvPr id="16" name="文本框 15"/>
           <p:cNvSpPr txBox="1"/>
           <p:nvPr/>
         </p:nvSpPr>
@@ -16208,18 +15596,19 @@
               </a:rPr>
               <a:t>int</a:t>
             </a:r>
+            <a:endParaRPr lang="en-US" altLang="zh-CN" b="0" dirty="0">
+              <a:solidFill>
+                <a:srgbClr val="569CD6"/>
+              </a:solidFill>
+              <a:effectLst/>
+              <a:latin typeface="Consolas" panose="020B0609020204030204" pitchFamily="49" charset="0"/>
+            </a:endParaRPr>
           </a:p>
         </p:txBody>
       </p:sp>
       <p:sp>
         <p:nvSpPr>
-          <p:cNvPr id="20" name="文本框 19">
-            <a:extLst>
-              <a:ext uri="{FF2B5EF4-FFF2-40B4-BE49-F238E27FC236}">
-                <a16:creationId xmlns:a16="http://schemas.microsoft.com/office/drawing/2014/main" id="{6DD6A315-F9D4-3AA9-7DFF-799BEE9EDD60}"/>
-              </a:ext>
-            </a:extLst>
-          </p:cNvPr>
+          <p:cNvPr id="20" name="文本框 19"/>
           <p:cNvSpPr txBox="1"/>
           <p:nvPr/>
         </p:nvSpPr>
@@ -16364,13 +15753,7 @@
       </p:sp>
       <p:sp>
         <p:nvSpPr>
-          <p:cNvPr id="21" name="文本框 20">
-            <a:extLst>
-              <a:ext uri="{FF2B5EF4-FFF2-40B4-BE49-F238E27FC236}">
-                <a16:creationId xmlns:a16="http://schemas.microsoft.com/office/drawing/2014/main" id="{73A22A67-B293-1247-7CE5-764ED4C9A184}"/>
-              </a:ext>
-            </a:extLst>
-          </p:cNvPr>
+          <p:cNvPr id="21" name="文本框 20"/>
           <p:cNvSpPr txBox="1"/>
           <p:nvPr/>
         </p:nvSpPr>
@@ -16420,13 +15803,7 @@
       </p:sp>
       <p:sp>
         <p:nvSpPr>
-          <p:cNvPr id="23" name="文本框 22">
-            <a:extLst>
-              <a:ext uri="{FF2B5EF4-FFF2-40B4-BE49-F238E27FC236}">
-                <a16:creationId xmlns:a16="http://schemas.microsoft.com/office/drawing/2014/main" id="{81CDFCE5-B9F4-3234-6E0B-B3B881CEE296}"/>
-              </a:ext>
-            </a:extLst>
-          </p:cNvPr>
+          <p:cNvPr id="23" name="文本框 22"/>
           <p:cNvSpPr txBox="1"/>
           <p:nvPr/>
         </p:nvSpPr>
@@ -16463,6 +15840,10 @@
               </a:rPr>
               <a:t>(){</a:t>
             </a:r>
+            <a:endParaRPr lang="en-US" altLang="zh-CN" sz="1800" b="0" dirty="0">
+              <a:effectLst/>
+              <a:latin typeface="Consolas" panose="020B0609020204030204" pitchFamily="49" charset="0"/>
+            </a:endParaRPr>
           </a:p>
           <a:p>
             <a:r>
@@ -16509,6 +15890,10 @@
               </a:rPr>
               <a:t>){</a:t>
             </a:r>
+            <a:endParaRPr lang="en-US" altLang="zh-CN" sz="1800" b="0" dirty="0">
+              <a:effectLst/>
+              <a:latin typeface="Consolas" panose="020B0609020204030204" pitchFamily="49" charset="0"/>
+            </a:endParaRPr>
           </a:p>
           <a:p>
             <a:r>
@@ -16578,6 +15963,10 @@
               </a:rPr>
               <a:t>){</a:t>
             </a:r>
+            <a:endParaRPr lang="en-US" altLang="zh-CN" sz="1800" b="0" dirty="0">
+              <a:effectLst/>
+              <a:latin typeface="Consolas" panose="020B0609020204030204" pitchFamily="49" charset="0"/>
+            </a:endParaRPr>
           </a:p>
           <a:p>
             <a:r>
@@ -16610,6 +15999,12 @@
               </a:rPr>
               <a:t>//now == int</a:t>
             </a:r>
+            <a:endParaRPr lang="en-US" altLang="zh-CN" dirty="0">
+              <a:solidFill>
+                <a:srgbClr val="6A9955"/>
+              </a:solidFill>
+              <a:latin typeface="Consolas" panose="020B0609020204030204" pitchFamily="49" charset="0"/>
+            </a:endParaRPr>
           </a:p>
           <a:p>
             <a:r>
@@ -16632,6 +16027,10 @@
               </a:rPr>
               <a:t>}</a:t>
             </a:r>
+            <a:endParaRPr lang="en-US" altLang="zh-CN" sz="1800" b="0" dirty="0">
+              <a:effectLst/>
+              <a:latin typeface="Consolas" panose="020B0609020204030204" pitchFamily="49" charset="0"/>
+            </a:endParaRPr>
           </a:p>
           <a:p>
             <a:r>
@@ -16708,6 +16107,12 @@
               </a:rPr>
               <a:t>//now == int</a:t>
             </a:r>
+            <a:endParaRPr lang="en-US" altLang="zh-CN" dirty="0">
+              <a:solidFill>
+                <a:srgbClr val="6A9955"/>
+              </a:solidFill>
+              <a:latin typeface="Consolas" panose="020B0609020204030204" pitchFamily="49" charset="0"/>
+            </a:endParaRPr>
           </a:p>
           <a:p>
             <a:r>
@@ -16764,6 +16169,10 @@
               </a:rPr>
               <a:t>){</a:t>
             </a:r>
+            <a:endParaRPr lang="en-US" altLang="zh-CN" sz="1800" b="0" dirty="0">
+              <a:effectLst/>
+              <a:latin typeface="Consolas" panose="020B0609020204030204" pitchFamily="49" charset="0"/>
+            </a:endParaRPr>
           </a:p>
           <a:p>
             <a:r>
@@ -16818,6 +16227,10 @@
               </a:rPr>
               <a:t>}</a:t>
             </a:r>
+            <a:endParaRPr lang="en-US" altLang="zh-CN" sz="1800" b="0" dirty="0">
+              <a:effectLst/>
+              <a:latin typeface="Consolas" panose="020B0609020204030204" pitchFamily="49" charset="0"/>
+            </a:endParaRPr>
           </a:p>
           <a:p>
             <a:r>
@@ -16874,6 +16287,10 @@
               </a:rPr>
               <a:t>){</a:t>
             </a:r>
+            <a:endParaRPr lang="en-US" altLang="zh-CN" sz="1800" b="0" dirty="0">
+              <a:effectLst/>
+              <a:latin typeface="Consolas" panose="020B0609020204030204" pitchFamily="49" charset="0"/>
+            </a:endParaRPr>
           </a:p>
           <a:p>
             <a:r>
@@ -16946,6 +16363,10 @@
               </a:rPr>
               <a:t>}</a:t>
             </a:r>
+            <a:endParaRPr lang="en-US" altLang="zh-CN" sz="1800" b="0" dirty="0">
+              <a:effectLst/>
+              <a:latin typeface="Consolas" panose="020B0609020204030204" pitchFamily="49" charset="0"/>
+            </a:endParaRPr>
           </a:p>
           <a:p>
             <a:r>
@@ -17035,6 +16456,10 @@
               </a:rPr>
               <a:t>}</a:t>
             </a:r>
+            <a:endParaRPr lang="en-US" altLang="zh-CN" sz="1800" b="0" dirty="0">
+              <a:effectLst/>
+              <a:latin typeface="Consolas" panose="020B0609020204030204" pitchFamily="49" charset="0"/>
+            </a:endParaRPr>
           </a:p>
           <a:p>
             <a:r>
@@ -17135,11 +16560,6 @@
         </p:txBody>
       </p:sp>
     </p:spTree>
-    <p:extLst>
-      <p:ext uri="{BB962C8B-B14F-4D97-AF65-F5344CB8AC3E}">
-        <p14:creationId xmlns:p14="http://schemas.microsoft.com/office/powerpoint/2010/main" val="3709654422"/>
-      </p:ext>
-    </p:extLst>
   </p:cSld>
   <p:clrMapOvr>
     <a:masterClrMapping/>
@@ -19856,13 +19276,7 @@
       </p:grpSp>
       <p:sp>
         <p:nvSpPr>
-          <p:cNvPr id="127" name="矩形: 圆角 126">
-            <a:extLst>
-              <a:ext uri="{FF2B5EF4-FFF2-40B4-BE49-F238E27FC236}">
-                <a16:creationId xmlns:a16="http://schemas.microsoft.com/office/drawing/2014/main" id="{FE93D2D6-B815-4CFD-9352-13E258A32C4D}"/>
-              </a:ext>
-            </a:extLst>
-          </p:cNvPr>
+          <p:cNvPr id="127" name="矩形: 圆角 126"/>
           <p:cNvSpPr/>
           <p:nvPr/>
         </p:nvSpPr>
@@ -19907,7 +19321,6 @@
               <a:buSzTx/>
               <a:buFontTx/>
               <a:buNone/>
-              <a:tabLst/>
               <a:defRPr/>
             </a:pPr>
             <a:endParaRPr kumimoji="0" lang="zh-CN" altLang="en-US" sz="1800" b="0" i="0" u="none" strike="noStrike" kern="0" cap="none" spc="0" normalizeH="0" baseline="0" noProof="0">
@@ -19920,8 +19333,8 @@
               <a:effectLst/>
               <a:uLnTx/>
               <a:uFillTx/>
-              <a:latin typeface="Arial"/>
-              <a:ea typeface="微软雅黑"/>
+              <a:latin typeface="Arial" panose="020B0604020202020204"/>
+              <a:ea typeface="微软雅黑" panose="020B0503020204020204" charset="-122"/>
               <a:cs typeface="+mn-cs"/>
             </a:endParaRPr>
           </a:p>
@@ -19929,13 +19342,7 @@
       </p:sp>
       <p:grpSp>
         <p:nvGrpSpPr>
-          <p:cNvPr id="9" name="组合 8">
-            <a:extLst>
-              <a:ext uri="{FF2B5EF4-FFF2-40B4-BE49-F238E27FC236}">
-                <a16:creationId xmlns:a16="http://schemas.microsoft.com/office/drawing/2014/main" id="{8DE73AAE-739E-5936-D0A0-B69A5A1694A1}"/>
-              </a:ext>
-            </a:extLst>
-          </p:cNvPr>
+          <p:cNvPr id="9" name="组合 8"/>
           <p:cNvGrpSpPr/>
           <p:nvPr/>
         </p:nvGrpSpPr>
@@ -19949,13 +19356,7 @@
         </p:grpSpPr>
         <p:sp>
           <p:nvSpPr>
-            <p:cNvPr id="10" name="文本框 9">
-              <a:extLst>
-                <a:ext uri="{FF2B5EF4-FFF2-40B4-BE49-F238E27FC236}">
-                  <a16:creationId xmlns:a16="http://schemas.microsoft.com/office/drawing/2014/main" id="{F3CB8D42-1E2B-E5E3-CFC1-2EF2227D778F}"/>
-                </a:ext>
-              </a:extLst>
-            </p:cNvPr>
+            <p:cNvPr id="10" name="文本框 9"/>
             <p:cNvSpPr txBox="1"/>
             <p:nvPr/>
           </p:nvSpPr>
@@ -19994,7 +19395,6 @@
                 <a:buSzTx/>
                 <a:buFontTx/>
                 <a:buNone/>
-                <a:tabLst/>
                 <a:defRPr/>
               </a:pPr>
               <a:r>
@@ -20005,13 +19405,13 @@
                   <a:effectLst/>
                   <a:uLnTx/>
                   <a:uFillTx/>
-                  <a:latin typeface="微软雅黑"/>
+                  <a:latin typeface="微软雅黑" panose="020B0503020204020204" charset="-122"/>
                 </a:rPr>
                 <a:t>递归下降</a:t>
               </a:r>
               <a:r>
                 <a:rPr lang="zh-CN" altLang="en-US" sz="2000" b="1" kern="0" dirty="0">
-                  <a:latin typeface="微软雅黑"/>
+                  <a:latin typeface="微软雅黑" panose="020B0503020204020204" charset="-122"/>
                 </a:rPr>
                 <a:t>难点</a:t>
               </a:r>
@@ -20021,20 +19421,14 @@
                     <a:lumMod val="75000"/>
                   </a:schemeClr>
                 </a:solidFill>
-                <a:latin typeface="微软雅黑"/>
+                <a:latin typeface="微软雅黑" panose="020B0503020204020204" charset="-122"/>
               </a:endParaRPr>
             </a:p>
           </p:txBody>
         </p:sp>
         <p:sp>
           <p:nvSpPr>
-            <p:cNvPr id="11" name="矩形: 圆角 10">
-              <a:extLst>
-                <a:ext uri="{FF2B5EF4-FFF2-40B4-BE49-F238E27FC236}">
-                  <a16:creationId xmlns:a16="http://schemas.microsoft.com/office/drawing/2014/main" id="{71335917-DD7B-BD58-543D-7494D21FD596}"/>
-                </a:ext>
-              </a:extLst>
-            </p:cNvPr>
+            <p:cNvPr id="11" name="矩形: 圆角 10"/>
             <p:cNvSpPr/>
             <p:nvPr/>
           </p:nvSpPr>
@@ -20079,7 +19473,6 @@
                 <a:buSzTx/>
                 <a:buFontTx/>
                 <a:buNone/>
-                <a:tabLst/>
                 <a:defRPr/>
               </a:pPr>
               <a:endParaRPr kumimoji="0" lang="zh-CN" altLang="en-US" sz="1800" b="0" i="0" u="none" strike="noStrike" kern="0" cap="none" spc="0" normalizeH="0" baseline="0" noProof="0">
@@ -20092,8 +19485,8 @@
                 <a:effectLst/>
                 <a:uLnTx/>
                 <a:uFillTx/>
-                <a:latin typeface="Arial"/>
-                <a:ea typeface="微软雅黑"/>
+                <a:latin typeface="Arial" panose="020B0604020202020204"/>
+                <a:ea typeface="微软雅黑" panose="020B0503020204020204" charset="-122"/>
                 <a:cs typeface="+mn-cs"/>
               </a:endParaRPr>
             </a:p>
@@ -20102,13 +19495,7 @@
       </p:grpSp>
       <p:sp>
         <p:nvSpPr>
-          <p:cNvPr id="12" name="文本框 11">
-            <a:extLst>
-              <a:ext uri="{FF2B5EF4-FFF2-40B4-BE49-F238E27FC236}">
-                <a16:creationId xmlns:a16="http://schemas.microsoft.com/office/drawing/2014/main" id="{82323FE0-2A1E-502B-DDDD-C72F7688A2DA}"/>
-              </a:ext>
-            </a:extLst>
-          </p:cNvPr>
+          <p:cNvPr id="12" name="文本框 11"/>
           <p:cNvSpPr txBox="1"/>
           <p:nvPr/>
         </p:nvSpPr>
@@ -20147,7 +19534,6 @@
               <a:buSzTx/>
               <a:buFontTx/>
               <a:buNone/>
-              <a:tabLst/>
               <a:defRPr/>
             </a:pPr>
             <a:r>
@@ -20163,7 +19549,7 @@
                 <a:effectLst/>
                 <a:uLnTx/>
                 <a:uFillTx/>
-                <a:latin typeface="微软雅黑"/>
+                <a:latin typeface="微软雅黑" panose="020B0503020204020204" charset="-122"/>
               </a:rPr>
               <a:t>回溯问题</a:t>
             </a:r>
@@ -20179,20 +19565,14 @@
               <a:effectLst/>
               <a:uLnTx/>
               <a:uFillTx/>
-              <a:latin typeface="微软雅黑"/>
+              <a:latin typeface="微软雅黑" panose="020B0503020204020204" charset="-122"/>
             </a:endParaRPr>
           </a:p>
         </p:txBody>
       </p:sp>
       <p:sp>
         <p:nvSpPr>
-          <p:cNvPr id="14" name="文本框 13">
-            <a:extLst>
-              <a:ext uri="{FF2B5EF4-FFF2-40B4-BE49-F238E27FC236}">
-                <a16:creationId xmlns:a16="http://schemas.microsoft.com/office/drawing/2014/main" id="{1E8AB9AB-53F7-1A76-7A76-69A298F7FB64}"/>
-              </a:ext>
-            </a:extLst>
-          </p:cNvPr>
+          <p:cNvPr id="14" name="文本框 13"/>
           <p:cNvSpPr txBox="1"/>
           <p:nvPr/>
         </p:nvSpPr>
@@ -20239,6 +19619,9 @@
               </a:rPr>
               <a:t> '=' Exp ';’</a:t>
             </a:r>
+            <a:endParaRPr lang="en-US" altLang="zh-CN" sz="2000" b="1" dirty="0">
+              <a:latin typeface="Consolas" panose="020B0609020204030204" pitchFamily="49" charset="0"/>
+            </a:endParaRPr>
           </a:p>
           <a:p>
             <a:r>
@@ -20262,84 +19645,6 @@
               </a:rPr>
               <a:t>] ';’ </a:t>
             </a:r>
-          </a:p>
-          <a:p>
-            <a:r>
-              <a:rPr lang="en-US" altLang="zh-CN" sz="2000" b="1" dirty="0">
-                <a:latin typeface="Consolas" panose="020B0609020204030204" pitchFamily="49" charset="0"/>
-              </a:rPr>
-              <a:t>     | Block </a:t>
-            </a:r>
-          </a:p>
-          <a:p>
-            <a:r>
-              <a:rPr lang="en-US" altLang="zh-CN" sz="2000" b="1" dirty="0">
-                <a:latin typeface="Consolas" panose="020B0609020204030204" pitchFamily="49" charset="0"/>
-              </a:rPr>
-              <a:t>     | 'if' '(' Cond ')' </a:t>
-            </a:r>
-            <a:r>
-              <a:rPr lang="en-US" altLang="zh-CN" sz="2000" b="1" dirty="0" err="1">
-                <a:latin typeface="Consolas" panose="020B0609020204030204" pitchFamily="49" charset="0"/>
-              </a:rPr>
-              <a:t>Stmt</a:t>
-            </a:r>
-            <a:r>
-              <a:rPr lang="en-US" altLang="zh-CN" sz="2000" b="1" dirty="0">
-                <a:latin typeface="Consolas" panose="020B0609020204030204" pitchFamily="49" charset="0"/>
-              </a:rPr>
-              <a:t> [ 'else' </a:t>
-            </a:r>
-            <a:r>
-              <a:rPr lang="en-US" altLang="zh-CN" sz="2000" b="1" dirty="0" err="1">
-                <a:latin typeface="Consolas" panose="020B0609020204030204" pitchFamily="49" charset="0"/>
-              </a:rPr>
-              <a:t>Stmt</a:t>
-            </a:r>
-            <a:r>
-              <a:rPr lang="en-US" altLang="zh-CN" sz="2000" b="1" dirty="0">
-                <a:latin typeface="Consolas" panose="020B0609020204030204" pitchFamily="49" charset="0"/>
-              </a:rPr>
-              <a:t> ] </a:t>
-            </a:r>
-          </a:p>
-          <a:p>
-            <a:r>
-              <a:rPr lang="en-US" altLang="zh-CN" sz="2000" b="1" dirty="0">
-                <a:latin typeface="Consolas" panose="020B0609020204030204" pitchFamily="49" charset="0"/>
-              </a:rPr>
-              <a:t>     | 'for' '(' [</a:t>
-            </a:r>
-            <a:r>
-              <a:rPr lang="en-US" altLang="zh-CN" sz="2000" b="1" dirty="0" err="1">
-                <a:latin typeface="Consolas" panose="020B0609020204030204" pitchFamily="49" charset="0"/>
-              </a:rPr>
-              <a:t>ForStmt</a:t>
-            </a:r>
-            <a:r>
-              <a:rPr lang="en-US" altLang="zh-CN" sz="2000" b="1" dirty="0">
-                <a:latin typeface="Consolas" panose="020B0609020204030204" pitchFamily="49" charset="0"/>
-              </a:rPr>
-              <a:t>] ';' [Cond] ';' [</a:t>
-            </a:r>
-            <a:r>
-              <a:rPr lang="en-US" altLang="zh-CN" sz="2000" b="1" dirty="0" err="1">
-                <a:latin typeface="Consolas" panose="020B0609020204030204" pitchFamily="49" charset="0"/>
-              </a:rPr>
-              <a:t>ForStmt</a:t>
-            </a:r>
-            <a:r>
-              <a:rPr lang="en-US" altLang="zh-CN" sz="2000" b="1" dirty="0">
-                <a:latin typeface="Consolas" panose="020B0609020204030204" pitchFamily="49" charset="0"/>
-              </a:rPr>
-              <a:t>] ')' </a:t>
-            </a:r>
-            <a:r>
-              <a:rPr lang="en-US" altLang="zh-CN" sz="2000" b="1" dirty="0" err="1">
-                <a:latin typeface="Consolas" panose="020B0609020204030204" pitchFamily="49" charset="0"/>
-              </a:rPr>
-              <a:t>Stmt</a:t>
-            </a:r>
             <a:endParaRPr lang="en-US" altLang="zh-CN" sz="2000" b="1" dirty="0">
               <a:latin typeface="Consolas" panose="020B0609020204030204" pitchFamily="49" charset="0"/>
             </a:endParaRPr>
@@ -20349,8 +19654,98 @@
               <a:rPr lang="en-US" altLang="zh-CN" sz="2000" b="1" dirty="0">
                 <a:latin typeface="Consolas" panose="020B0609020204030204" pitchFamily="49" charset="0"/>
               </a:rPr>
+              <a:t>     | Block </a:t>
+            </a:r>
+            <a:endParaRPr lang="en-US" altLang="zh-CN" sz="2000" b="1" dirty="0">
+              <a:latin typeface="Consolas" panose="020B0609020204030204" pitchFamily="49" charset="0"/>
+            </a:endParaRPr>
+          </a:p>
+          <a:p>
+            <a:r>
+              <a:rPr lang="en-US" altLang="zh-CN" sz="2000" b="1" dirty="0">
+                <a:latin typeface="Consolas" panose="020B0609020204030204" pitchFamily="49" charset="0"/>
+              </a:rPr>
+              <a:t>     | 'if' '(' Cond ')' </a:t>
+            </a:r>
+            <a:r>
+              <a:rPr lang="en-US" altLang="zh-CN" sz="2000" b="1" dirty="0" err="1">
+                <a:latin typeface="Consolas" panose="020B0609020204030204" pitchFamily="49" charset="0"/>
+              </a:rPr>
+              <a:t>Stmt</a:t>
+            </a:r>
+            <a:r>
+              <a:rPr lang="en-US" altLang="zh-CN" sz="2000" b="1" dirty="0">
+                <a:latin typeface="Consolas" panose="020B0609020204030204" pitchFamily="49" charset="0"/>
+              </a:rPr>
+              <a:t> [ 'else' </a:t>
+            </a:r>
+            <a:r>
+              <a:rPr lang="en-US" altLang="zh-CN" sz="2000" b="1" dirty="0" err="1">
+                <a:latin typeface="Consolas" panose="020B0609020204030204" pitchFamily="49" charset="0"/>
+              </a:rPr>
+              <a:t>Stmt</a:t>
+            </a:r>
+            <a:r>
+              <a:rPr lang="en-US" altLang="zh-CN" sz="2000" b="1" dirty="0">
+                <a:latin typeface="Consolas" panose="020B0609020204030204" pitchFamily="49" charset="0"/>
+              </a:rPr>
+              <a:t> ] </a:t>
+            </a:r>
+            <a:endParaRPr lang="en-US" altLang="zh-CN" sz="2000" b="1" dirty="0">
+              <a:latin typeface="Consolas" panose="020B0609020204030204" pitchFamily="49" charset="0"/>
+            </a:endParaRPr>
+          </a:p>
+          <a:p>
+            <a:r>
+              <a:rPr lang="en-US" altLang="zh-CN" sz="2000" b="1" dirty="0">
+                <a:latin typeface="Consolas" panose="020B0609020204030204" pitchFamily="49" charset="0"/>
+              </a:rPr>
+              <a:t>     | 'for' '(' [</a:t>
+            </a:r>
+            <a:r>
+              <a:rPr lang="en-US" altLang="zh-CN" sz="2000" b="1" dirty="0" err="1">
+                <a:latin typeface="Consolas" panose="020B0609020204030204" pitchFamily="49" charset="0"/>
+              </a:rPr>
+              <a:t>ForStmt</a:t>
+            </a:r>
+            <a:r>
+              <a:rPr lang="en-US" altLang="zh-CN" sz="2000" b="1" dirty="0">
+                <a:latin typeface="Consolas" panose="020B0609020204030204" pitchFamily="49" charset="0"/>
+              </a:rPr>
+              <a:t>] ';' [Cond] ';' [</a:t>
+            </a:r>
+            <a:r>
+              <a:rPr lang="en-US" altLang="zh-CN" sz="2000" b="1" dirty="0" err="1">
+                <a:latin typeface="Consolas" panose="020B0609020204030204" pitchFamily="49" charset="0"/>
+              </a:rPr>
+              <a:t>ForStmt</a:t>
+            </a:r>
+            <a:r>
+              <a:rPr lang="en-US" altLang="zh-CN" sz="2000" b="1" dirty="0">
+                <a:latin typeface="Consolas" panose="020B0609020204030204" pitchFamily="49" charset="0"/>
+              </a:rPr>
+              <a:t>] ')' </a:t>
+            </a:r>
+            <a:r>
+              <a:rPr lang="en-US" altLang="zh-CN" sz="2000" b="1" dirty="0" err="1">
+                <a:latin typeface="Consolas" panose="020B0609020204030204" pitchFamily="49" charset="0"/>
+              </a:rPr>
+              <a:t>Stmt</a:t>
+            </a:r>
+            <a:endParaRPr lang="en-US" altLang="zh-CN" sz="2000" b="1" dirty="0">
+              <a:latin typeface="Consolas" panose="020B0609020204030204" pitchFamily="49" charset="0"/>
+            </a:endParaRPr>
+          </a:p>
+          <a:p>
+            <a:r>
+              <a:rPr lang="en-US" altLang="zh-CN" sz="2000" b="1" dirty="0">
+                <a:latin typeface="Consolas" panose="020B0609020204030204" pitchFamily="49" charset="0"/>
+              </a:rPr>
               <a:t>     | 'break' ';’ </a:t>
             </a:r>
+            <a:endParaRPr lang="en-US" altLang="zh-CN" sz="2000" b="1" dirty="0">
+              <a:latin typeface="Consolas" panose="020B0609020204030204" pitchFamily="49" charset="0"/>
+            </a:endParaRPr>
           </a:p>
           <a:p>
             <a:r>
@@ -20359,6 +19754,9 @@
               </a:rPr>
               <a:t>     | 'continue' ';’ </a:t>
             </a:r>
+            <a:endParaRPr lang="en-US" altLang="zh-CN" sz="2000" b="1" dirty="0">
+              <a:latin typeface="Consolas" panose="020B0609020204030204" pitchFamily="49" charset="0"/>
+            </a:endParaRPr>
           </a:p>
           <a:p>
             <a:r>
@@ -20367,6 +19765,9 @@
               </a:rPr>
               <a:t>     | 'return' [Exp] ';’ </a:t>
             </a:r>
+            <a:endParaRPr lang="en-US" altLang="zh-CN" sz="2000" b="1" dirty="0">
+              <a:latin typeface="Consolas" panose="020B0609020204030204" pitchFamily="49" charset="0"/>
+            </a:endParaRPr>
           </a:p>
           <a:p>
             <a:r>
@@ -20402,6 +19803,9 @@
               </a:rPr>
               <a:t>''('')'';’ </a:t>
             </a:r>
+            <a:endParaRPr lang="en-US" altLang="zh-CN" sz="2000" b="1" dirty="0">
+              <a:latin typeface="Consolas" panose="020B0609020204030204" pitchFamily="49" charset="0"/>
+            </a:endParaRPr>
           </a:p>
           <a:p>
             <a:r>
@@ -20441,11 +19845,6 @@
         </p:txBody>
       </p:sp>
     </p:spTree>
-    <p:extLst>
-      <p:ext uri="{BB962C8B-B14F-4D97-AF65-F5344CB8AC3E}">
-        <p14:creationId xmlns:p14="http://schemas.microsoft.com/office/powerpoint/2010/main" val="2044317021"/>
-      </p:ext>
-    </p:extLst>
   </p:cSld>
   <p:clrMapOvr>
     <a:masterClrMapping/>
@@ -21949,13 +21348,7 @@
       </p:grpSp>
       <p:grpSp>
         <p:nvGrpSpPr>
-          <p:cNvPr id="123" name="组合 122">
-            <a:extLst>
-              <a:ext uri="{FF2B5EF4-FFF2-40B4-BE49-F238E27FC236}">
-                <a16:creationId xmlns:a16="http://schemas.microsoft.com/office/drawing/2014/main" id="{00480087-048F-4EBB-8203-A28B45992B92}"/>
-              </a:ext>
-            </a:extLst>
-          </p:cNvPr>
+          <p:cNvPr id="123" name="组合 122"/>
           <p:cNvGrpSpPr/>
           <p:nvPr/>
         </p:nvGrpSpPr>
@@ -21969,13 +21362,7 @@
         </p:grpSpPr>
         <p:sp>
           <p:nvSpPr>
-            <p:cNvPr id="124" name="文本框 123">
-              <a:extLst>
-                <a:ext uri="{FF2B5EF4-FFF2-40B4-BE49-F238E27FC236}">
-                  <a16:creationId xmlns:a16="http://schemas.microsoft.com/office/drawing/2014/main" id="{4D099783-DBDD-47ED-AD50-14FC2C87D77D}"/>
-                </a:ext>
-              </a:extLst>
-            </p:cNvPr>
+            <p:cNvPr id="124" name="文本框 123"/>
             <p:cNvSpPr txBox="1"/>
             <p:nvPr/>
           </p:nvSpPr>
@@ -22014,7 +21401,6 @@
                 <a:buSzTx/>
                 <a:buFontTx/>
                 <a:buNone/>
-                <a:tabLst/>
                 <a:defRPr/>
               </a:pPr>
               <a:r>
@@ -22025,7 +21411,7 @@
                   <a:effectLst/>
                   <a:uLnTx/>
                   <a:uFillTx/>
-                  <a:latin typeface="微软雅黑"/>
+                  <a:latin typeface="微软雅黑" panose="020B0503020204020204" charset="-122"/>
                 </a:rPr>
                 <a:t>建树</a:t>
               </a:r>
@@ -22035,20 +21421,14 @@
                     <a:lumMod val="75000"/>
                   </a:schemeClr>
                 </a:solidFill>
-                <a:latin typeface="微软雅黑"/>
+                <a:latin typeface="微软雅黑" panose="020B0503020204020204" charset="-122"/>
               </a:endParaRPr>
             </a:p>
           </p:txBody>
         </p:sp>
         <p:sp>
           <p:nvSpPr>
-            <p:cNvPr id="127" name="矩形: 圆角 126">
-              <a:extLst>
-                <a:ext uri="{FF2B5EF4-FFF2-40B4-BE49-F238E27FC236}">
-                  <a16:creationId xmlns:a16="http://schemas.microsoft.com/office/drawing/2014/main" id="{FE93D2D6-B815-4CFD-9352-13E258A32C4D}"/>
-                </a:ext>
-              </a:extLst>
-            </p:cNvPr>
+            <p:cNvPr id="127" name="矩形: 圆角 126"/>
             <p:cNvSpPr/>
             <p:nvPr/>
           </p:nvSpPr>
@@ -22093,7 +21473,6 @@
                 <a:buSzTx/>
                 <a:buFontTx/>
                 <a:buNone/>
-                <a:tabLst/>
                 <a:defRPr/>
               </a:pPr>
               <a:endParaRPr kumimoji="0" lang="zh-CN" altLang="en-US" sz="1800" b="0" i="0" u="none" strike="noStrike" kern="0" cap="none" spc="0" normalizeH="0" baseline="0" noProof="0">
@@ -22106,8 +21485,8 @@
                 <a:effectLst/>
                 <a:uLnTx/>
                 <a:uFillTx/>
-                <a:latin typeface="Arial"/>
-                <a:ea typeface="微软雅黑"/>
+                <a:latin typeface="Arial" panose="020B0604020202020204"/>
+                <a:ea typeface="微软雅黑" panose="020B0503020204020204" charset="-122"/>
                 <a:cs typeface="+mn-cs"/>
               </a:endParaRPr>
             </a:p>
@@ -22116,13 +21495,7 @@
       </p:grpSp>
       <p:sp>
         <p:nvSpPr>
-          <p:cNvPr id="6" name="文本框 5">
-            <a:extLst>
-              <a:ext uri="{FF2B5EF4-FFF2-40B4-BE49-F238E27FC236}">
-                <a16:creationId xmlns:a16="http://schemas.microsoft.com/office/drawing/2014/main" id="{29434D34-BCB8-4073-6D18-4CE9C03F6E73}"/>
-              </a:ext>
-            </a:extLst>
-          </p:cNvPr>
+          <p:cNvPr id="6" name="文本框 5"/>
           <p:cNvSpPr txBox="1"/>
           <p:nvPr/>
         </p:nvSpPr>
@@ -22178,20 +21551,14 @@
       </p:sp>
       <p:pic>
         <p:nvPicPr>
-          <p:cNvPr id="1026" name="Picture 2">
-            <a:extLst>
-              <a:ext uri="{FF2B5EF4-FFF2-40B4-BE49-F238E27FC236}">
-                <a16:creationId xmlns:a16="http://schemas.microsoft.com/office/drawing/2014/main" id="{F00D86DD-24F9-AC78-88EB-1F0326BFF1FB}"/>
-              </a:ext>
-            </a:extLst>
-          </p:cNvPr>
+          <p:cNvPr id="1026" name="Picture 2"/>
           <p:cNvPicPr>
             <a:picLocks noChangeAspect="1" noChangeArrowheads="1"/>
           </p:cNvPicPr>
           <p:nvPr/>
         </p:nvPicPr>
         <p:blipFill>
-          <a:blip r:embed="rId3" cstate="print">
+          <a:blip r:embed="rId1" cstate="print">
             <a:extLst>
               <a:ext uri="{28A0092B-C50C-407E-A947-70E740481C1C}">
                 <a14:useLocalDpi xmlns:a14="http://schemas.microsoft.com/office/drawing/2010/main" val="0"/>
@@ -22224,11 +21591,6 @@
         </p:spPr>
       </p:pic>
     </p:spTree>
-    <p:extLst>
-      <p:ext uri="{BB962C8B-B14F-4D97-AF65-F5344CB8AC3E}">
-        <p14:creationId xmlns:p14="http://schemas.microsoft.com/office/powerpoint/2010/main" val="4140896875"/>
-      </p:ext>
-    </p:extLst>
   </p:cSld>
   <p:clrMapOvr>
     <a:masterClrMapping/>
@@ -23732,13 +23094,7 @@
       </p:grpSp>
       <p:grpSp>
         <p:nvGrpSpPr>
-          <p:cNvPr id="123" name="组合 122">
-            <a:extLst>
-              <a:ext uri="{FF2B5EF4-FFF2-40B4-BE49-F238E27FC236}">
-                <a16:creationId xmlns:a16="http://schemas.microsoft.com/office/drawing/2014/main" id="{00480087-048F-4EBB-8203-A28B45992B92}"/>
-              </a:ext>
-            </a:extLst>
-          </p:cNvPr>
+          <p:cNvPr id="123" name="组合 122"/>
           <p:cNvGrpSpPr/>
           <p:nvPr/>
         </p:nvGrpSpPr>
@@ -23752,13 +23108,7 @@
         </p:grpSpPr>
         <p:sp>
           <p:nvSpPr>
-            <p:cNvPr id="124" name="文本框 123">
-              <a:extLst>
-                <a:ext uri="{FF2B5EF4-FFF2-40B4-BE49-F238E27FC236}">
-                  <a16:creationId xmlns:a16="http://schemas.microsoft.com/office/drawing/2014/main" id="{4D099783-DBDD-47ED-AD50-14FC2C87D77D}"/>
-                </a:ext>
-              </a:extLst>
-            </p:cNvPr>
+            <p:cNvPr id="124" name="文本框 123"/>
             <p:cNvSpPr txBox="1"/>
             <p:nvPr/>
           </p:nvSpPr>
@@ -23797,7 +23147,6 @@
                 <a:buSzTx/>
                 <a:buFontTx/>
                 <a:buNone/>
-                <a:tabLst/>
                 <a:defRPr/>
               </a:pPr>
               <a:r>
@@ -23808,7 +23157,7 @@
                   <a:effectLst/>
                   <a:uLnTx/>
                   <a:uFillTx/>
-                  <a:latin typeface="微软雅黑"/>
+                  <a:latin typeface="微软雅黑" panose="020B0503020204020204" charset="-122"/>
                 </a:rPr>
                 <a:t>输出</a:t>
               </a:r>
@@ -23818,20 +23167,14 @@
                     <a:lumMod val="75000"/>
                   </a:schemeClr>
                 </a:solidFill>
-                <a:latin typeface="微软雅黑"/>
+                <a:latin typeface="微软雅黑" panose="020B0503020204020204" charset="-122"/>
               </a:endParaRPr>
             </a:p>
           </p:txBody>
         </p:sp>
         <p:sp>
           <p:nvSpPr>
-            <p:cNvPr id="127" name="矩形: 圆角 126">
-              <a:extLst>
-                <a:ext uri="{FF2B5EF4-FFF2-40B4-BE49-F238E27FC236}">
-                  <a16:creationId xmlns:a16="http://schemas.microsoft.com/office/drawing/2014/main" id="{FE93D2D6-B815-4CFD-9352-13E258A32C4D}"/>
-                </a:ext>
-              </a:extLst>
-            </p:cNvPr>
+            <p:cNvPr id="127" name="矩形: 圆角 126"/>
             <p:cNvSpPr/>
             <p:nvPr/>
           </p:nvSpPr>
@@ -23876,7 +23219,6 @@
                 <a:buSzTx/>
                 <a:buFontTx/>
                 <a:buNone/>
-                <a:tabLst/>
                 <a:defRPr/>
               </a:pPr>
               <a:endParaRPr kumimoji="0" lang="zh-CN" altLang="en-US" sz="1800" b="0" i="0" u="none" strike="noStrike" kern="0" cap="none" spc="0" normalizeH="0" baseline="0" noProof="0">
@@ -23889,8 +23231,8 @@
                 <a:effectLst/>
                 <a:uLnTx/>
                 <a:uFillTx/>
-                <a:latin typeface="Arial"/>
-                <a:ea typeface="微软雅黑"/>
+                <a:latin typeface="Arial" panose="020B0604020202020204"/>
+                <a:ea typeface="微软雅黑" panose="020B0503020204020204" charset="-122"/>
                 <a:cs typeface="+mn-cs"/>
               </a:endParaRPr>
             </a:p>
@@ -23899,13 +23241,7 @@
       </p:grpSp>
       <p:sp>
         <p:nvSpPr>
-          <p:cNvPr id="6" name="文本框 5">
-            <a:extLst>
-              <a:ext uri="{FF2B5EF4-FFF2-40B4-BE49-F238E27FC236}">
-                <a16:creationId xmlns:a16="http://schemas.microsoft.com/office/drawing/2014/main" id="{29434D34-BCB8-4073-6D18-4CE9C03F6E73}"/>
-              </a:ext>
-            </a:extLst>
-          </p:cNvPr>
+          <p:cNvPr id="6" name="文本框 5"/>
           <p:cNvSpPr txBox="1"/>
           <p:nvPr/>
         </p:nvSpPr>
@@ -23939,7 +23275,6 @@
               <a:buSzTx/>
               <a:buFontTx/>
               <a:buNone/>
-              <a:tabLst/>
             </a:pPr>
             <a:r>
               <a:rPr kumimoji="0" lang="zh-CN" altLang="zh-CN" sz="1800" b="0" i="0" u="none" strike="noStrike" cap="none" normalizeH="0" baseline="0" dirty="0">
@@ -24294,20 +23629,14 @@
       </p:sp>
       <p:pic>
         <p:nvPicPr>
-          <p:cNvPr id="2" name="图片 1" descr="图示&#10;&#10;描述已自动生成">
-            <a:extLst>
-              <a:ext uri="{FF2B5EF4-FFF2-40B4-BE49-F238E27FC236}">
-                <a16:creationId xmlns:a16="http://schemas.microsoft.com/office/drawing/2014/main" id="{74EDCC14-D0E5-6324-7D5B-774F30A0A1E6}"/>
-              </a:ext>
-            </a:extLst>
-          </p:cNvPr>
+          <p:cNvPr id="2" name="图片 1" descr="图示&#10;&#10;描述已自动生成"/>
           <p:cNvPicPr>
             <a:picLocks noChangeAspect="1"/>
           </p:cNvPicPr>
           <p:nvPr/>
         </p:nvPicPr>
         <p:blipFill>
-          <a:blip r:embed="rId3">
+          <a:blip r:embed="rId1">
             <a:extLst>
               <a:ext uri="{28A0092B-C50C-407E-A947-70E740481C1C}">
                 <a14:useLocalDpi xmlns:a14="http://schemas.microsoft.com/office/drawing/2010/main" val="0"/>
@@ -24330,13 +23659,7 @@
       </p:pic>
       <p:sp>
         <p:nvSpPr>
-          <p:cNvPr id="5" name="文本框 4">
-            <a:extLst>
-              <a:ext uri="{FF2B5EF4-FFF2-40B4-BE49-F238E27FC236}">
-                <a16:creationId xmlns:a16="http://schemas.microsoft.com/office/drawing/2014/main" id="{B96CE825-EE36-8A78-214D-8DB4425DD2A1}"/>
-              </a:ext>
-            </a:extLst>
-          </p:cNvPr>
+          <p:cNvPr id="5" name="文本框 4"/>
           <p:cNvSpPr txBox="1"/>
           <p:nvPr/>
         </p:nvSpPr>
@@ -24370,7 +23693,6 @@
               <a:buSzTx/>
               <a:buFontTx/>
               <a:buNone/>
-              <a:tabLst/>
             </a:pPr>
             <a:r>
               <a:rPr kumimoji="0" lang="zh-CN" altLang="en-US" sz="1800" b="1" u="none" strike="noStrike" cap="none" normalizeH="0" baseline="0" dirty="0">
@@ -24399,11 +23721,6 @@
         </p:txBody>
       </p:sp>
     </p:spTree>
-    <p:extLst>
-      <p:ext uri="{BB962C8B-B14F-4D97-AF65-F5344CB8AC3E}">
-        <p14:creationId xmlns:p14="http://schemas.microsoft.com/office/powerpoint/2010/main" val="467450073"/>
-      </p:ext>
-    </p:extLst>
   </p:cSld>
   <p:clrMapOvr>
     <a:masterClrMapping/>
@@ -24582,13 +23899,7 @@
       </p:grpSpPr>
       <p:sp>
         <p:nvSpPr>
-          <p:cNvPr id="9" name="矩形 8">
-            <a:extLst>
-              <a:ext uri="{FF2B5EF4-FFF2-40B4-BE49-F238E27FC236}">
-                <a16:creationId xmlns:a16="http://schemas.microsoft.com/office/drawing/2014/main" id="{82023C5A-002A-4D55-B6D9-BA77213D77D2}"/>
-              </a:ext>
-            </a:extLst>
-          </p:cNvPr>
+          <p:cNvPr id="9" name="矩形 8"/>
           <p:cNvSpPr/>
           <p:nvPr/>
         </p:nvSpPr>
@@ -24601,7 +23912,7 @@
             <a:avLst/>
           </a:prstGeom>
           <a:blipFill dpi="0" rotWithShape="1">
-            <a:blip r:embed="rId3">
+            <a:blip r:embed="rId1">
               <a:alphaModFix amt="8000"/>
             </a:blip>
             <a:srcRect/>
@@ -24668,23 +23979,26 @@
                     <a:lumMod val="50000"/>
                   </a:schemeClr>
                 </a:solidFill>
-                <a:latin typeface="微软雅黑" panose="020B0503020204020204" pitchFamily="34" charset="-122"/>
-                <a:ea typeface="微软雅黑" panose="020B0503020204020204" pitchFamily="34" charset="-122"/>
+                <a:latin typeface="微软雅黑" panose="020B0503020204020204" charset="-122"/>
+                <a:ea typeface="微软雅黑" panose="020B0503020204020204" charset="-122"/>
               </a:rPr>
               <a:t>谢谢大家</a:t>
             </a:r>
+            <a:endParaRPr lang="zh-CN" altLang="en-US" sz="3600" dirty="0">
+              <a:solidFill>
+                <a:schemeClr val="bg1">
+                  <a:lumMod val="50000"/>
+                </a:schemeClr>
+              </a:solidFill>
+              <a:latin typeface="微软雅黑" panose="020B0503020204020204" charset="-122"/>
+              <a:ea typeface="微软雅黑" panose="020B0503020204020204" charset="-122"/>
+            </a:endParaRPr>
           </a:p>
         </p:txBody>
       </p:sp>
       <p:grpSp>
         <p:nvGrpSpPr>
-          <p:cNvPr id="4" name="组合 3">
-            <a:extLst>
-              <a:ext uri="{FF2B5EF4-FFF2-40B4-BE49-F238E27FC236}">
-                <a16:creationId xmlns:a16="http://schemas.microsoft.com/office/drawing/2014/main" id="{6492F762-B648-4C6A-BCCD-DE814C95A84A}"/>
-              </a:ext>
-            </a:extLst>
-          </p:cNvPr>
+          <p:cNvPr id="4" name="组合 3"/>
           <p:cNvGrpSpPr/>
           <p:nvPr/>
         </p:nvGrpSpPr>
@@ -24957,13 +24271,7 @@
       </p:grpSp>
       <p:grpSp>
         <p:nvGrpSpPr>
-          <p:cNvPr id="5" name="组合 4">
-            <a:extLst>
-              <a:ext uri="{FF2B5EF4-FFF2-40B4-BE49-F238E27FC236}">
-                <a16:creationId xmlns:a16="http://schemas.microsoft.com/office/drawing/2014/main" id="{B3B54D5C-DF23-4320-80C7-D5FDCC31C73E}"/>
-              </a:ext>
-            </a:extLst>
-          </p:cNvPr>
+          <p:cNvPr id="5" name="组合 4"/>
           <p:cNvGrpSpPr/>
           <p:nvPr/>
         </p:nvGrpSpPr>
@@ -25238,28 +24546,18 @@
       </p:grpSp>
       <p:pic>
         <p:nvPicPr>
-          <p:cNvPr id="3" name="图片 2" descr="图片包含 户外艺术系列&#10;&#10;已生成高可信度的说明">
-            <a:extLst>
-              <a:ext uri="{FF2B5EF4-FFF2-40B4-BE49-F238E27FC236}">
-                <a16:creationId xmlns:a16="http://schemas.microsoft.com/office/drawing/2014/main" id="{ABA7B7BC-2EA9-4B48-9EC2-D10CCCF93649}"/>
-              </a:ext>
-            </a:extLst>
-          </p:cNvPr>
+          <p:cNvPr id="3" name="图片 2" descr="图片包含 户外艺术系列&#10;&#10;已生成高可信度的说明"/>
           <p:cNvPicPr>
             <a:picLocks noChangeAspect="1"/>
           </p:cNvPicPr>
           <p:nvPr/>
         </p:nvPicPr>
         <p:blipFill rotWithShape="1">
-          <a:blip r:embed="rId4" cstate="screen">
-            <a:extLst>
-              <a:ext uri="{28A0092B-C50C-407E-A947-70E740481C1C}">
-                <a14:useLocalDpi xmlns:a14="http://schemas.microsoft.com/office/drawing/2010/main"/>
-              </a:ext>
-            </a:extLst>
-          </a:blip>
+          <a:blip r:embed="rId2" cstate="screen"/>
           <a:srcRect/>
-          <a:stretch/>
+          <a:stretch>
+            <a:fillRect/>
+          </a:stretch>
         </p:blipFill>
         <p:spPr>
           <a:xfrm rot="12564080">
@@ -25273,28 +24571,18 @@
       </p:pic>
       <p:pic>
         <p:nvPicPr>
-          <p:cNvPr id="122" name="图片 121" descr="图片包含 户外艺术系列&#10;&#10;已生成高可信度的说明">
-            <a:extLst>
-              <a:ext uri="{FF2B5EF4-FFF2-40B4-BE49-F238E27FC236}">
-                <a16:creationId xmlns:a16="http://schemas.microsoft.com/office/drawing/2014/main" id="{3EA6A347-BDFB-419C-B6F7-63BF6CC4CAFC}"/>
-              </a:ext>
-            </a:extLst>
-          </p:cNvPr>
+          <p:cNvPr id="122" name="图片 121" descr="图片包含 户外艺术系列&#10;&#10;已生成高可信度的说明"/>
           <p:cNvPicPr>
             <a:picLocks noChangeAspect="1"/>
           </p:cNvPicPr>
           <p:nvPr/>
         </p:nvPicPr>
         <p:blipFill rotWithShape="1">
-          <a:blip r:embed="rId5" cstate="screen">
-            <a:extLst>
-              <a:ext uri="{28A0092B-C50C-407E-A947-70E740481C1C}">
-                <a14:useLocalDpi xmlns:a14="http://schemas.microsoft.com/office/drawing/2010/main"/>
-              </a:ext>
-            </a:extLst>
-          </a:blip>
+          <a:blip r:embed="rId3" cstate="screen"/>
           <a:srcRect/>
-          <a:stretch/>
+          <a:stretch>
+            <a:fillRect/>
+          </a:stretch>
         </p:blipFill>
         <p:spPr>
           <a:xfrm rot="14326105">
@@ -25308,13 +24596,7 @@
       </p:pic>
       <p:cxnSp>
         <p:nvCxnSpPr>
-          <p:cNvPr id="7" name="直接连接符 6">
-            <a:extLst>
-              <a:ext uri="{FF2B5EF4-FFF2-40B4-BE49-F238E27FC236}">
-                <a16:creationId xmlns:a16="http://schemas.microsoft.com/office/drawing/2014/main" id="{6A700B99-6065-4865-8C68-803D5763C6AA}"/>
-              </a:ext>
-            </a:extLst>
-          </p:cNvPr>
+          <p:cNvPr id="7" name="直接连接符 6"/>
           <p:cNvCxnSpPr/>
           <p:nvPr/>
         </p:nvCxnSpPr>
@@ -25350,11 +24632,6 @@
         </p:style>
       </p:cxnSp>
     </p:spTree>
-    <p:extLst>
-      <p:ext uri="{BB962C8B-B14F-4D97-AF65-F5344CB8AC3E}">
-        <p14:creationId xmlns:p14="http://schemas.microsoft.com/office/powerpoint/2010/main" val="402265231"/>
-      </p:ext>
-    </p:extLst>
   </p:cSld>
   <p:clrMapOvr>
     <a:masterClrMapping/>
@@ -27092,13 +26369,7 @@
       </p:cxnSp>
       <p:grpSp>
         <p:nvGrpSpPr>
-          <p:cNvPr id="53" name="组合 52">
-            <a:extLst>
-              <a:ext uri="{FF2B5EF4-FFF2-40B4-BE49-F238E27FC236}">
-                <a16:creationId xmlns:a16="http://schemas.microsoft.com/office/drawing/2014/main" id="{6C7FA5F0-E626-420A-B4B2-E81244407EB6}"/>
-              </a:ext>
-            </a:extLst>
-          </p:cNvPr>
+          <p:cNvPr id="53" name="组合 52"/>
           <p:cNvGrpSpPr/>
           <p:nvPr/>
         </p:nvGrpSpPr>
@@ -27112,13 +26383,7 @@
         </p:grpSpPr>
         <p:sp>
           <p:nvSpPr>
-            <p:cNvPr id="54" name="文本框 53">
-              <a:extLst>
-                <a:ext uri="{FF2B5EF4-FFF2-40B4-BE49-F238E27FC236}">
-                  <a16:creationId xmlns:a16="http://schemas.microsoft.com/office/drawing/2014/main" id="{1336633F-4C9A-4C38-A017-7FC36144EDD8}"/>
-                </a:ext>
-              </a:extLst>
-            </p:cNvPr>
+            <p:cNvPr id="54" name="文本框 53"/>
             <p:cNvSpPr txBox="1"/>
             <p:nvPr/>
           </p:nvSpPr>
@@ -27157,7 +26422,6 @@
                 <a:buSzTx/>
                 <a:buFontTx/>
                 <a:buNone/>
-                <a:tabLst/>
                 <a:defRPr/>
               </a:pPr>
               <a:r>
@@ -27168,7 +26432,7 @@
                   <a:effectLst/>
                   <a:uLnTx/>
                   <a:uFillTx/>
-                  <a:latin typeface="微软雅黑"/>
+                  <a:latin typeface="微软雅黑" panose="020B0503020204020204" charset="-122"/>
                 </a:rPr>
                 <a:t>啥是语法分析</a:t>
               </a:r>
@@ -27178,20 +26442,14 @@
                     <a:lumMod val="75000"/>
                   </a:schemeClr>
                 </a:solidFill>
-                <a:latin typeface="微软雅黑"/>
+                <a:latin typeface="微软雅黑" panose="020B0503020204020204" charset="-122"/>
               </a:endParaRPr>
             </a:p>
           </p:txBody>
         </p:sp>
         <p:sp>
           <p:nvSpPr>
-            <p:cNvPr id="56" name="矩形: 圆角 55">
-              <a:extLst>
-                <a:ext uri="{FF2B5EF4-FFF2-40B4-BE49-F238E27FC236}">
-                  <a16:creationId xmlns:a16="http://schemas.microsoft.com/office/drawing/2014/main" id="{8A00641A-3201-49D3-B49D-5048FB4611B1}"/>
-                </a:ext>
-              </a:extLst>
-            </p:cNvPr>
+            <p:cNvPr id="56" name="矩形: 圆角 55"/>
             <p:cNvSpPr/>
             <p:nvPr/>
           </p:nvSpPr>
@@ -27236,7 +26494,6 @@
                 <a:buSzTx/>
                 <a:buFontTx/>
                 <a:buNone/>
-                <a:tabLst/>
                 <a:defRPr/>
               </a:pPr>
               <a:endParaRPr kumimoji="0" lang="zh-CN" altLang="en-US" sz="1800" b="0" i="0" u="none" strike="noStrike" kern="0" cap="none" spc="0" normalizeH="0" baseline="0" noProof="0">
@@ -27249,8 +26506,8 @@
                 <a:effectLst/>
                 <a:uLnTx/>
                 <a:uFillTx/>
-                <a:latin typeface="Arial"/>
-                <a:ea typeface="微软雅黑"/>
+                <a:latin typeface="Arial" panose="020B0604020202020204"/>
+                <a:ea typeface="微软雅黑" panose="020B0503020204020204" charset="-122"/>
                 <a:cs typeface="+mn-cs"/>
               </a:endParaRPr>
             </a:p>
@@ -27259,20 +26516,14 @@
       </p:grpSp>
       <p:pic>
         <p:nvPicPr>
-          <p:cNvPr id="5" name="图片 4">
-            <a:extLst>
-              <a:ext uri="{FF2B5EF4-FFF2-40B4-BE49-F238E27FC236}">
-                <a16:creationId xmlns:a16="http://schemas.microsoft.com/office/drawing/2014/main" id="{F0319383-BC28-DA29-16BB-97F2F28C023D}"/>
-              </a:ext>
-            </a:extLst>
-          </p:cNvPr>
+          <p:cNvPr id="5" name="图片 4"/>
           <p:cNvPicPr>
             <a:picLocks noChangeAspect="1"/>
           </p:cNvPicPr>
           <p:nvPr/>
         </p:nvPicPr>
         <p:blipFill>
-          <a:blip r:embed="rId3"/>
+          <a:blip r:embed="rId1"/>
           <a:stretch>
             <a:fillRect/>
           </a:stretch>
@@ -27289,13 +26540,7 @@
       </p:pic>
       <p:sp>
         <p:nvSpPr>
-          <p:cNvPr id="7" name="矩形 6">
-            <a:extLst>
-              <a:ext uri="{FF2B5EF4-FFF2-40B4-BE49-F238E27FC236}">
-                <a16:creationId xmlns:a16="http://schemas.microsoft.com/office/drawing/2014/main" id="{CF149650-8912-6DB4-0A66-625028A74994}"/>
-              </a:ext>
-            </a:extLst>
-          </p:cNvPr>
+          <p:cNvPr id="7" name="矩形 6"/>
           <p:cNvSpPr/>
           <p:nvPr/>
         </p:nvSpPr>
@@ -27339,13 +26584,7 @@
       </p:sp>
       <p:sp>
         <p:nvSpPr>
-          <p:cNvPr id="9" name="文本框 8">
-            <a:extLst>
-              <a:ext uri="{FF2B5EF4-FFF2-40B4-BE49-F238E27FC236}">
-                <a16:creationId xmlns:a16="http://schemas.microsoft.com/office/drawing/2014/main" id="{FC620DA4-0AB2-1036-4798-452C6854ADE0}"/>
-              </a:ext>
-            </a:extLst>
-          </p:cNvPr>
+          <p:cNvPr id="9" name="文本框 8"/>
           <p:cNvSpPr txBox="1"/>
           <p:nvPr/>
         </p:nvSpPr>
@@ -27375,13 +26614,7 @@
       </p:sp>
       <p:sp>
         <p:nvSpPr>
-          <p:cNvPr id="10" name="十字形 9">
-            <a:extLst>
-              <a:ext uri="{FF2B5EF4-FFF2-40B4-BE49-F238E27FC236}">
-                <a16:creationId xmlns:a16="http://schemas.microsoft.com/office/drawing/2014/main" id="{6D26239E-0DFA-09BE-A5E2-18B8B7A63CB9}"/>
-              </a:ext>
-            </a:extLst>
-          </p:cNvPr>
+          <p:cNvPr id="10" name="十字形 9"/>
           <p:cNvSpPr/>
           <p:nvPr/>
         </p:nvSpPr>
@@ -27430,11 +26663,6 @@
         </p:txBody>
       </p:sp>
     </p:spTree>
-    <p:extLst>
-      <p:ext uri="{BB962C8B-B14F-4D97-AF65-F5344CB8AC3E}">
-        <p14:creationId xmlns:p14="http://schemas.microsoft.com/office/powerpoint/2010/main" val="3275465"/>
-      </p:ext>
-    </p:extLst>
   </p:cSld>
   <p:clrMapOvr>
     <a:masterClrMapping/>
@@ -29096,13 +28324,7 @@
       </p:grpSp>
       <p:grpSp>
         <p:nvGrpSpPr>
-          <p:cNvPr id="123" name="组合 122">
-            <a:extLst>
-              <a:ext uri="{FF2B5EF4-FFF2-40B4-BE49-F238E27FC236}">
-                <a16:creationId xmlns:a16="http://schemas.microsoft.com/office/drawing/2014/main" id="{00480087-048F-4EBB-8203-A28B45992B92}"/>
-              </a:ext>
-            </a:extLst>
-          </p:cNvPr>
+          <p:cNvPr id="123" name="组合 122"/>
           <p:cNvGrpSpPr/>
           <p:nvPr/>
         </p:nvGrpSpPr>
@@ -29116,13 +28338,7 @@
         </p:grpSpPr>
         <p:sp>
           <p:nvSpPr>
-            <p:cNvPr id="124" name="文本框 123">
-              <a:extLst>
-                <a:ext uri="{FF2B5EF4-FFF2-40B4-BE49-F238E27FC236}">
-                  <a16:creationId xmlns:a16="http://schemas.microsoft.com/office/drawing/2014/main" id="{4D099783-DBDD-47ED-AD50-14FC2C87D77D}"/>
-                </a:ext>
-              </a:extLst>
-            </p:cNvPr>
+            <p:cNvPr id="124" name="文本框 123"/>
             <p:cNvSpPr txBox="1"/>
             <p:nvPr/>
           </p:nvSpPr>
@@ -29161,7 +28377,6 @@
                 <a:buSzTx/>
                 <a:buFontTx/>
                 <a:buNone/>
-                <a:tabLst/>
                 <a:defRPr/>
               </a:pPr>
               <a:r>
@@ -29172,7 +28387,7 @@
                   <a:effectLst/>
                   <a:uLnTx/>
                   <a:uFillTx/>
-                  <a:latin typeface="微软雅黑"/>
+                  <a:latin typeface="微软雅黑" panose="020B0503020204020204" charset="-122"/>
                 </a:rPr>
                 <a:t>啥是语法分析</a:t>
               </a:r>
@@ -29182,20 +28397,14 @@
                     <a:lumMod val="75000"/>
                   </a:schemeClr>
                 </a:solidFill>
-                <a:latin typeface="微软雅黑"/>
+                <a:latin typeface="微软雅黑" panose="020B0503020204020204" charset="-122"/>
               </a:endParaRPr>
             </a:p>
           </p:txBody>
         </p:sp>
         <p:sp>
           <p:nvSpPr>
-            <p:cNvPr id="127" name="矩形: 圆角 126">
-              <a:extLst>
-                <a:ext uri="{FF2B5EF4-FFF2-40B4-BE49-F238E27FC236}">
-                  <a16:creationId xmlns:a16="http://schemas.microsoft.com/office/drawing/2014/main" id="{FE93D2D6-B815-4CFD-9352-13E258A32C4D}"/>
-                </a:ext>
-              </a:extLst>
-            </p:cNvPr>
+            <p:cNvPr id="127" name="矩形: 圆角 126"/>
             <p:cNvSpPr/>
             <p:nvPr/>
           </p:nvSpPr>
@@ -29240,7 +28449,6 @@
                 <a:buSzTx/>
                 <a:buFontTx/>
                 <a:buNone/>
-                <a:tabLst/>
                 <a:defRPr/>
               </a:pPr>
               <a:endParaRPr kumimoji="0" lang="zh-CN" altLang="en-US" sz="1800" b="0" i="0" u="none" strike="noStrike" kern="0" cap="none" spc="0" normalizeH="0" baseline="0" noProof="0">
@@ -29253,8 +28461,8 @@
                 <a:effectLst/>
                 <a:uLnTx/>
                 <a:uFillTx/>
-                <a:latin typeface="Arial"/>
-                <a:ea typeface="微软雅黑"/>
+                <a:latin typeface="Arial" panose="020B0604020202020204"/>
+                <a:ea typeface="微软雅黑" panose="020B0503020204020204" charset="-122"/>
                 <a:cs typeface="+mn-cs"/>
               </a:endParaRPr>
             </a:p>
@@ -29263,13 +28471,7 @@
       </p:grpSp>
       <p:sp>
         <p:nvSpPr>
-          <p:cNvPr id="2" name="右箭头 8">
-            <a:extLst>
-              <a:ext uri="{FF2B5EF4-FFF2-40B4-BE49-F238E27FC236}">
-                <a16:creationId xmlns:a16="http://schemas.microsoft.com/office/drawing/2014/main" id="{0416593A-2C9A-3BA0-AB3F-735A73E491B3}"/>
-              </a:ext>
-            </a:extLst>
-          </p:cNvPr>
+          <p:cNvPr id="2" name="右箭头 8"/>
           <p:cNvSpPr/>
           <p:nvPr/>
         </p:nvSpPr>
@@ -29312,38 +28514,26 @@
           <a:bodyPr rtlCol="0" anchor="ctr"/>
           <a:lstStyle/>
           <a:p>
-            <a:pPr algn="ctr" defTabSz="914377"/>
+            <a:pPr algn="ctr" defTabSz="914400"/>
             <a:endParaRPr lang="zh-CN" altLang="en-US">
               <a:solidFill>
                 <a:schemeClr val="bg1">
                   <a:lumMod val="50000"/>
                 </a:schemeClr>
               </a:solidFill>
-              <a:latin typeface="Calibri Light"/>
-              <a:ea typeface="微软雅黑"/>
+              <a:latin typeface="Calibri Light" panose="020F0302020204030204"/>
+              <a:ea typeface="微软雅黑" panose="020B0503020204020204" charset="-122"/>
             </a:endParaRPr>
           </a:p>
         </p:txBody>
       </p:sp>
       <p:graphicFrame>
         <p:nvGraphicFramePr>
-          <p:cNvPr id="6" name="表格 9">
-            <a:extLst>
-              <a:ext uri="{FF2B5EF4-FFF2-40B4-BE49-F238E27FC236}">
-                <a16:creationId xmlns:a16="http://schemas.microsoft.com/office/drawing/2014/main" id="{EE99E5B4-FF63-128F-1126-EDB867C6BB23}"/>
-              </a:ext>
-            </a:extLst>
-          </p:cNvPr>
+          <p:cNvPr id="6" name="表格 9"/>
           <p:cNvGraphicFramePr>
             <a:graphicFrameLocks noGrp="1"/>
           </p:cNvGraphicFramePr>
-          <p:nvPr>
-            <p:extLst>
-              <p:ext uri="{D42A27DB-BD31-4B8C-83A1-F6EECF244321}">
-                <p14:modId xmlns:p14="http://schemas.microsoft.com/office/powerpoint/2010/main" val="3518464497"/>
-              </p:ext>
-            </p:extLst>
-          </p:nvPr>
+          <p:nvPr/>
         </p:nvGraphicFramePr>
         <p:xfrm>
           <a:off x="1487343" y="2022173"/>
@@ -29356,27 +28546,9 @@
                 <a:tableStyleId>{7DF18680-E054-41AD-8BC1-D1AEF772440D}</a:tableStyleId>
               </a:tblPr>
               <a:tblGrid>
-                <a:gridCol w="688532">
-                  <a:extLst>
-                    <a:ext uri="{9D8B030D-6E8A-4147-A177-3AD203B41FA5}">
-                      <a16:colId xmlns:a16="http://schemas.microsoft.com/office/drawing/2014/main" val="479145696"/>
-                    </a:ext>
-                  </a:extLst>
-                </a:gridCol>
-                <a:gridCol w="688532">
-                  <a:extLst>
-                    <a:ext uri="{9D8B030D-6E8A-4147-A177-3AD203B41FA5}">
-                      <a16:colId xmlns:a16="http://schemas.microsoft.com/office/drawing/2014/main" val="3137591173"/>
-                    </a:ext>
-                  </a:extLst>
-                </a:gridCol>
-                <a:gridCol w="688532">
-                  <a:extLst>
-                    <a:ext uri="{9D8B030D-6E8A-4147-A177-3AD203B41FA5}">
-                      <a16:colId xmlns:a16="http://schemas.microsoft.com/office/drawing/2014/main" val="637198614"/>
-                    </a:ext>
-                  </a:extLst>
-                </a:gridCol>
+                <a:gridCol w="688532"/>
+                <a:gridCol w="688532"/>
+                <a:gridCol w="688532"/>
               </a:tblGrid>
               <a:tr h="371125">
                 <a:tc>
@@ -29388,6 +28560,7 @@
                         <a:rPr lang="zh-CN" altLang="en-US" dirty="0"/>
                         <a:t>单词</a:t>
                       </a:r>
+                      <a:endParaRPr lang="zh-CN" altLang="en-US" dirty="0"/>
                     </a:p>
                   </a:txBody>
                   <a:tcPr/>
@@ -29401,6 +28574,7 @@
                         <a:rPr lang="zh-CN" altLang="en-US" dirty="0"/>
                         <a:t>行号</a:t>
                       </a:r>
+                      <a:endParaRPr lang="zh-CN" altLang="en-US" dirty="0"/>
                     </a:p>
                   </a:txBody>
                   <a:tcPr/>
@@ -29414,15 +28588,11 @@
                         <a:rPr lang="zh-CN" altLang="en-US" dirty="0"/>
                         <a:t>其他信息</a:t>
                       </a:r>
+                      <a:endParaRPr lang="zh-CN" altLang="en-US" dirty="0"/>
                     </a:p>
                   </a:txBody>
                   <a:tcPr/>
                 </a:tc>
-                <a:extLst>
-                  <a:ext uri="{0D108BD9-81ED-4DB2-BD59-A6C34878D82A}">
-                    <a16:rowId xmlns:a16="http://schemas.microsoft.com/office/drawing/2014/main" val="2777727375"/>
-                  </a:ext>
-                </a:extLst>
               </a:tr>
               <a:tr h="371125">
                 <a:tc>
@@ -29463,11 +28633,6 @@
                   </a:txBody>
                   <a:tcPr/>
                 </a:tc>
-                <a:extLst>
-                  <a:ext uri="{0D108BD9-81ED-4DB2-BD59-A6C34878D82A}">
-                    <a16:rowId xmlns:a16="http://schemas.microsoft.com/office/drawing/2014/main" val="2967475057"/>
-                  </a:ext>
-                </a:extLst>
               </a:tr>
               <a:tr h="371125">
                 <a:tc>
@@ -29508,11 +28673,6 @@
                   </a:txBody>
                   <a:tcPr/>
                 </a:tc>
-                <a:extLst>
-                  <a:ext uri="{0D108BD9-81ED-4DB2-BD59-A6C34878D82A}">
-                    <a16:rowId xmlns:a16="http://schemas.microsoft.com/office/drawing/2014/main" val="2152610040"/>
-                  </a:ext>
-                </a:extLst>
               </a:tr>
               <a:tr h="371125">
                 <a:tc>
@@ -29553,11 +28713,6 @@
                   </a:txBody>
                   <a:tcPr/>
                 </a:tc>
-                <a:extLst>
-                  <a:ext uri="{0D108BD9-81ED-4DB2-BD59-A6C34878D82A}">
-                    <a16:rowId xmlns:a16="http://schemas.microsoft.com/office/drawing/2014/main" val="325388246"/>
-                  </a:ext>
-                </a:extLst>
               </a:tr>
               <a:tr h="371125">
                 <a:tc>
@@ -29598,11 +28753,6 @@
                   </a:txBody>
                   <a:tcPr/>
                 </a:tc>
-                <a:extLst>
-                  <a:ext uri="{0D108BD9-81ED-4DB2-BD59-A6C34878D82A}">
-                    <a16:rowId xmlns:a16="http://schemas.microsoft.com/office/drawing/2014/main" val="3971757824"/>
-                  </a:ext>
-                </a:extLst>
               </a:tr>
               <a:tr h="371125">
                 <a:tc>
@@ -29643,11 +28793,6 @@
                   </a:txBody>
                   <a:tcPr/>
                 </a:tc>
-                <a:extLst>
-                  <a:ext uri="{0D108BD9-81ED-4DB2-BD59-A6C34878D82A}">
-                    <a16:rowId xmlns:a16="http://schemas.microsoft.com/office/drawing/2014/main" val="3001474627"/>
-                  </a:ext>
-                </a:extLst>
               </a:tr>
               <a:tr h="371125">
                 <a:tc>
@@ -29688,11 +28833,6 @@
                   </a:txBody>
                   <a:tcPr/>
                 </a:tc>
-                <a:extLst>
-                  <a:ext uri="{0D108BD9-81ED-4DB2-BD59-A6C34878D82A}">
-                    <a16:rowId xmlns:a16="http://schemas.microsoft.com/office/drawing/2014/main" val="1137090684"/>
-                  </a:ext>
-                </a:extLst>
               </a:tr>
             </a:tbl>
           </a:graphicData>
@@ -29700,13 +28840,7 @@
       </p:graphicFrame>
       <p:sp>
         <p:nvSpPr>
-          <p:cNvPr id="10" name="矩形 9">
-            <a:extLst>
-              <a:ext uri="{FF2B5EF4-FFF2-40B4-BE49-F238E27FC236}">
-                <a16:creationId xmlns:a16="http://schemas.microsoft.com/office/drawing/2014/main" id="{21715EE5-9D08-FF2D-710C-A08004F5E4BA}"/>
-              </a:ext>
-            </a:extLst>
-          </p:cNvPr>
+          <p:cNvPr id="10" name="矩形 9"/>
           <p:cNvSpPr/>
           <p:nvPr/>
         </p:nvSpPr>
@@ -29746,13 +28880,7 @@
       </p:sp>
       <p:sp>
         <p:nvSpPr>
-          <p:cNvPr id="12" name="矩形 11">
-            <a:extLst>
-              <a:ext uri="{FF2B5EF4-FFF2-40B4-BE49-F238E27FC236}">
-                <a16:creationId xmlns:a16="http://schemas.microsoft.com/office/drawing/2014/main" id="{C5D20B8C-30CF-1675-F7CB-9D42B8ECBD6D}"/>
-              </a:ext>
-            </a:extLst>
-          </p:cNvPr>
+          <p:cNvPr id="12" name="矩形 11"/>
           <p:cNvSpPr/>
           <p:nvPr/>
         </p:nvSpPr>
@@ -29769,7 +28897,6 @@
               <a:lumMod val="75000"/>
             </a:schemeClr>
           </a:solidFill>
-          <a:ln/>
         </p:spPr>
         <p:style>
           <a:lnRef idx="2">
@@ -29808,13 +28935,7 @@
       </p:sp>
       <p:sp>
         <p:nvSpPr>
-          <p:cNvPr id="13" name="右箭头 8">
-            <a:extLst>
-              <a:ext uri="{FF2B5EF4-FFF2-40B4-BE49-F238E27FC236}">
-                <a16:creationId xmlns:a16="http://schemas.microsoft.com/office/drawing/2014/main" id="{1C4EA60F-138E-0978-096F-C1FE96852A60}"/>
-              </a:ext>
-            </a:extLst>
-          </p:cNvPr>
+          <p:cNvPr id="13" name="右箭头 8"/>
           <p:cNvSpPr/>
           <p:nvPr/>
         </p:nvSpPr>
@@ -29857,28 +28978,22 @@
           <a:bodyPr rtlCol="0" anchor="ctr"/>
           <a:lstStyle/>
           <a:p>
-            <a:pPr algn="ctr" defTabSz="914377"/>
+            <a:pPr algn="ctr" defTabSz="914400"/>
             <a:endParaRPr lang="zh-CN" altLang="en-US">
               <a:solidFill>
                 <a:schemeClr val="bg1">
                   <a:lumMod val="50000"/>
                 </a:schemeClr>
               </a:solidFill>
-              <a:latin typeface="Calibri Light"/>
-              <a:ea typeface="微软雅黑"/>
+              <a:latin typeface="Calibri Light" panose="020F0302020204030204"/>
+              <a:ea typeface="微软雅黑" panose="020B0503020204020204" charset="-122"/>
             </a:endParaRPr>
           </a:p>
         </p:txBody>
       </p:sp>
       <p:sp>
         <p:nvSpPr>
-          <p:cNvPr id="14" name="矩形 13">
-            <a:extLst>
-              <a:ext uri="{FF2B5EF4-FFF2-40B4-BE49-F238E27FC236}">
-                <a16:creationId xmlns:a16="http://schemas.microsoft.com/office/drawing/2014/main" id="{38F02FB6-80F1-951C-C925-45B9575B84D0}"/>
-              </a:ext>
-            </a:extLst>
-          </p:cNvPr>
+          <p:cNvPr id="14" name="矩形 13"/>
           <p:cNvSpPr/>
           <p:nvPr/>
         </p:nvSpPr>
@@ -29918,20 +29033,14 @@
       </p:sp>
       <p:pic>
         <p:nvPicPr>
-          <p:cNvPr id="16" name="图片 15">
-            <a:extLst>
-              <a:ext uri="{FF2B5EF4-FFF2-40B4-BE49-F238E27FC236}">
-                <a16:creationId xmlns:a16="http://schemas.microsoft.com/office/drawing/2014/main" id="{4B36CC22-393A-239E-24B7-A51EF14E4A9E}"/>
-              </a:ext>
-            </a:extLst>
-          </p:cNvPr>
+          <p:cNvPr id="16" name="图片 15"/>
           <p:cNvPicPr>
             <a:picLocks noChangeAspect="1"/>
           </p:cNvPicPr>
           <p:nvPr/>
         </p:nvPicPr>
         <p:blipFill>
-          <a:blip r:embed="rId3"/>
+          <a:blip r:embed="rId1"/>
           <a:stretch>
             <a:fillRect/>
           </a:stretch>
@@ -29947,11 +29056,6 @@
         </p:spPr>
       </p:pic>
     </p:spTree>
-    <p:extLst>
-      <p:ext uri="{BB962C8B-B14F-4D97-AF65-F5344CB8AC3E}">
-        <p14:creationId xmlns:p14="http://schemas.microsoft.com/office/powerpoint/2010/main" val="3251842098"/>
-      </p:ext>
-    </p:extLst>
   </p:cSld>
   <p:clrMapOvr>
     <a:masterClrMapping/>
@@ -31791,13 +30895,7 @@
       </p:grpSp>
       <p:grpSp>
         <p:nvGrpSpPr>
-          <p:cNvPr id="123" name="组合 122">
-            <a:extLst>
-              <a:ext uri="{FF2B5EF4-FFF2-40B4-BE49-F238E27FC236}">
-                <a16:creationId xmlns:a16="http://schemas.microsoft.com/office/drawing/2014/main" id="{00480087-048F-4EBB-8203-A28B45992B92}"/>
-              </a:ext>
-            </a:extLst>
-          </p:cNvPr>
+          <p:cNvPr id="123" name="组合 122"/>
           <p:cNvGrpSpPr/>
           <p:nvPr/>
         </p:nvGrpSpPr>
@@ -31811,13 +30909,7 @@
         </p:grpSpPr>
         <p:sp>
           <p:nvSpPr>
-            <p:cNvPr id="124" name="文本框 123">
-              <a:extLst>
-                <a:ext uri="{FF2B5EF4-FFF2-40B4-BE49-F238E27FC236}">
-                  <a16:creationId xmlns:a16="http://schemas.microsoft.com/office/drawing/2014/main" id="{4D099783-DBDD-47ED-AD50-14FC2C87D77D}"/>
-                </a:ext>
-              </a:extLst>
-            </p:cNvPr>
+            <p:cNvPr id="124" name="文本框 123"/>
             <p:cNvSpPr txBox="1"/>
             <p:nvPr/>
           </p:nvSpPr>
@@ -31856,7 +30948,6 @@
                 <a:buSzTx/>
                 <a:buFontTx/>
                 <a:buNone/>
-                <a:tabLst/>
                 <a:defRPr/>
               </a:pPr>
               <a:r>
@@ -31867,7 +30958,7 @@
                   <a:effectLst/>
                   <a:uLnTx/>
                   <a:uFillTx/>
-                  <a:latin typeface="微软雅黑"/>
+                  <a:latin typeface="微软雅黑" panose="020B0503020204020204" charset="-122"/>
                 </a:rPr>
                 <a:t>啥是抽象语法树</a:t>
               </a:r>
@@ -31877,20 +30968,14 @@
                     <a:lumMod val="75000"/>
                   </a:schemeClr>
                 </a:solidFill>
-                <a:latin typeface="微软雅黑"/>
+                <a:latin typeface="微软雅黑" panose="020B0503020204020204" charset="-122"/>
               </a:endParaRPr>
             </a:p>
           </p:txBody>
         </p:sp>
         <p:sp>
           <p:nvSpPr>
-            <p:cNvPr id="127" name="矩形: 圆角 126">
-              <a:extLst>
-                <a:ext uri="{FF2B5EF4-FFF2-40B4-BE49-F238E27FC236}">
-                  <a16:creationId xmlns:a16="http://schemas.microsoft.com/office/drawing/2014/main" id="{FE93D2D6-B815-4CFD-9352-13E258A32C4D}"/>
-                </a:ext>
-              </a:extLst>
-            </p:cNvPr>
+            <p:cNvPr id="127" name="矩形: 圆角 126"/>
             <p:cNvSpPr/>
             <p:nvPr/>
           </p:nvSpPr>
@@ -31935,7 +31020,6 @@
                 <a:buSzTx/>
                 <a:buFontTx/>
                 <a:buNone/>
-                <a:tabLst/>
                 <a:defRPr/>
               </a:pPr>
               <a:endParaRPr kumimoji="0" lang="zh-CN" altLang="en-US" sz="1800" b="0" i="0" u="none" strike="noStrike" kern="0" cap="none" spc="0" normalizeH="0" baseline="0" noProof="0">
@@ -31948,8 +31032,8 @@
                 <a:effectLst/>
                 <a:uLnTx/>
                 <a:uFillTx/>
-                <a:latin typeface="Arial"/>
-                <a:ea typeface="微软雅黑"/>
+                <a:latin typeface="Arial" panose="020B0604020202020204"/>
+                <a:ea typeface="微软雅黑" panose="020B0503020204020204" charset="-122"/>
                 <a:cs typeface="+mn-cs"/>
               </a:endParaRPr>
             </a:p>
@@ -31958,13 +31042,7 @@
       </p:grpSp>
       <p:sp>
         <p:nvSpPr>
-          <p:cNvPr id="3" name="文本框 2">
-            <a:extLst>
-              <a:ext uri="{FF2B5EF4-FFF2-40B4-BE49-F238E27FC236}">
-                <a16:creationId xmlns:a16="http://schemas.microsoft.com/office/drawing/2014/main" id="{54525966-977F-799D-B245-CE26F136CF19}"/>
-              </a:ext>
-            </a:extLst>
-          </p:cNvPr>
+          <p:cNvPr id="3" name="文本框 2"/>
           <p:cNvSpPr txBox="1"/>
           <p:nvPr/>
         </p:nvSpPr>
@@ -32003,7 +31081,6 @@
               <a:buSzTx/>
               <a:buFontTx/>
               <a:buNone/>
-              <a:tabLst/>
               <a:defRPr/>
             </a:pPr>
             <a:r>
@@ -32019,22 +31096,30 @@
                 <a:effectLst/>
                 <a:uLnTx/>
                 <a:uFillTx/>
-                <a:latin typeface="微软雅黑"/>
+                <a:latin typeface="微软雅黑" panose="020B0503020204020204" charset="-122"/>
               </a:rPr>
               <a:t>Abstract Syntax Tree</a:t>
             </a:r>
+            <a:endParaRPr kumimoji="0" lang="en-US" altLang="zh-CN" sz="1050" b="0" i="0" u="none" strike="noStrike" kern="0" cap="none" spc="0" normalizeH="0" baseline="0" noProof="0" dirty="0">
+              <a:ln>
+                <a:noFill/>
+              </a:ln>
+              <a:solidFill>
+                <a:prstClr val="white">
+                  <a:lumMod val="50000"/>
+                </a:prstClr>
+              </a:solidFill>
+              <a:effectLst/>
+              <a:uLnTx/>
+              <a:uFillTx/>
+              <a:latin typeface="微软雅黑" panose="020B0503020204020204" charset="-122"/>
+            </a:endParaRPr>
           </a:p>
         </p:txBody>
       </p:sp>
       <p:sp>
         <p:nvSpPr>
-          <p:cNvPr id="11" name="文本框 10">
-            <a:extLst>
-              <a:ext uri="{FF2B5EF4-FFF2-40B4-BE49-F238E27FC236}">
-                <a16:creationId xmlns:a16="http://schemas.microsoft.com/office/drawing/2014/main" id="{D5A9A00E-BF1C-6935-5F2F-7926395F1954}"/>
-              </a:ext>
-            </a:extLst>
-          </p:cNvPr>
+          <p:cNvPr id="11" name="文本框 10"/>
           <p:cNvSpPr txBox="1"/>
           <p:nvPr/>
         </p:nvSpPr>
@@ -32072,20 +31157,14 @@
       </p:sp>
       <p:pic>
         <p:nvPicPr>
-          <p:cNvPr id="17" name="图片 16" descr="图表&#10;&#10;描述已自动生成">
-            <a:extLst>
-              <a:ext uri="{FF2B5EF4-FFF2-40B4-BE49-F238E27FC236}">
-                <a16:creationId xmlns:a16="http://schemas.microsoft.com/office/drawing/2014/main" id="{D0F1B122-F9CA-C7F6-5727-07F5D7300F98}"/>
-              </a:ext>
-            </a:extLst>
-          </p:cNvPr>
+          <p:cNvPr id="17" name="图片 16" descr="图表&#10;&#10;描述已自动生成"/>
           <p:cNvPicPr>
             <a:picLocks noChangeAspect="1"/>
           </p:cNvPicPr>
           <p:nvPr/>
         </p:nvPicPr>
         <p:blipFill>
-          <a:blip r:embed="rId3" cstate="print">
+          <a:blip r:embed="rId1" cstate="print">
             <a:extLst>
               <a:ext uri="{28A0092B-C50C-407E-A947-70E740481C1C}">
                 <a14:useLocalDpi xmlns:a14="http://schemas.microsoft.com/office/drawing/2010/main" val="0"/>
@@ -32108,13 +31187,7 @@
       </p:pic>
       <p:sp>
         <p:nvSpPr>
-          <p:cNvPr id="19" name="文本框 18">
-            <a:extLst>
-              <a:ext uri="{FF2B5EF4-FFF2-40B4-BE49-F238E27FC236}">
-                <a16:creationId xmlns:a16="http://schemas.microsoft.com/office/drawing/2014/main" id="{5640F24F-F44C-7FD7-7E51-D1FBD55CC467}"/>
-              </a:ext>
-            </a:extLst>
-          </p:cNvPr>
+          <p:cNvPr id="19" name="文本框 18"/>
           <p:cNvSpPr txBox="1"/>
           <p:nvPr/>
         </p:nvSpPr>
@@ -32171,6 +31244,10 @@
               </a:rPr>
               <a:t>(){</a:t>
             </a:r>
+            <a:endParaRPr lang="en-US" altLang="zh-CN" b="0" dirty="0">
+              <a:effectLst/>
+              <a:latin typeface="Consolas" panose="020B0609020204030204" pitchFamily="49" charset="0"/>
+            </a:endParaRPr>
           </a:p>
           <a:p>
             <a:r>
@@ -32227,6 +31304,10 @@
               </a:rPr>
               <a:t>;</a:t>
             </a:r>
+            <a:endParaRPr lang="en-US" altLang="zh-CN" b="0" dirty="0">
+              <a:effectLst/>
+              <a:latin typeface="Consolas" panose="020B0609020204030204" pitchFamily="49" charset="0"/>
+            </a:endParaRPr>
           </a:p>
           <a:p>
             <a:r>
@@ -32300,6 +31381,10 @@
               </a:rPr>
               <a:t>;</a:t>
             </a:r>
+            <a:endParaRPr lang="en-US" altLang="zh-CN" b="0" dirty="0">
+              <a:effectLst/>
+              <a:latin typeface="Consolas" panose="020B0609020204030204" pitchFamily="49" charset="0"/>
+            </a:endParaRPr>
           </a:p>
           <a:p>
             <a:r>
@@ -32349,6 +31434,10 @@
               </a:rPr>
               <a:t>;</a:t>
             </a:r>
+            <a:endParaRPr lang="en-US" altLang="zh-CN" b="0" dirty="0">
+              <a:effectLst/>
+              <a:latin typeface="Consolas" panose="020B0609020204030204" pitchFamily="49" charset="0"/>
+            </a:endParaRPr>
           </a:p>
           <a:p>
             <a:r>
@@ -32358,18 +31447,16 @@
               </a:rPr>
               <a:t>}</a:t>
             </a:r>
+            <a:endParaRPr lang="en-US" altLang="zh-CN" b="0" dirty="0">
+              <a:effectLst/>
+              <a:latin typeface="Consolas" panose="020B0609020204030204" pitchFamily="49" charset="0"/>
+            </a:endParaRPr>
           </a:p>
         </p:txBody>
       </p:sp>
       <p:sp>
         <p:nvSpPr>
-          <p:cNvPr id="21" name="矩形 20">
-            <a:extLst>
-              <a:ext uri="{FF2B5EF4-FFF2-40B4-BE49-F238E27FC236}">
-                <a16:creationId xmlns:a16="http://schemas.microsoft.com/office/drawing/2014/main" id="{94A735D9-998C-5836-B25D-0F62A1E6B939}"/>
-              </a:ext>
-            </a:extLst>
-          </p:cNvPr>
+          <p:cNvPr id="21" name="矩形 20"/>
           <p:cNvSpPr/>
           <p:nvPr/>
         </p:nvSpPr>
@@ -32429,11 +31516,6 @@
         </p:txBody>
       </p:sp>
     </p:spTree>
-    <p:extLst>
-      <p:ext uri="{BB962C8B-B14F-4D97-AF65-F5344CB8AC3E}">
-        <p14:creationId xmlns:p14="http://schemas.microsoft.com/office/powerpoint/2010/main" val="1782023290"/>
-      </p:ext>
-    </p:extLst>
   </p:cSld>
   <p:clrMapOvr>
     <a:masterClrMapping/>
@@ -34023,13 +33105,7 @@
       </p:grpSp>
       <p:grpSp>
         <p:nvGrpSpPr>
-          <p:cNvPr id="123" name="组合 122">
-            <a:extLst>
-              <a:ext uri="{FF2B5EF4-FFF2-40B4-BE49-F238E27FC236}">
-                <a16:creationId xmlns:a16="http://schemas.microsoft.com/office/drawing/2014/main" id="{00480087-048F-4EBB-8203-A28B45992B92}"/>
-              </a:ext>
-            </a:extLst>
-          </p:cNvPr>
+          <p:cNvPr id="123" name="组合 122"/>
           <p:cNvGrpSpPr/>
           <p:nvPr/>
         </p:nvGrpSpPr>
@@ -34043,13 +33119,7 @@
         </p:grpSpPr>
         <p:sp>
           <p:nvSpPr>
-            <p:cNvPr id="124" name="文本框 123">
-              <a:extLst>
-                <a:ext uri="{FF2B5EF4-FFF2-40B4-BE49-F238E27FC236}">
-                  <a16:creationId xmlns:a16="http://schemas.microsoft.com/office/drawing/2014/main" id="{4D099783-DBDD-47ED-AD50-14FC2C87D77D}"/>
-                </a:ext>
-              </a:extLst>
-            </p:cNvPr>
+            <p:cNvPr id="124" name="文本框 123"/>
             <p:cNvSpPr txBox="1"/>
             <p:nvPr/>
           </p:nvSpPr>
@@ -34088,7 +33158,6 @@
                 <a:buSzTx/>
                 <a:buFontTx/>
                 <a:buNone/>
-                <a:tabLst/>
                 <a:defRPr/>
               </a:pPr>
               <a:r>
@@ -34099,7 +33168,7 @@
                   <a:effectLst/>
                   <a:uLnTx/>
                   <a:uFillTx/>
-                  <a:latin typeface="微软雅黑"/>
+                  <a:latin typeface="微软雅黑" panose="020B0503020204020204" charset="-122"/>
                 </a:rPr>
                 <a:t>啥是抽象语法树</a:t>
               </a:r>
@@ -34109,20 +33178,14 @@
                     <a:lumMod val="75000"/>
                   </a:schemeClr>
                 </a:solidFill>
-                <a:latin typeface="微软雅黑"/>
+                <a:latin typeface="微软雅黑" panose="020B0503020204020204" charset="-122"/>
               </a:endParaRPr>
             </a:p>
           </p:txBody>
         </p:sp>
         <p:sp>
           <p:nvSpPr>
-            <p:cNvPr id="127" name="矩形: 圆角 126">
-              <a:extLst>
-                <a:ext uri="{FF2B5EF4-FFF2-40B4-BE49-F238E27FC236}">
-                  <a16:creationId xmlns:a16="http://schemas.microsoft.com/office/drawing/2014/main" id="{FE93D2D6-B815-4CFD-9352-13E258A32C4D}"/>
-                </a:ext>
-              </a:extLst>
-            </p:cNvPr>
+            <p:cNvPr id="127" name="矩形: 圆角 126"/>
             <p:cNvSpPr/>
             <p:nvPr/>
           </p:nvSpPr>
@@ -34167,7 +33230,6 @@
                 <a:buSzTx/>
                 <a:buFontTx/>
                 <a:buNone/>
-                <a:tabLst/>
                 <a:defRPr/>
               </a:pPr>
               <a:endParaRPr kumimoji="0" lang="zh-CN" altLang="en-US" sz="1800" b="0" i="0" u="none" strike="noStrike" kern="0" cap="none" spc="0" normalizeH="0" baseline="0" noProof="0">
@@ -34180,8 +33242,8 @@
                 <a:effectLst/>
                 <a:uLnTx/>
                 <a:uFillTx/>
-                <a:latin typeface="Arial"/>
-                <a:ea typeface="微软雅黑"/>
+                <a:latin typeface="Arial" panose="020B0604020202020204"/>
+                <a:ea typeface="微软雅黑" panose="020B0503020204020204" charset="-122"/>
                 <a:cs typeface="+mn-cs"/>
               </a:endParaRPr>
             </a:p>
@@ -34190,13 +33252,7 @@
       </p:grpSp>
       <p:sp>
         <p:nvSpPr>
-          <p:cNvPr id="3" name="文本框 2">
-            <a:extLst>
-              <a:ext uri="{FF2B5EF4-FFF2-40B4-BE49-F238E27FC236}">
-                <a16:creationId xmlns:a16="http://schemas.microsoft.com/office/drawing/2014/main" id="{54525966-977F-799D-B245-CE26F136CF19}"/>
-              </a:ext>
-            </a:extLst>
-          </p:cNvPr>
+          <p:cNvPr id="3" name="文本框 2"/>
           <p:cNvSpPr txBox="1"/>
           <p:nvPr/>
         </p:nvSpPr>
@@ -34235,7 +33291,6 @@
               <a:buSzTx/>
               <a:buFontTx/>
               <a:buNone/>
-              <a:tabLst/>
               <a:defRPr/>
             </a:pPr>
             <a:r>
@@ -34251,22 +33306,30 @@
                 <a:effectLst/>
                 <a:uLnTx/>
                 <a:uFillTx/>
-                <a:latin typeface="微软雅黑"/>
+                <a:latin typeface="微软雅黑" panose="020B0503020204020204" charset="-122"/>
               </a:rPr>
               <a:t>Abstract Syntax Tree</a:t>
             </a:r>
+            <a:endParaRPr kumimoji="0" lang="en-US" altLang="zh-CN" sz="1050" b="0" i="0" u="none" strike="noStrike" kern="0" cap="none" spc="0" normalizeH="0" baseline="0" noProof="0" dirty="0">
+              <a:ln>
+                <a:noFill/>
+              </a:ln>
+              <a:solidFill>
+                <a:prstClr val="white">
+                  <a:lumMod val="50000"/>
+                </a:prstClr>
+              </a:solidFill>
+              <a:effectLst/>
+              <a:uLnTx/>
+              <a:uFillTx/>
+              <a:latin typeface="微软雅黑" panose="020B0503020204020204" charset="-122"/>
+            </a:endParaRPr>
           </a:p>
         </p:txBody>
       </p:sp>
       <p:sp>
         <p:nvSpPr>
-          <p:cNvPr id="11" name="文本框 10">
-            <a:extLst>
-              <a:ext uri="{FF2B5EF4-FFF2-40B4-BE49-F238E27FC236}">
-                <a16:creationId xmlns:a16="http://schemas.microsoft.com/office/drawing/2014/main" id="{D5A9A00E-BF1C-6935-5F2F-7926395F1954}"/>
-              </a:ext>
-            </a:extLst>
-          </p:cNvPr>
+          <p:cNvPr id="11" name="文本框 10"/>
           <p:cNvSpPr txBox="1"/>
           <p:nvPr/>
         </p:nvSpPr>
@@ -34331,20 +33394,14 @@
       </p:sp>
       <p:pic>
         <p:nvPicPr>
-          <p:cNvPr id="4" name="图片 3" descr="图示&#10;&#10;描述已自动生成">
-            <a:extLst>
-              <a:ext uri="{FF2B5EF4-FFF2-40B4-BE49-F238E27FC236}">
-                <a16:creationId xmlns:a16="http://schemas.microsoft.com/office/drawing/2014/main" id="{46278013-068E-A478-FED7-570DA5AC140B}"/>
-              </a:ext>
-            </a:extLst>
-          </p:cNvPr>
+          <p:cNvPr id="4" name="图片 3" descr="图示&#10;&#10;描述已自动生成"/>
           <p:cNvPicPr>
             <a:picLocks noChangeAspect="1"/>
           </p:cNvPicPr>
           <p:nvPr/>
         </p:nvPicPr>
         <p:blipFill>
-          <a:blip r:embed="rId3">
+          <a:blip r:embed="rId1">
             <a:extLst>
               <a:ext uri="{28A0092B-C50C-407E-A947-70E740481C1C}">
                 <a14:useLocalDpi xmlns:a14="http://schemas.microsoft.com/office/drawing/2010/main" val="0"/>
@@ -34367,13 +33424,7 @@
       </p:pic>
       <p:sp>
         <p:nvSpPr>
-          <p:cNvPr id="8" name="文本框 7">
-            <a:extLst>
-              <a:ext uri="{FF2B5EF4-FFF2-40B4-BE49-F238E27FC236}">
-                <a16:creationId xmlns:a16="http://schemas.microsoft.com/office/drawing/2014/main" id="{5D97ED1E-A98E-C025-D01B-032A50EE0C16}"/>
-              </a:ext>
-            </a:extLst>
-          </p:cNvPr>
+          <p:cNvPr id="8" name="文本框 7"/>
           <p:cNvSpPr txBox="1"/>
           <p:nvPr/>
         </p:nvSpPr>
@@ -34429,26 +33480,6 @@
               </a:rPr>
               <a:t> ';'</a:t>
             </a:r>
-          </a:p>
-          <a:p>
-            <a:r>
-              <a:rPr lang="en-US" altLang="zh-CN" sz="1400" dirty="0" err="1">
-                <a:latin typeface="Consolas" panose="020B0609020204030204" pitchFamily="49" charset="0"/>
-              </a:rPr>
-              <a:t>VarDef</a:t>
-            </a:r>
-            <a:r>
-              <a:rPr lang="en-US" altLang="zh-CN" sz="1400" dirty="0">
-                <a:latin typeface="Consolas" panose="020B0609020204030204" pitchFamily="49" charset="0"/>
-              </a:rPr>
-              <a:t>     → Ident '=' </a:t>
-            </a:r>
-            <a:r>
-              <a:rPr lang="en-US" altLang="zh-CN" sz="1400" dirty="0" err="1">
-                <a:latin typeface="Consolas" panose="020B0609020204030204" pitchFamily="49" charset="0"/>
-              </a:rPr>
-              <a:t>InitVal</a:t>
-            </a:r>
             <a:endParaRPr lang="en-US" altLang="zh-CN" sz="1400" dirty="0">
               <a:latin typeface="Consolas" panose="020B0609020204030204" pitchFamily="49" charset="0"/>
             </a:endParaRPr>
@@ -34458,27 +33489,19 @@
               <a:rPr lang="en-US" altLang="zh-CN" sz="1400" dirty="0" err="1">
                 <a:latin typeface="Consolas" panose="020B0609020204030204" pitchFamily="49" charset="0"/>
               </a:rPr>
+              <a:t>VarDef</a:t>
+            </a:r>
+            <a:r>
+              <a:rPr lang="en-US" altLang="zh-CN" sz="1400" dirty="0">
+                <a:latin typeface="Consolas" panose="020B0609020204030204" pitchFamily="49" charset="0"/>
+              </a:rPr>
+              <a:t>     → Ident '=' </a:t>
+            </a:r>
+            <a:r>
+              <a:rPr lang="en-US" altLang="zh-CN" sz="1400" dirty="0" err="1">
+                <a:latin typeface="Consolas" panose="020B0609020204030204" pitchFamily="49" charset="0"/>
+              </a:rPr>
               <a:t>InitVal</a:t>
-            </a:r>
-            <a:r>
-              <a:rPr lang="en-US" altLang="zh-CN" sz="1400" dirty="0">
-                <a:latin typeface="Consolas" panose="020B0609020204030204" pitchFamily="49" charset="0"/>
-              </a:rPr>
-              <a:t>    → Exp</a:t>
-            </a:r>
-          </a:p>
-          <a:p>
-            <a:r>
-              <a:rPr lang="en-US" altLang="zh-CN" sz="1400" dirty="0">
-                <a:latin typeface="Consolas" panose="020B0609020204030204" pitchFamily="49" charset="0"/>
-              </a:rPr>
-              <a:t>Exp        → </a:t>
-            </a:r>
-            <a:r>
-              <a:rPr lang="en-US" altLang="zh-CN" sz="1400" dirty="0" err="1">
-                <a:latin typeface="Consolas" panose="020B0609020204030204" pitchFamily="49" charset="0"/>
-              </a:rPr>
-              <a:t>AddExp</a:t>
             </a:r>
             <a:endParaRPr lang="en-US" altLang="zh-CN" sz="1400" dirty="0">
               <a:latin typeface="Consolas" panose="020B0609020204030204" pitchFamily="49" charset="0"/>
@@ -34489,19 +33512,13 @@
               <a:rPr lang="en-US" altLang="zh-CN" sz="1400" dirty="0" err="1">
                 <a:latin typeface="Consolas" panose="020B0609020204030204" pitchFamily="49" charset="0"/>
               </a:rPr>
-              <a:t>AddExp</a:t>
+              <a:t>InitVal</a:t>
             </a:r>
             <a:r>
               <a:rPr lang="en-US" altLang="zh-CN" sz="1400" dirty="0">
                 <a:latin typeface="Consolas" panose="020B0609020204030204" pitchFamily="49" charset="0"/>
               </a:rPr>
-              <a:t>     → </a:t>
-            </a:r>
-            <a:r>
-              <a:rPr lang="en-US" altLang="zh-CN" sz="1400" dirty="0" err="1">
-                <a:latin typeface="Consolas" panose="020B0609020204030204" pitchFamily="49" charset="0"/>
-              </a:rPr>
-              <a:t>MulExp</a:t>
+              <a:t>    → Exp</a:t>
             </a:r>
             <a:endParaRPr lang="en-US" altLang="zh-CN" sz="1400" dirty="0">
               <a:latin typeface="Consolas" panose="020B0609020204030204" pitchFamily="49" charset="0"/>
@@ -34509,22 +33526,16 @@
           </a:p>
           <a:p>
             <a:r>
+              <a:rPr lang="en-US" altLang="zh-CN" sz="1400" dirty="0">
+                <a:latin typeface="Consolas" panose="020B0609020204030204" pitchFamily="49" charset="0"/>
+              </a:rPr>
+              <a:t>Exp        → </a:t>
+            </a:r>
+            <a:r>
               <a:rPr lang="en-US" altLang="zh-CN" sz="1400" dirty="0" err="1">
                 <a:latin typeface="Consolas" panose="020B0609020204030204" pitchFamily="49" charset="0"/>
               </a:rPr>
-              <a:t>MulExp</a:t>
-            </a:r>
-            <a:r>
-              <a:rPr lang="en-US" altLang="zh-CN" sz="1400" dirty="0">
-                <a:latin typeface="Consolas" panose="020B0609020204030204" pitchFamily="49" charset="0"/>
-              </a:rPr>
-              <a:t>     → </a:t>
-            </a:r>
-            <a:r>
-              <a:rPr lang="en-US" altLang="zh-CN" sz="1400" dirty="0" err="1">
-                <a:latin typeface="Consolas" panose="020B0609020204030204" pitchFamily="49" charset="0"/>
-              </a:rPr>
-              <a:t>UnaryExp</a:t>
+              <a:t>AddExp</a:t>
             </a:r>
             <a:endParaRPr lang="en-US" altLang="zh-CN" sz="1400" dirty="0">
               <a:latin typeface="Consolas" panose="020B0609020204030204" pitchFamily="49" charset="0"/>
@@ -34535,19 +33546,19 @@
               <a:rPr lang="en-US" altLang="zh-CN" sz="1400" dirty="0" err="1">
                 <a:latin typeface="Consolas" panose="020B0609020204030204" pitchFamily="49" charset="0"/>
               </a:rPr>
-              <a:t>UnaryExp</a:t>
+              <a:t>AddExp</a:t>
             </a:r>
             <a:r>
               <a:rPr lang="en-US" altLang="zh-CN" sz="1400" dirty="0">
                 <a:latin typeface="Consolas" panose="020B0609020204030204" pitchFamily="49" charset="0"/>
               </a:rPr>
-              <a:t>   → </a:t>
+              <a:t>     → </a:t>
             </a:r>
             <a:r>
               <a:rPr lang="en-US" altLang="zh-CN" sz="1400" dirty="0" err="1">
                 <a:latin typeface="Consolas" panose="020B0609020204030204" pitchFamily="49" charset="0"/>
               </a:rPr>
-              <a:t>PrimaryExp</a:t>
+              <a:t>MulExp</a:t>
             </a:r>
             <a:endParaRPr lang="en-US" altLang="zh-CN" sz="1400" dirty="0">
               <a:latin typeface="Consolas" panose="020B0609020204030204" pitchFamily="49" charset="0"/>
@@ -34558,14 +33569,63 @@
               <a:rPr lang="en-US" altLang="zh-CN" sz="1400" dirty="0" err="1">
                 <a:latin typeface="Consolas" panose="020B0609020204030204" pitchFamily="49" charset="0"/>
               </a:rPr>
+              <a:t>MulExp</a:t>
+            </a:r>
+            <a:r>
+              <a:rPr lang="en-US" altLang="zh-CN" sz="1400" dirty="0">
+                <a:latin typeface="Consolas" panose="020B0609020204030204" pitchFamily="49" charset="0"/>
+              </a:rPr>
+              <a:t>     → </a:t>
+            </a:r>
+            <a:r>
+              <a:rPr lang="en-US" altLang="zh-CN" sz="1400" dirty="0" err="1">
+                <a:latin typeface="Consolas" panose="020B0609020204030204" pitchFamily="49" charset="0"/>
+              </a:rPr>
+              <a:t>UnaryExp</a:t>
+            </a:r>
+            <a:endParaRPr lang="en-US" altLang="zh-CN" sz="1400" dirty="0">
+              <a:latin typeface="Consolas" panose="020B0609020204030204" pitchFamily="49" charset="0"/>
+            </a:endParaRPr>
+          </a:p>
+          <a:p>
+            <a:r>
+              <a:rPr lang="en-US" altLang="zh-CN" sz="1400" dirty="0" err="1">
+                <a:latin typeface="Consolas" panose="020B0609020204030204" pitchFamily="49" charset="0"/>
+              </a:rPr>
+              <a:t>UnaryExp</a:t>
+            </a:r>
+            <a:r>
+              <a:rPr lang="en-US" altLang="zh-CN" sz="1400" dirty="0">
+                <a:latin typeface="Consolas" panose="020B0609020204030204" pitchFamily="49" charset="0"/>
+              </a:rPr>
+              <a:t>   → </a:t>
+            </a:r>
+            <a:r>
+              <a:rPr lang="en-US" altLang="zh-CN" sz="1400" dirty="0" err="1">
+                <a:latin typeface="Consolas" panose="020B0609020204030204" pitchFamily="49" charset="0"/>
+              </a:rPr>
               <a:t>PrimaryExp</a:t>
             </a:r>
+            <a:endParaRPr lang="en-US" altLang="zh-CN" sz="1400" dirty="0">
+              <a:latin typeface="Consolas" panose="020B0609020204030204" pitchFamily="49" charset="0"/>
+            </a:endParaRPr>
+          </a:p>
+          <a:p>
+            <a:r>
+              <a:rPr lang="en-US" altLang="zh-CN" sz="1400" dirty="0" err="1">
+                <a:latin typeface="Consolas" panose="020B0609020204030204" pitchFamily="49" charset="0"/>
+              </a:rPr>
+              <a:t>PrimaryExp</a:t>
+            </a:r>
             <a:r>
               <a:rPr lang="en-US" altLang="zh-CN" sz="1400" dirty="0">
                 <a:latin typeface="Consolas" panose="020B0609020204030204" pitchFamily="49" charset="0"/>
               </a:rPr>
               <a:t> → Number</a:t>
             </a:r>
+            <a:endParaRPr lang="en-US" altLang="zh-CN" sz="1400" dirty="0">
+              <a:latin typeface="Consolas" panose="020B0609020204030204" pitchFamily="49" charset="0"/>
+            </a:endParaRPr>
           </a:p>
           <a:p>
             <a:r>
@@ -34588,13 +33648,7 @@
       </p:sp>
       <p:sp>
         <p:nvSpPr>
-          <p:cNvPr id="9" name="文本框 8">
-            <a:extLst>
-              <a:ext uri="{FF2B5EF4-FFF2-40B4-BE49-F238E27FC236}">
-                <a16:creationId xmlns:a16="http://schemas.microsoft.com/office/drawing/2014/main" id="{0630F33E-0613-7D04-45A3-2769D94BAF58}"/>
-              </a:ext>
-            </a:extLst>
-          </p:cNvPr>
+          <p:cNvPr id="9" name="文本框 8"/>
           <p:cNvSpPr txBox="1"/>
           <p:nvPr/>
         </p:nvSpPr>
@@ -34660,11 +33714,6 @@
         </p:txBody>
       </p:sp>
     </p:spTree>
-    <p:extLst>
-      <p:ext uri="{BB962C8B-B14F-4D97-AF65-F5344CB8AC3E}">
-        <p14:creationId xmlns:p14="http://schemas.microsoft.com/office/powerpoint/2010/main" val="2432782743"/>
-      </p:ext>
-    </p:extLst>
   </p:cSld>
   <p:clrMapOvr>
     <a:masterClrMapping/>
@@ -36793,13 +35842,7 @@
       </p:grpSp>
       <p:grpSp>
         <p:nvGrpSpPr>
-          <p:cNvPr id="123" name="组合 122">
-            <a:extLst>
-              <a:ext uri="{FF2B5EF4-FFF2-40B4-BE49-F238E27FC236}">
-                <a16:creationId xmlns:a16="http://schemas.microsoft.com/office/drawing/2014/main" id="{00480087-048F-4EBB-8203-A28B45992B92}"/>
-              </a:ext>
-            </a:extLst>
-          </p:cNvPr>
+          <p:cNvPr id="123" name="组合 122"/>
           <p:cNvGrpSpPr/>
           <p:nvPr/>
         </p:nvGrpSpPr>
@@ -36813,13 +35856,7 @@
         </p:grpSpPr>
         <p:sp>
           <p:nvSpPr>
-            <p:cNvPr id="124" name="文本框 123">
-              <a:extLst>
-                <a:ext uri="{FF2B5EF4-FFF2-40B4-BE49-F238E27FC236}">
-                  <a16:creationId xmlns:a16="http://schemas.microsoft.com/office/drawing/2014/main" id="{4D099783-DBDD-47ED-AD50-14FC2C87D77D}"/>
-                </a:ext>
-              </a:extLst>
-            </p:cNvPr>
+            <p:cNvPr id="124" name="文本框 123"/>
             <p:cNvSpPr txBox="1"/>
             <p:nvPr/>
           </p:nvSpPr>
@@ -36858,7 +35895,6 @@
                 <a:buSzTx/>
                 <a:buFontTx/>
                 <a:buNone/>
-                <a:tabLst/>
                 <a:defRPr/>
               </a:pPr>
               <a:r>
@@ -36869,7 +35905,7 @@
                   <a:effectLst/>
                   <a:uLnTx/>
                   <a:uFillTx/>
-                  <a:latin typeface="微软雅黑"/>
+                  <a:latin typeface="微软雅黑" panose="020B0503020204020204" charset="-122"/>
                 </a:rPr>
                 <a:t>语法分析做法</a:t>
               </a:r>
@@ -36879,20 +35915,14 @@
                     <a:lumMod val="75000"/>
                   </a:schemeClr>
                 </a:solidFill>
-                <a:latin typeface="微软雅黑"/>
+                <a:latin typeface="微软雅黑" panose="020B0503020204020204" charset="-122"/>
               </a:endParaRPr>
             </a:p>
           </p:txBody>
         </p:sp>
         <p:sp>
           <p:nvSpPr>
-            <p:cNvPr id="127" name="矩形: 圆角 126">
-              <a:extLst>
-                <a:ext uri="{FF2B5EF4-FFF2-40B4-BE49-F238E27FC236}">
-                  <a16:creationId xmlns:a16="http://schemas.microsoft.com/office/drawing/2014/main" id="{FE93D2D6-B815-4CFD-9352-13E258A32C4D}"/>
-                </a:ext>
-              </a:extLst>
-            </p:cNvPr>
+            <p:cNvPr id="127" name="矩形: 圆角 126"/>
             <p:cNvSpPr/>
             <p:nvPr/>
           </p:nvSpPr>
@@ -36937,7 +35967,6 @@
                 <a:buSzTx/>
                 <a:buFontTx/>
                 <a:buNone/>
-                <a:tabLst/>
                 <a:defRPr/>
               </a:pPr>
               <a:endParaRPr kumimoji="0" lang="zh-CN" altLang="en-US" sz="1800" b="0" i="0" u="none" strike="noStrike" kern="0" cap="none" spc="0" normalizeH="0" baseline="0" noProof="0">
@@ -36950,8 +35979,8 @@
                 <a:effectLst/>
                 <a:uLnTx/>
                 <a:uFillTx/>
-                <a:latin typeface="Arial"/>
-                <a:ea typeface="微软雅黑"/>
+                <a:latin typeface="Arial" panose="020B0604020202020204"/>
+                <a:ea typeface="微软雅黑" panose="020B0503020204020204" charset="-122"/>
                 <a:cs typeface="+mn-cs"/>
               </a:endParaRPr>
             </a:p>
@@ -36960,13 +35989,7 @@
       </p:grpSp>
       <p:sp>
         <p:nvSpPr>
-          <p:cNvPr id="9" name="文本框 8">
-            <a:extLst>
-              <a:ext uri="{FF2B5EF4-FFF2-40B4-BE49-F238E27FC236}">
-                <a16:creationId xmlns:a16="http://schemas.microsoft.com/office/drawing/2014/main" id="{0630F33E-0613-7D04-45A3-2769D94BAF58}"/>
-              </a:ext>
-            </a:extLst>
-          </p:cNvPr>
+          <p:cNvPr id="9" name="文本框 8"/>
           <p:cNvSpPr txBox="1"/>
           <p:nvPr/>
         </p:nvSpPr>
@@ -37000,20 +36023,14 @@
       </p:sp>
       <p:pic>
         <p:nvPicPr>
-          <p:cNvPr id="2" name="图片 1" descr="图示&#10;&#10;描述已自动生成">
-            <a:extLst>
-              <a:ext uri="{FF2B5EF4-FFF2-40B4-BE49-F238E27FC236}">
-                <a16:creationId xmlns:a16="http://schemas.microsoft.com/office/drawing/2014/main" id="{3C7194C9-6F49-2826-06EA-230B0917053C}"/>
-              </a:ext>
-            </a:extLst>
-          </p:cNvPr>
+          <p:cNvPr id="2" name="图片 1" descr="图示&#10;&#10;描述已自动生成"/>
           <p:cNvPicPr>
             <a:picLocks noChangeAspect="1"/>
           </p:cNvPicPr>
           <p:nvPr/>
         </p:nvPicPr>
         <p:blipFill>
-          <a:blip r:embed="rId3">
+          <a:blip r:embed="rId1">
             <a:extLst>
               <a:ext uri="{28A0092B-C50C-407E-A947-70E740481C1C}">
                 <a14:useLocalDpi xmlns:a14="http://schemas.microsoft.com/office/drawing/2010/main" val="0"/>
@@ -37036,13 +36053,7 @@
       </p:pic>
       <p:sp>
         <p:nvSpPr>
-          <p:cNvPr id="5" name="文本框 4">
-            <a:extLst>
-              <a:ext uri="{FF2B5EF4-FFF2-40B4-BE49-F238E27FC236}">
-                <a16:creationId xmlns:a16="http://schemas.microsoft.com/office/drawing/2014/main" id="{22846E41-609F-A1E2-59D7-8CF7F95D4832}"/>
-              </a:ext>
-            </a:extLst>
-          </p:cNvPr>
+          <p:cNvPr id="5" name="文本框 4"/>
           <p:cNvSpPr txBox="1"/>
           <p:nvPr/>
         </p:nvSpPr>
@@ -37098,6 +36109,9 @@
               </a:rPr>
               <a:t> ';'</a:t>
             </a:r>
+            <a:endParaRPr lang="en-US" altLang="zh-CN" sz="1400" dirty="0">
+              <a:latin typeface="Consolas" panose="020B0609020204030204" pitchFamily="49" charset="0"/>
+            </a:endParaRPr>
           </a:p>
           <a:p>
             <a:r>
@@ -37126,13 +36140,7 @@
       </p:sp>
       <p:sp>
         <p:nvSpPr>
-          <p:cNvPr id="6" name="矩形 5">
-            <a:extLst>
-              <a:ext uri="{FF2B5EF4-FFF2-40B4-BE49-F238E27FC236}">
-                <a16:creationId xmlns:a16="http://schemas.microsoft.com/office/drawing/2014/main" id="{33EB1155-0035-3855-3DCA-4B16DA1CFF2C}"/>
-              </a:ext>
-            </a:extLst>
-          </p:cNvPr>
+          <p:cNvPr id="6" name="矩形 5"/>
           <p:cNvSpPr/>
           <p:nvPr/>
         </p:nvSpPr>
@@ -37180,13 +36188,7 @@
       </p:sp>
       <p:sp>
         <p:nvSpPr>
-          <p:cNvPr id="7" name="矩形 6">
-            <a:extLst>
-              <a:ext uri="{FF2B5EF4-FFF2-40B4-BE49-F238E27FC236}">
-                <a16:creationId xmlns:a16="http://schemas.microsoft.com/office/drawing/2014/main" id="{080D3C07-37A2-B774-D958-430DB9A79F4E}"/>
-              </a:ext>
-            </a:extLst>
-          </p:cNvPr>
+          <p:cNvPr id="7" name="矩形 6"/>
           <p:cNvSpPr/>
           <p:nvPr/>
         </p:nvSpPr>
@@ -37234,13 +36236,7 @@
       </p:sp>
       <p:sp>
         <p:nvSpPr>
-          <p:cNvPr id="10" name="文本框 9">
-            <a:extLst>
-              <a:ext uri="{FF2B5EF4-FFF2-40B4-BE49-F238E27FC236}">
-                <a16:creationId xmlns:a16="http://schemas.microsoft.com/office/drawing/2014/main" id="{202ED410-4BF8-83B9-0FF6-E5B04C2BA2E2}"/>
-              </a:ext>
-            </a:extLst>
-          </p:cNvPr>
+          <p:cNvPr id="10" name="文本框 9"/>
           <p:cNvSpPr txBox="1"/>
           <p:nvPr/>
         </p:nvSpPr>
@@ -37284,11 +36280,6 @@
         </p:txBody>
       </p:sp>
     </p:spTree>
-    <p:extLst>
-      <p:ext uri="{BB962C8B-B14F-4D97-AF65-F5344CB8AC3E}">
-        <p14:creationId xmlns:p14="http://schemas.microsoft.com/office/powerpoint/2010/main" val="3969824747"/>
-      </p:ext>
-    </p:extLst>
   </p:cSld>
   <p:clrMapOvr>
     <a:masterClrMapping/>
@@ -39201,13 +38192,7 @@
       </p:grpSp>
       <p:grpSp>
         <p:nvGrpSpPr>
-          <p:cNvPr id="123" name="组合 122">
-            <a:extLst>
-              <a:ext uri="{FF2B5EF4-FFF2-40B4-BE49-F238E27FC236}">
-                <a16:creationId xmlns:a16="http://schemas.microsoft.com/office/drawing/2014/main" id="{00480087-048F-4EBB-8203-A28B45992B92}"/>
-              </a:ext>
-            </a:extLst>
-          </p:cNvPr>
+          <p:cNvPr id="123" name="组合 122"/>
           <p:cNvGrpSpPr/>
           <p:nvPr/>
         </p:nvGrpSpPr>
@@ -39221,13 +38206,7 @@
         </p:grpSpPr>
         <p:sp>
           <p:nvSpPr>
-            <p:cNvPr id="124" name="文本框 123">
-              <a:extLst>
-                <a:ext uri="{FF2B5EF4-FFF2-40B4-BE49-F238E27FC236}">
-                  <a16:creationId xmlns:a16="http://schemas.microsoft.com/office/drawing/2014/main" id="{4D099783-DBDD-47ED-AD50-14FC2C87D77D}"/>
-                </a:ext>
-              </a:extLst>
-            </p:cNvPr>
+            <p:cNvPr id="124" name="文本框 123"/>
             <p:cNvSpPr txBox="1"/>
             <p:nvPr/>
           </p:nvSpPr>
@@ -39266,7 +38245,6 @@
                 <a:buSzTx/>
                 <a:buFontTx/>
                 <a:buNone/>
-                <a:tabLst/>
                 <a:defRPr/>
               </a:pPr>
               <a:r>
@@ -39277,7 +38255,7 @@
                   <a:effectLst/>
                   <a:uLnTx/>
                   <a:uFillTx/>
-                  <a:latin typeface="微软雅黑"/>
+                  <a:latin typeface="微软雅黑" panose="020B0503020204020204" charset="-122"/>
                 </a:rPr>
                 <a:t>语法分析做法</a:t>
               </a:r>
@@ -39287,20 +38265,14 @@
                     <a:lumMod val="75000"/>
                   </a:schemeClr>
                 </a:solidFill>
-                <a:latin typeface="微软雅黑"/>
+                <a:latin typeface="微软雅黑" panose="020B0503020204020204" charset="-122"/>
               </a:endParaRPr>
             </a:p>
           </p:txBody>
         </p:sp>
         <p:sp>
           <p:nvSpPr>
-            <p:cNvPr id="127" name="矩形: 圆角 126">
-              <a:extLst>
-                <a:ext uri="{FF2B5EF4-FFF2-40B4-BE49-F238E27FC236}">
-                  <a16:creationId xmlns:a16="http://schemas.microsoft.com/office/drawing/2014/main" id="{FE93D2D6-B815-4CFD-9352-13E258A32C4D}"/>
-                </a:ext>
-              </a:extLst>
-            </p:cNvPr>
+            <p:cNvPr id="127" name="矩形: 圆角 126"/>
             <p:cNvSpPr/>
             <p:nvPr/>
           </p:nvSpPr>
@@ -39345,7 +38317,6 @@
                 <a:buSzTx/>
                 <a:buFontTx/>
                 <a:buNone/>
-                <a:tabLst/>
                 <a:defRPr/>
               </a:pPr>
               <a:endParaRPr kumimoji="0" lang="zh-CN" altLang="en-US" sz="1800" b="0" i="0" u="none" strike="noStrike" kern="0" cap="none" spc="0" normalizeH="0" baseline="0" noProof="0">
@@ -39358,8 +38329,8 @@
                 <a:effectLst/>
                 <a:uLnTx/>
                 <a:uFillTx/>
-                <a:latin typeface="Arial"/>
-                <a:ea typeface="微软雅黑"/>
+                <a:latin typeface="Arial" panose="020B0604020202020204"/>
+                <a:ea typeface="微软雅黑" panose="020B0503020204020204" charset="-122"/>
                 <a:cs typeface="+mn-cs"/>
               </a:endParaRPr>
             </a:p>
@@ -39368,20 +38339,14 @@
       </p:grpSp>
       <p:pic>
         <p:nvPicPr>
-          <p:cNvPr id="2" name="图片 1" descr="图示&#10;&#10;描述已自动生成">
-            <a:extLst>
-              <a:ext uri="{FF2B5EF4-FFF2-40B4-BE49-F238E27FC236}">
-                <a16:creationId xmlns:a16="http://schemas.microsoft.com/office/drawing/2014/main" id="{3C7194C9-6F49-2826-06EA-230B0917053C}"/>
-              </a:ext>
-            </a:extLst>
-          </p:cNvPr>
+          <p:cNvPr id="2" name="图片 1" descr="图示&#10;&#10;描述已自动生成"/>
           <p:cNvPicPr>
             <a:picLocks noChangeAspect="1"/>
           </p:cNvPicPr>
           <p:nvPr/>
         </p:nvPicPr>
         <p:blipFill>
-          <a:blip r:embed="rId3">
+          <a:blip r:embed="rId1">
             <a:extLst>
               <a:ext uri="{28A0092B-C50C-407E-A947-70E740481C1C}">
                 <a14:useLocalDpi xmlns:a14="http://schemas.microsoft.com/office/drawing/2010/main" val="0"/>
@@ -39404,13 +38369,7 @@
       </p:pic>
       <p:sp>
         <p:nvSpPr>
-          <p:cNvPr id="5" name="文本框 4">
-            <a:extLst>
-              <a:ext uri="{FF2B5EF4-FFF2-40B4-BE49-F238E27FC236}">
-                <a16:creationId xmlns:a16="http://schemas.microsoft.com/office/drawing/2014/main" id="{22846E41-609F-A1E2-59D7-8CF7F95D4832}"/>
-              </a:ext>
-            </a:extLst>
-          </p:cNvPr>
+          <p:cNvPr id="5" name="文本框 4"/>
           <p:cNvSpPr txBox="1"/>
           <p:nvPr/>
         </p:nvSpPr>
@@ -39466,6 +38425,9 @@
               </a:rPr>
               <a:t> ';'</a:t>
             </a:r>
+            <a:endParaRPr lang="en-US" altLang="zh-CN" sz="1400" dirty="0">
+              <a:latin typeface="Consolas" panose="020B0609020204030204" pitchFamily="49" charset="0"/>
+            </a:endParaRPr>
           </a:p>
           <a:p>
             <a:r>
@@ -39494,19 +38456,13 @@
       </p:sp>
       <p:sp>
         <p:nvSpPr>
-          <p:cNvPr id="4" name="文本框 3">
-            <a:extLst>
-              <a:ext uri="{FF2B5EF4-FFF2-40B4-BE49-F238E27FC236}">
-                <a16:creationId xmlns:a16="http://schemas.microsoft.com/office/drawing/2014/main" id="{61F43B7B-CB2D-E626-81DA-E84736FD8B33}"/>
-              </a:ext>
-            </a:extLst>
-          </p:cNvPr>
+          <p:cNvPr id="4" name="文本框 3"/>
           <p:cNvSpPr txBox="1"/>
           <p:nvPr/>
         </p:nvSpPr>
         <p:spPr>
           <a:xfrm>
-            <a:off x="8955" y="1592608"/>
+            <a:off x="8955" y="1601498"/>
             <a:ext cx="4966684" cy="5416868"/>
           </a:xfrm>
           <a:prstGeom prst="rect">
@@ -39537,6 +38493,10 @@
               </a:rPr>
               <a:t>(){</a:t>
             </a:r>
+            <a:endParaRPr lang="en-US" altLang="zh-CN" sz="1600" b="0" dirty="0">
+              <a:effectLst/>
+              <a:latin typeface="Consolas" panose="020B0609020204030204" pitchFamily="49" charset="0"/>
+            </a:endParaRPr>
           </a:p>
           <a:p>
             <a:r>
@@ -39583,6 +38543,10 @@
               </a:rPr>
               <a:t>){</a:t>
             </a:r>
+            <a:endParaRPr lang="en-US" altLang="zh-CN" sz="1600" b="0" dirty="0">
+              <a:effectLst/>
+              <a:latin typeface="Consolas" panose="020B0609020204030204" pitchFamily="49" charset="0"/>
+            </a:endParaRPr>
           </a:p>
           <a:p>
             <a:r>
@@ -39612,6 +38576,10 @@
               </a:rPr>
               <a:t>();</a:t>
             </a:r>
+            <a:endParaRPr lang="en-US" altLang="zh-CN" sz="1600" b="0" dirty="0">
+              <a:effectLst/>
+              <a:latin typeface="Consolas" panose="020B0609020204030204" pitchFamily="49" charset="0"/>
+            </a:endParaRPr>
           </a:p>
           <a:p>
             <a:r>
@@ -39641,6 +38609,10 @@
               </a:rPr>
               <a:t>();</a:t>
             </a:r>
+            <a:endParaRPr lang="en-US" altLang="zh-CN" sz="1600" b="0" dirty="0">
+              <a:effectLst/>
+              <a:latin typeface="Consolas" panose="020B0609020204030204" pitchFamily="49" charset="0"/>
+            </a:endParaRPr>
           </a:p>
           <a:p>
             <a:r>
@@ -39922,6 +38894,10 @@
               </a:rPr>
               <a:t>(){</a:t>
             </a:r>
+            <a:endParaRPr lang="en-US" altLang="zh-CN" sz="1600" b="0" dirty="0">
+              <a:effectLst/>
+              <a:latin typeface="Consolas" panose="020B0609020204030204" pitchFamily="49" charset="0"/>
+            </a:endParaRPr>
           </a:p>
           <a:p>
             <a:r>
@@ -39967,6 +38943,10 @@
               </a:rPr>
               <a:t>(now)){</a:t>
             </a:r>
+            <a:endParaRPr lang="en-US" altLang="zh-CN" sz="1600" b="0" dirty="0">
+              <a:effectLst/>
+              <a:latin typeface="Consolas" panose="020B0609020204030204" pitchFamily="49" charset="0"/>
+            </a:endParaRPr>
           </a:p>
           <a:p>
             <a:r>
@@ -39995,6 +38975,10 @@
               </a:rPr>
               <a:t>();</a:t>
             </a:r>
+            <a:endParaRPr lang="en-US" altLang="zh-CN" sz="1600" b="0" dirty="0">
+              <a:effectLst/>
+              <a:latin typeface="Consolas" panose="020B0609020204030204" pitchFamily="49" charset="0"/>
+            </a:endParaRPr>
           </a:p>
           <a:p>
             <a:r>
@@ -40041,6 +39025,10 @@
               </a:rPr>
               <a:t>){</a:t>
             </a:r>
+            <a:endParaRPr lang="en-US" altLang="zh-CN" sz="1600" b="0" dirty="0">
+              <a:effectLst/>
+              <a:latin typeface="Consolas" panose="020B0609020204030204" pitchFamily="49" charset="0"/>
+            </a:endParaRPr>
           </a:p>
           <a:p>
             <a:r>
@@ -40069,6 +39057,10 @@
               </a:rPr>
               <a:t>();</a:t>
             </a:r>
+            <a:endParaRPr lang="en-US" altLang="zh-CN" sz="1600" b="0" dirty="0">
+              <a:effectLst/>
+              <a:latin typeface="Consolas" panose="020B0609020204030204" pitchFamily="49" charset="0"/>
+            </a:endParaRPr>
           </a:p>
           <a:p>
             <a:r>
@@ -40097,6 +39089,10 @@
               </a:rPr>
               <a:t>();</a:t>
             </a:r>
+            <a:endParaRPr lang="en-US" altLang="zh-CN" sz="1600" b="0" dirty="0">
+              <a:effectLst/>
+              <a:latin typeface="Consolas" panose="020B0609020204030204" pitchFamily="49" charset="0"/>
+            </a:endParaRPr>
           </a:p>
           <a:p>
             <a:r>
@@ -40350,13 +39346,7 @@
       </p:sp>
       <p:sp>
         <p:nvSpPr>
-          <p:cNvPr id="8" name="文本框 7">
-            <a:extLst>
-              <a:ext uri="{FF2B5EF4-FFF2-40B4-BE49-F238E27FC236}">
-                <a16:creationId xmlns:a16="http://schemas.microsoft.com/office/drawing/2014/main" id="{8B7C2E24-81F0-7319-90BA-6B89F7D9326B}"/>
-              </a:ext>
-            </a:extLst>
-          </p:cNvPr>
+          <p:cNvPr id="8" name="文本框 7"/>
           <p:cNvSpPr txBox="1"/>
           <p:nvPr/>
         </p:nvSpPr>
@@ -40389,11 +39379,6 @@
         </p:txBody>
       </p:sp>
     </p:spTree>
-    <p:extLst>
-      <p:ext uri="{BB962C8B-B14F-4D97-AF65-F5344CB8AC3E}">
-        <p14:creationId xmlns:p14="http://schemas.microsoft.com/office/powerpoint/2010/main" val="234060312"/>
-      </p:ext>
-    </p:extLst>
   </p:cSld>
   <p:clrMapOvr>
     <a:masterClrMapping/>
@@ -42866,13 +41851,7 @@
       </p:grpSp>
       <p:grpSp>
         <p:nvGrpSpPr>
-          <p:cNvPr id="123" name="组合 122">
-            <a:extLst>
-              <a:ext uri="{FF2B5EF4-FFF2-40B4-BE49-F238E27FC236}">
-                <a16:creationId xmlns:a16="http://schemas.microsoft.com/office/drawing/2014/main" id="{00480087-048F-4EBB-8203-A28B45992B92}"/>
-              </a:ext>
-            </a:extLst>
-          </p:cNvPr>
+          <p:cNvPr id="123" name="组合 122"/>
           <p:cNvGrpSpPr/>
           <p:nvPr/>
         </p:nvGrpSpPr>
@@ -42886,13 +41865,7 @@
         </p:grpSpPr>
         <p:sp>
           <p:nvSpPr>
-            <p:cNvPr id="124" name="文本框 123">
-              <a:extLst>
-                <a:ext uri="{FF2B5EF4-FFF2-40B4-BE49-F238E27FC236}">
-                  <a16:creationId xmlns:a16="http://schemas.microsoft.com/office/drawing/2014/main" id="{4D099783-DBDD-47ED-AD50-14FC2C87D77D}"/>
-                </a:ext>
-              </a:extLst>
-            </p:cNvPr>
+            <p:cNvPr id="124" name="文本框 123"/>
             <p:cNvSpPr txBox="1"/>
             <p:nvPr/>
           </p:nvSpPr>
@@ -42931,7 +41904,6 @@
                 <a:buSzTx/>
                 <a:buFontTx/>
                 <a:buNone/>
-                <a:tabLst/>
                 <a:defRPr/>
               </a:pPr>
               <a:r>
@@ -42942,7 +41914,7 @@
                   <a:effectLst/>
                   <a:uLnTx/>
                   <a:uFillTx/>
-                  <a:latin typeface="微软雅黑"/>
+                  <a:latin typeface="微软雅黑" panose="020B0503020204020204" charset="-122"/>
                 </a:rPr>
                 <a:t>语法分析做法</a:t>
               </a:r>
@@ -42952,20 +41924,14 @@
                     <a:lumMod val="75000"/>
                   </a:schemeClr>
                 </a:solidFill>
-                <a:latin typeface="微软雅黑"/>
+                <a:latin typeface="微软雅黑" panose="020B0503020204020204" charset="-122"/>
               </a:endParaRPr>
             </a:p>
           </p:txBody>
         </p:sp>
         <p:sp>
           <p:nvSpPr>
-            <p:cNvPr id="127" name="矩形: 圆角 126">
-              <a:extLst>
-                <a:ext uri="{FF2B5EF4-FFF2-40B4-BE49-F238E27FC236}">
-                  <a16:creationId xmlns:a16="http://schemas.microsoft.com/office/drawing/2014/main" id="{FE93D2D6-B815-4CFD-9352-13E258A32C4D}"/>
-                </a:ext>
-              </a:extLst>
-            </p:cNvPr>
+            <p:cNvPr id="127" name="矩形: 圆角 126"/>
             <p:cNvSpPr/>
             <p:nvPr/>
           </p:nvSpPr>
@@ -43010,7 +41976,6 @@
                 <a:buSzTx/>
                 <a:buFontTx/>
                 <a:buNone/>
-                <a:tabLst/>
                 <a:defRPr/>
               </a:pPr>
               <a:endParaRPr kumimoji="0" lang="zh-CN" altLang="en-US" sz="1800" b="0" i="0" u="none" strike="noStrike" kern="0" cap="none" spc="0" normalizeH="0" baseline="0" noProof="0">
@@ -43023,8 +41988,8 @@
                 <a:effectLst/>
                 <a:uLnTx/>
                 <a:uFillTx/>
-                <a:latin typeface="Arial"/>
-                <a:ea typeface="微软雅黑"/>
+                <a:latin typeface="Arial" panose="020B0604020202020204"/>
+                <a:ea typeface="微软雅黑" panose="020B0503020204020204" charset="-122"/>
                 <a:cs typeface="+mn-cs"/>
               </a:endParaRPr>
             </a:p>
@@ -43033,13 +41998,7 @@
       </p:grpSp>
       <p:sp>
         <p:nvSpPr>
-          <p:cNvPr id="5" name="文本框 4">
-            <a:extLst>
-              <a:ext uri="{FF2B5EF4-FFF2-40B4-BE49-F238E27FC236}">
-                <a16:creationId xmlns:a16="http://schemas.microsoft.com/office/drawing/2014/main" id="{22846E41-609F-A1E2-59D7-8CF7F95D4832}"/>
-              </a:ext>
-            </a:extLst>
-          </p:cNvPr>
+          <p:cNvPr id="5" name="文本框 4"/>
           <p:cNvSpPr txBox="1"/>
           <p:nvPr/>
         </p:nvSpPr>
@@ -43095,6 +42054,9 @@
               </a:rPr>
               <a:t> ';'</a:t>
             </a:r>
+            <a:endParaRPr lang="en-US" altLang="zh-CN" sz="1400" dirty="0">
+              <a:latin typeface="Consolas" panose="020B0609020204030204" pitchFamily="49" charset="0"/>
+            </a:endParaRPr>
           </a:p>
           <a:p>
             <a:r>
@@ -43123,13 +42085,7 @@
       </p:sp>
       <p:sp>
         <p:nvSpPr>
-          <p:cNvPr id="4" name="文本框 3">
-            <a:extLst>
-              <a:ext uri="{FF2B5EF4-FFF2-40B4-BE49-F238E27FC236}">
-                <a16:creationId xmlns:a16="http://schemas.microsoft.com/office/drawing/2014/main" id="{61F43B7B-CB2D-E626-81DA-E84736FD8B33}"/>
-              </a:ext>
-            </a:extLst>
-          </p:cNvPr>
+          <p:cNvPr id="4" name="文本框 3"/>
           <p:cNvSpPr txBox="1"/>
           <p:nvPr/>
         </p:nvSpPr>
@@ -43166,6 +42122,10 @@
               </a:rPr>
               <a:t>(){</a:t>
             </a:r>
+            <a:endParaRPr lang="en-US" altLang="zh-CN" sz="1600" b="0" dirty="0">
+              <a:effectLst/>
+              <a:latin typeface="Consolas" panose="020B0609020204030204" pitchFamily="49" charset="0"/>
+            </a:endParaRPr>
           </a:p>
           <a:p>
             <a:r>
@@ -43212,6 +42172,10 @@
               </a:rPr>
               <a:t>){</a:t>
             </a:r>
+            <a:endParaRPr lang="en-US" altLang="zh-CN" sz="1600" b="0" dirty="0">
+              <a:effectLst/>
+              <a:latin typeface="Consolas" panose="020B0609020204030204" pitchFamily="49" charset="0"/>
+            </a:endParaRPr>
           </a:p>
           <a:p>
             <a:r>
@@ -43241,6 +42205,10 @@
               </a:rPr>
               <a:t>();</a:t>
             </a:r>
+            <a:endParaRPr lang="en-US" altLang="zh-CN" sz="1600" b="0" dirty="0">
+              <a:effectLst/>
+              <a:latin typeface="Consolas" panose="020B0609020204030204" pitchFamily="49" charset="0"/>
+            </a:endParaRPr>
           </a:p>
           <a:p>
             <a:r>
@@ -43270,6 +42238,10 @@
               </a:rPr>
               <a:t>();</a:t>
             </a:r>
+            <a:endParaRPr lang="en-US" altLang="zh-CN" sz="1600" b="0" dirty="0">
+              <a:effectLst/>
+              <a:latin typeface="Consolas" panose="020B0609020204030204" pitchFamily="49" charset="0"/>
+            </a:endParaRPr>
           </a:p>
           <a:p>
             <a:r>
@@ -43551,6 +42523,10 @@
               </a:rPr>
               <a:t>(){</a:t>
             </a:r>
+            <a:endParaRPr lang="en-US" altLang="zh-CN" sz="1600" b="0" dirty="0">
+              <a:effectLst/>
+              <a:latin typeface="Consolas" panose="020B0609020204030204" pitchFamily="49" charset="0"/>
+            </a:endParaRPr>
           </a:p>
           <a:p>
             <a:r>
@@ -43596,6 +42572,10 @@
               </a:rPr>
               <a:t>(now)){</a:t>
             </a:r>
+            <a:endParaRPr lang="en-US" altLang="zh-CN" sz="1600" b="0" dirty="0">
+              <a:effectLst/>
+              <a:latin typeface="Consolas" panose="020B0609020204030204" pitchFamily="49" charset="0"/>
+            </a:endParaRPr>
           </a:p>
           <a:p>
             <a:r>
@@ -43624,6 +42604,10 @@
               </a:rPr>
               <a:t>();</a:t>
             </a:r>
+            <a:endParaRPr lang="en-US" altLang="zh-CN" sz="1600" b="0" dirty="0">
+              <a:effectLst/>
+              <a:latin typeface="Consolas" panose="020B0609020204030204" pitchFamily="49" charset="0"/>
+            </a:endParaRPr>
           </a:p>
           <a:p>
             <a:r>
@@ -43670,6 +42654,10 @@
               </a:rPr>
               <a:t>){</a:t>
             </a:r>
+            <a:endParaRPr lang="en-US" altLang="zh-CN" sz="1600" b="0" dirty="0">
+              <a:effectLst/>
+              <a:latin typeface="Consolas" panose="020B0609020204030204" pitchFamily="49" charset="0"/>
+            </a:endParaRPr>
           </a:p>
           <a:p>
             <a:r>
@@ -43698,6 +42686,10 @@
               </a:rPr>
               <a:t>();</a:t>
             </a:r>
+            <a:endParaRPr lang="en-US" altLang="zh-CN" sz="1600" b="0" dirty="0">
+              <a:effectLst/>
+              <a:latin typeface="Consolas" panose="020B0609020204030204" pitchFamily="49" charset="0"/>
+            </a:endParaRPr>
           </a:p>
           <a:p>
             <a:r>
@@ -43726,6 +42718,10 @@
               </a:rPr>
               <a:t>();</a:t>
             </a:r>
+            <a:endParaRPr lang="en-US" altLang="zh-CN" sz="1600" b="0" dirty="0">
+              <a:effectLst/>
+              <a:latin typeface="Consolas" panose="020B0609020204030204" pitchFamily="49" charset="0"/>
+            </a:endParaRPr>
           </a:p>
           <a:p>
             <a:r>
@@ -43979,13 +42975,7 @@
       </p:sp>
       <p:sp>
         <p:nvSpPr>
-          <p:cNvPr id="8" name="文本框 7">
-            <a:extLst>
-              <a:ext uri="{FF2B5EF4-FFF2-40B4-BE49-F238E27FC236}">
-                <a16:creationId xmlns:a16="http://schemas.microsoft.com/office/drawing/2014/main" id="{8B7C2E24-81F0-7319-90BA-6B89F7D9326B}"/>
-              </a:ext>
-            </a:extLst>
-          </p:cNvPr>
+          <p:cNvPr id="8" name="文本框 7"/>
           <p:cNvSpPr txBox="1"/>
           <p:nvPr/>
         </p:nvSpPr>
@@ -44019,20 +43009,14 @@
       </p:sp>
       <p:pic>
         <p:nvPicPr>
-          <p:cNvPr id="6" name="图片 5">
-            <a:extLst>
-              <a:ext uri="{FF2B5EF4-FFF2-40B4-BE49-F238E27FC236}">
-                <a16:creationId xmlns:a16="http://schemas.microsoft.com/office/drawing/2014/main" id="{101FB8FF-116B-AB92-C9B0-D600732C2558}"/>
-              </a:ext>
-            </a:extLst>
-          </p:cNvPr>
+          <p:cNvPr id="6" name="图片 5"/>
           <p:cNvPicPr>
             <a:picLocks noChangeAspect="1"/>
           </p:cNvPicPr>
           <p:nvPr/>
         </p:nvPicPr>
         <p:blipFill>
-          <a:blip r:embed="rId3"/>
+          <a:blip r:embed="rId1"/>
           <a:stretch>
             <a:fillRect/>
           </a:stretch>
@@ -44049,13 +43033,7 @@
       </p:pic>
       <p:sp>
         <p:nvSpPr>
-          <p:cNvPr id="9" name="箭头: 下 8">
-            <a:extLst>
-              <a:ext uri="{FF2B5EF4-FFF2-40B4-BE49-F238E27FC236}">
-                <a16:creationId xmlns:a16="http://schemas.microsoft.com/office/drawing/2014/main" id="{1820FAB9-5BF1-01DF-F166-AA484012866C}"/>
-              </a:ext>
-            </a:extLst>
-          </p:cNvPr>
+          <p:cNvPr id="9" name="箭头: 下 8"/>
           <p:cNvSpPr/>
           <p:nvPr/>
         </p:nvSpPr>
@@ -44103,13 +43081,7 @@
       </p:sp>
       <p:sp>
         <p:nvSpPr>
-          <p:cNvPr id="10" name="箭头: 下 9">
-            <a:extLst>
-              <a:ext uri="{FF2B5EF4-FFF2-40B4-BE49-F238E27FC236}">
-                <a16:creationId xmlns:a16="http://schemas.microsoft.com/office/drawing/2014/main" id="{3AA30E0D-7045-1706-20CC-D867EC672BC3}"/>
-              </a:ext>
-            </a:extLst>
-          </p:cNvPr>
+          <p:cNvPr id="10" name="箭头: 下 9"/>
           <p:cNvSpPr/>
           <p:nvPr/>
         </p:nvSpPr>
@@ -44157,13 +43129,7 @@
       </p:sp>
       <p:sp>
         <p:nvSpPr>
-          <p:cNvPr id="11" name="箭头: 下 10">
-            <a:extLst>
-              <a:ext uri="{FF2B5EF4-FFF2-40B4-BE49-F238E27FC236}">
-                <a16:creationId xmlns:a16="http://schemas.microsoft.com/office/drawing/2014/main" id="{E0C985C6-AB63-CE81-7F72-60E501F5B07F}"/>
-              </a:ext>
-            </a:extLst>
-          </p:cNvPr>
+          <p:cNvPr id="11" name="箭头: 下 10"/>
           <p:cNvSpPr/>
           <p:nvPr/>
         </p:nvSpPr>
@@ -44211,13 +43177,7 @@
       </p:sp>
       <p:sp>
         <p:nvSpPr>
-          <p:cNvPr id="12" name="箭头: 下 11">
-            <a:extLst>
-              <a:ext uri="{FF2B5EF4-FFF2-40B4-BE49-F238E27FC236}">
-                <a16:creationId xmlns:a16="http://schemas.microsoft.com/office/drawing/2014/main" id="{94227716-898D-FFAF-6C0E-E014950F7AA4}"/>
-              </a:ext>
-            </a:extLst>
-          </p:cNvPr>
+          <p:cNvPr id="12" name="箭头: 下 11"/>
           <p:cNvSpPr/>
           <p:nvPr/>
         </p:nvSpPr>
@@ -44265,13 +43225,7 @@
       </p:sp>
       <p:sp>
         <p:nvSpPr>
-          <p:cNvPr id="13" name="箭头: 下 12">
-            <a:extLst>
-              <a:ext uri="{FF2B5EF4-FFF2-40B4-BE49-F238E27FC236}">
-                <a16:creationId xmlns:a16="http://schemas.microsoft.com/office/drawing/2014/main" id="{27C7291B-25C5-80CE-A692-297CDCF624FD}"/>
-              </a:ext>
-            </a:extLst>
-          </p:cNvPr>
+          <p:cNvPr id="13" name="箭头: 下 12"/>
           <p:cNvSpPr/>
           <p:nvPr/>
         </p:nvSpPr>
@@ -44318,11 +43272,6 @@
         </p:txBody>
       </p:sp>
     </p:spTree>
-    <p:extLst>
-      <p:ext uri="{BB962C8B-B14F-4D97-AF65-F5344CB8AC3E}">
-        <p14:creationId xmlns:p14="http://schemas.microsoft.com/office/powerpoint/2010/main" val="940989656"/>
-      </p:ext>
-    </p:extLst>
   </p:cSld>
   <p:clrMapOvr>
     <a:masterClrMapping/>
@@ -46200,13 +45149,7 @@
       </p:grpSp>
       <p:grpSp>
         <p:nvGrpSpPr>
-          <p:cNvPr id="123" name="组合 122">
-            <a:extLst>
-              <a:ext uri="{FF2B5EF4-FFF2-40B4-BE49-F238E27FC236}">
-                <a16:creationId xmlns:a16="http://schemas.microsoft.com/office/drawing/2014/main" id="{00480087-048F-4EBB-8203-A28B45992B92}"/>
-              </a:ext>
-            </a:extLst>
-          </p:cNvPr>
+          <p:cNvPr id="123" name="组合 122"/>
           <p:cNvGrpSpPr/>
           <p:nvPr/>
         </p:nvGrpSpPr>
@@ -46220,13 +45163,7 @@
         </p:grpSpPr>
         <p:sp>
           <p:nvSpPr>
-            <p:cNvPr id="124" name="文本框 123">
-              <a:extLst>
-                <a:ext uri="{FF2B5EF4-FFF2-40B4-BE49-F238E27FC236}">
-                  <a16:creationId xmlns:a16="http://schemas.microsoft.com/office/drawing/2014/main" id="{4D099783-DBDD-47ED-AD50-14FC2C87D77D}"/>
-                </a:ext>
-              </a:extLst>
-            </p:cNvPr>
+            <p:cNvPr id="124" name="文本框 123"/>
             <p:cNvSpPr txBox="1"/>
             <p:nvPr/>
           </p:nvSpPr>
@@ -46265,7 +45202,6 @@
                 <a:buSzTx/>
                 <a:buFontTx/>
                 <a:buNone/>
-                <a:tabLst/>
                 <a:defRPr/>
               </a:pPr>
               <a:r>
@@ -46276,7 +45212,7 @@
                   <a:effectLst/>
                   <a:uLnTx/>
                   <a:uFillTx/>
-                  <a:latin typeface="微软雅黑"/>
+                  <a:latin typeface="微软雅黑" panose="020B0503020204020204" charset="-122"/>
                 </a:rPr>
                 <a:t>多产生式</a:t>
               </a:r>
@@ -46286,20 +45222,14 @@
                     <a:lumMod val="75000"/>
                   </a:schemeClr>
                 </a:solidFill>
-                <a:latin typeface="微软雅黑"/>
+                <a:latin typeface="微软雅黑" panose="020B0503020204020204" charset="-122"/>
               </a:endParaRPr>
             </a:p>
           </p:txBody>
         </p:sp>
         <p:sp>
           <p:nvSpPr>
-            <p:cNvPr id="127" name="矩形: 圆角 126">
-              <a:extLst>
-                <a:ext uri="{FF2B5EF4-FFF2-40B4-BE49-F238E27FC236}">
-                  <a16:creationId xmlns:a16="http://schemas.microsoft.com/office/drawing/2014/main" id="{FE93D2D6-B815-4CFD-9352-13E258A32C4D}"/>
-                </a:ext>
-              </a:extLst>
-            </p:cNvPr>
+            <p:cNvPr id="127" name="矩形: 圆角 126"/>
             <p:cNvSpPr/>
             <p:nvPr/>
           </p:nvSpPr>
@@ -46344,7 +45274,6 @@
                 <a:buSzTx/>
                 <a:buFontTx/>
                 <a:buNone/>
-                <a:tabLst/>
                 <a:defRPr/>
               </a:pPr>
               <a:endParaRPr kumimoji="0" lang="zh-CN" altLang="en-US" sz="1800" b="0" i="0" u="none" strike="noStrike" kern="0" cap="none" spc="0" normalizeH="0" baseline="0" noProof="0">
@@ -46357,8 +45286,8 @@
                 <a:effectLst/>
                 <a:uLnTx/>
                 <a:uFillTx/>
-                <a:latin typeface="Arial"/>
-                <a:ea typeface="微软雅黑"/>
+                <a:latin typeface="Arial" panose="020B0604020202020204"/>
+                <a:ea typeface="微软雅黑" panose="020B0503020204020204" charset="-122"/>
                 <a:cs typeface="+mn-cs"/>
               </a:endParaRPr>
             </a:p>
@@ -46367,13 +45296,7 @@
       </p:grpSp>
       <p:sp>
         <p:nvSpPr>
-          <p:cNvPr id="5" name="文本框 4">
-            <a:extLst>
-              <a:ext uri="{FF2B5EF4-FFF2-40B4-BE49-F238E27FC236}">
-                <a16:creationId xmlns:a16="http://schemas.microsoft.com/office/drawing/2014/main" id="{22846E41-609F-A1E2-59D7-8CF7F95D4832}"/>
-              </a:ext>
-            </a:extLst>
-          </p:cNvPr>
+          <p:cNvPr id="5" name="文本框 4"/>
           <p:cNvSpPr txBox="1"/>
           <p:nvPr/>
         </p:nvSpPr>
@@ -46431,13 +45354,7 @@
       </p:sp>
       <p:sp>
         <p:nvSpPr>
-          <p:cNvPr id="6" name="文本框 5">
-            <a:extLst>
-              <a:ext uri="{FF2B5EF4-FFF2-40B4-BE49-F238E27FC236}">
-                <a16:creationId xmlns:a16="http://schemas.microsoft.com/office/drawing/2014/main" id="{15290117-C893-E8CA-F752-B11E1709FC0F}"/>
-              </a:ext>
-            </a:extLst>
-          </p:cNvPr>
+          <p:cNvPr id="6" name="文本框 5"/>
           <p:cNvSpPr txBox="1"/>
           <p:nvPr/>
         </p:nvSpPr>
@@ -46505,63 +45422,59 @@
               </a:rPr>
               <a:t> } ';’</a:t>
             </a:r>
-          </a:p>
-          <a:p>
-            <a:r>
-              <a:rPr lang="en-US" altLang="zh-CN" dirty="0" err="1">
-                <a:latin typeface="Consolas" panose="020B0609020204030204" pitchFamily="49" charset="0"/>
-              </a:rPr>
-              <a:t>VarDecl</a:t>
-            </a:r>
-            <a:r>
-              <a:rPr lang="en-US" altLang="zh-CN" dirty="0">
-                <a:latin typeface="Consolas" panose="020B0609020204030204" pitchFamily="49" charset="0"/>
-              </a:rPr>
-              <a:t> → </a:t>
-            </a:r>
-            <a:r>
-              <a:rPr lang="en-US" altLang="zh-CN" dirty="0" err="1">
-                <a:latin typeface="Consolas" panose="020B0609020204030204" pitchFamily="49" charset="0"/>
-              </a:rPr>
-              <a:t>BType</a:t>
-            </a:r>
-            <a:r>
-              <a:rPr lang="en-US" altLang="zh-CN" dirty="0">
-                <a:latin typeface="Consolas" panose="020B0609020204030204" pitchFamily="49" charset="0"/>
-              </a:rPr>
-              <a:t> </a:t>
-            </a:r>
-            <a:r>
-              <a:rPr lang="en-US" altLang="zh-CN" dirty="0" err="1">
-                <a:latin typeface="Consolas" panose="020B0609020204030204" pitchFamily="49" charset="0"/>
-              </a:rPr>
-              <a:t>VarDef</a:t>
-            </a:r>
-            <a:r>
-              <a:rPr lang="en-US" altLang="zh-CN" dirty="0">
-                <a:latin typeface="Consolas" panose="020B0609020204030204" pitchFamily="49" charset="0"/>
-              </a:rPr>
-              <a:t> { ',' </a:t>
-            </a:r>
-            <a:r>
-              <a:rPr lang="en-US" altLang="zh-CN" dirty="0" err="1">
-                <a:latin typeface="Consolas" panose="020B0609020204030204" pitchFamily="49" charset="0"/>
-              </a:rPr>
-              <a:t>VarDef</a:t>
-            </a:r>
-            <a:r>
-              <a:rPr lang="en-US" altLang="zh-CN" dirty="0">
-                <a:latin typeface="Consolas" panose="020B0609020204030204" pitchFamily="49" charset="0"/>
-              </a:rPr>
-              <a:t> } ';’ </a:t>
-            </a:r>
-          </a:p>
-          <a:p>
             <a:endParaRPr lang="en-US" altLang="zh-CN" dirty="0">
               <a:latin typeface="Consolas" panose="020B0609020204030204" pitchFamily="49" charset="0"/>
             </a:endParaRPr>
           </a:p>
           <a:p>
+            <a:r>
+              <a:rPr lang="en-US" altLang="zh-CN" dirty="0" err="1">
+                <a:latin typeface="Consolas" panose="020B0609020204030204" pitchFamily="49" charset="0"/>
+              </a:rPr>
+              <a:t>VarDecl</a:t>
+            </a:r>
+            <a:r>
+              <a:rPr lang="en-US" altLang="zh-CN" dirty="0">
+                <a:latin typeface="Consolas" panose="020B0609020204030204" pitchFamily="49" charset="0"/>
+              </a:rPr>
+              <a:t> → </a:t>
+            </a:r>
+            <a:r>
+              <a:rPr lang="en-US" altLang="zh-CN" dirty="0" err="1">
+                <a:latin typeface="Consolas" panose="020B0609020204030204" pitchFamily="49" charset="0"/>
+              </a:rPr>
+              <a:t>BType</a:t>
+            </a:r>
+            <a:r>
+              <a:rPr lang="en-US" altLang="zh-CN" dirty="0">
+                <a:latin typeface="Consolas" panose="020B0609020204030204" pitchFamily="49" charset="0"/>
+              </a:rPr>
+              <a:t> </a:t>
+            </a:r>
+            <a:r>
+              <a:rPr lang="en-US" altLang="zh-CN" dirty="0" err="1">
+                <a:latin typeface="Consolas" panose="020B0609020204030204" pitchFamily="49" charset="0"/>
+              </a:rPr>
+              <a:t>VarDef</a:t>
+            </a:r>
+            <a:r>
+              <a:rPr lang="en-US" altLang="zh-CN" dirty="0">
+                <a:latin typeface="Consolas" panose="020B0609020204030204" pitchFamily="49" charset="0"/>
+              </a:rPr>
+              <a:t> { ',' </a:t>
+            </a:r>
+            <a:r>
+              <a:rPr lang="en-US" altLang="zh-CN" dirty="0" err="1">
+                <a:latin typeface="Consolas" panose="020B0609020204030204" pitchFamily="49" charset="0"/>
+              </a:rPr>
+              <a:t>VarDef</a:t>
+            </a:r>
+            <a:r>
+              <a:rPr lang="en-US" altLang="zh-CN" dirty="0">
+                <a:latin typeface="Consolas" panose="020B0609020204030204" pitchFamily="49" charset="0"/>
+              </a:rPr>
+              <a:t> } ';’ </a:t>
+            </a:r>
             <a:endParaRPr lang="en-US" altLang="zh-CN" dirty="0">
               <a:latin typeface="Consolas" panose="020B0609020204030204" pitchFamily="49" charset="0"/>
             </a:endParaRPr>
@@ -46572,6 +45485,16 @@
             </a:endParaRPr>
           </a:p>
           <a:p>
+            <a:endParaRPr lang="en-US" altLang="zh-CN" dirty="0">
+              <a:latin typeface="Consolas" panose="020B0609020204030204" pitchFamily="49" charset="0"/>
+            </a:endParaRPr>
+          </a:p>
+          <a:p>
+            <a:endParaRPr lang="en-US" altLang="zh-CN" dirty="0">
+              <a:latin typeface="Consolas" panose="020B0609020204030204" pitchFamily="49" charset="0"/>
+            </a:endParaRPr>
+          </a:p>
+          <a:p>
             <a:r>
               <a:rPr lang="en-US" altLang="zh-CN" dirty="0">
                 <a:latin typeface="Consolas" panose="020B0609020204030204" pitchFamily="49" charset="0"/>
@@ -46602,6 +45525,9 @@
               </a:rPr>
               <a:t>={const}</a:t>
             </a:r>
+            <a:endParaRPr lang="en-US" altLang="zh-CN" dirty="0">
+              <a:latin typeface="Consolas" panose="020B0609020204030204" pitchFamily="49" charset="0"/>
+            </a:endParaRPr>
           </a:p>
           <a:p>
             <a:r>
@@ -46747,20 +45673,14 @@
       </p:sp>
       <p:pic>
         <p:nvPicPr>
-          <p:cNvPr id="8" name="图片 7">
-            <a:extLst>
-              <a:ext uri="{FF2B5EF4-FFF2-40B4-BE49-F238E27FC236}">
-                <a16:creationId xmlns:a16="http://schemas.microsoft.com/office/drawing/2014/main" id="{FD2EC7CB-CDD4-E7EF-C2FE-47C51602372D}"/>
-              </a:ext>
-            </a:extLst>
-          </p:cNvPr>
+          <p:cNvPr id="8" name="图片 7"/>
           <p:cNvPicPr>
             <a:picLocks noChangeAspect="1"/>
           </p:cNvPicPr>
           <p:nvPr/>
         </p:nvPicPr>
         <p:blipFill>
-          <a:blip r:embed="rId3"/>
+          <a:blip r:embed="rId1"/>
           <a:stretch>
             <a:fillRect/>
           </a:stretch>
@@ -46776,11 +45696,6 @@
         </p:spPr>
       </p:pic>
     </p:spTree>
-    <p:extLst>
-      <p:ext uri="{BB962C8B-B14F-4D97-AF65-F5344CB8AC3E}">
-        <p14:creationId xmlns:p14="http://schemas.microsoft.com/office/powerpoint/2010/main" val="820834314"/>
-      </p:ext>
-    </p:extLst>
   </p:cSld>
   <p:clrMapOvr>
     <a:masterClrMapping/>
@@ -47166,7 +46081,7 @@
 </file>
 
 <file path=ppt/tags/tag1.xml><?xml version="1.0" encoding="utf-8"?>
-<p:tagLst xmlns:a="http://schemas.openxmlformats.org/drawingml/2006/main" xmlns:r="http://schemas.openxmlformats.org/officeDocument/2006/relationships" xmlns:p="http://schemas.openxmlformats.org/presentationml/2006/main">
+<p:tagLst xmlns:p="http://schemas.openxmlformats.org/presentationml/2006/main">
   <p:tag name="ISPRING_RESOURCE_FOLDER" val="C:\Users\Administrator\Desktop\点与线\"/>
   <p:tag name="ISPRING_PRESENTATION_PATH" val="C:\Users\Administrator\Desktop\点与线.pptx"/>
   <p:tag name="ISPRING_PROJECT_FOLDER_UPDATED" val="1"/>
@@ -47182,6 +46097,8 @@
   <p:tag name="ISPRING_OUTPUT_FOLDER" val="C:\Users\Administrator\Desktop\变色龙文件\点与线"/>
   <p:tag name="ISPRING_PLAYERS_CUSTOMIZATION" val="UEsDBBQAAgAIAEOUV0cNwDEewAEAANoDAAAPAAAAbm9uZS9wbGF5ZXIueG1spZJPb9QwEMXPW6nfIfK9dpYKUa0cekDKiaJKC4jbyptME1PHDp4Ju/vtmfzZpFuQQOKQaPIy72fPs/X9sXHJT4hog8/EWqYiAV+E0voqE18+5zd34v799ZVunTlBTGyZCR88iKQELKJtiX2PhupMvBAkQ0XCL4+bI9pM1ETtRqnD4SAPtzLESr1J07X69vBxW9TQmBvrkYwvmLvs5VYkbbQhWjpl4l0qrq9WA/ICZ5F7fIXBdf3KKIvQqDYCgieIatz2bN3Q3838NMErOrWAgkdfDbPvTfH8EMrOAfbaSo9tWyDqCYO20rSx6zufYCwyMTbsGkA0FaB0vhJq9Ko/mPWTM1hPHLzA9ty22zuLNYsjfejeLerubBmyVxNHXYJ0M0wwnGLeOZeDoS5CKZIIPzrLVd5jv85HkK7FuJzn7h0+Wy/xULDGVW4KCvH0gR18JFOUco5ejtHLwdTbh+ITF49TnNsFMgezhKBratzbf86j7/6fOEp4Mp0jcV7B+hKOueW/BA2PQsAz9pqk1sl+tTOVd9ftmxdX40Iadzdl8R1FQiZWwNewNGTUos8w9Zqm1fg5JTTHotXv91JPRC5/AVBLAwQUAAIACABElFdHI7RO+/sCAACwCAAAFAAAAHVuaXZlcnNhbC9wbGF5ZXIueG1srVXfT9swEH4u0v6HyO/YLR0DqgTEkNAexoTUse2tMombeE3izHYI5a/f2c7vpWxIe2iVnO/77nz33cW/es5S74lJxUUeoAWeI4/loYh4Hgfo4evt8Tm6unx35Bcp3TPp8ShAZc4NgKbIi5gKJS80gO+pTgLUM2BgRl4huZBc74H7FLjbSCdL9O5oBi65ClCidbEipKoqzBUg8liJtDQkCociI4VkiuWaSeLSQF6DXem/o+GXiZzofcFUD1notweuSVqOZ8UHJNUSCxmTk/l8QX7cfV6HCcvoMc+VpnnIkAeVnNlSPtJwdyeiMmXK2Ga+S3LNtDZJWNvM1yu+OM89JcMAOYdNxpSiMVM4zWNEHJZMgP1tSlVS86gBreFVO17zWr+Ned80brZzpHMuyseUqwSO+pDOOgn0yTCqn9nrWgU9NAq6NUzIk+xXySWL7Ou3VozzBXIBW8XZPLGqQjiAp1saaiH3NwADFdUdxG3TsGsatqCWA7fR1x0Fam67ZVSXkjWlmvlPPGLiC5WSGllcalkyn4yMNZYMwT5xV66b1DXET3SWnv5Db4zfqDU/1WudsYD/0ZhPQNTWhOcRe77l4KNZBjXVDIptbFgXKTYxu5xU+Zj1dD0wuRzrpsBFPE1lzGAMI6op6ezkEJRJqsAlLOUI2zs4CE54nKTw05MM49ODNBmVu0mG3sFBcCrC3QS0NbdlJOM6jsTUKsgnE+vED0ulRcZfrDwHe0avrA5fG7nm6Lrg7cHZ/I9RHMRoBnOLJlaXeertq+bw3sypVp3PpnCWgVphHpguC+fVzEJZjHwitqVlqm/6OTX7sAcd5Tw1HdNc30HvolrzF+ZVPDJfusXS1CRhRjMB+nC+7DFAP2G7DMJb06GIW5E3dcCY2Df3byvabPm6da7rhzrsQw2fOKscxs3UR1BHLEWZR6Me4qL7iKgUdtq1ZNRL2RZutDgBkYoiQO/hob7zxelFd+WzxUWDtXndu8Aulzes9DrhTkGk1nV7Eb/eDfD4G1BLAwQUAAIACADJVexIH9LMokMwAAAgWgAAFwAAAHVuaXZlcnNhbC91bml2ZXJzYWwucG5n7Xx7VFNX/q/Wju20KO10HIQCqS+sL56likDSDi1URVERoxKIFJQqkgghQAhJ2rEFLWBExAR5ZFrfBJIiQkggiS2VAAHiK0TNy0pCkGOCJCYh73uCtlpnutb93Tu/de+61z9YIfuc/f189/f9PftkH9m8KW7OGz5vzJgxY866zz7ZOmPGnwJmzJj1+euzwZHiDV5vgh8zMVvj/j6DMeT7APzyaubHGz+eMaOF/KY97U/g9z8f/GwnZsaMud3uv5kC9IWMGTN2tq375ONthalaeTZZm4lTElITUz9K/Whxw+Wt+5MIWy07kyLIu8peDV+15B+fZdd9sm1fXeyXX8fX/vVswF/e/jYZ/v2ft316pm3h1l3vbvvTq2d3n7orY19jM5Q/JBjMSoGvYOBUjbpNUsy7EYffKx88dQe/6TKp6Q5RcvUcxDUl8EJ3TfZc9SRNdW9QupzmmSCLM+Zeyu85cPSOP4sbET/aPz7kHptRsOBd1Xgu1X6dTNymeMs9ci9wT1mXb4BL6bKR1HOmb9LFfNhXYHkbNX2ZemkdD3gNNvUxbon7+xVCb4CFMe4W3YwvbRnUqI8tCRdcfTT7OpyfRjQBA4cfvTU/IOFY2niaweYJfo16tSA0njgWAykqSyBZb5ZUJ6/pCTaeJ1nPow2DaGJrlzaio09jtohITr0J6dRThMCENIToMhCsRxKKv+8KpCCx8sVkvATJiqJoLZewYwaEfv7ErYkwN/E8kLhzQGQfuBrkuBHEjfib/acg+09XqxKguIucaG66R6LrIc3RKpwZMQtBdEwJYETcnQ1B3G0KZ/0jUAiPh2JPF6MkuCYm0UinsKLNaaHK1hZIloEYCHuMX23mAhqeXwBJpyHq9OxmMzoyXiEwuC2AoRkq6XMgdWEH7XaRy64ea+PW3WkBhx6d3BKafs90qeAGVvAz0KFLV3/ovY8OHFXv6M7gwczdqQrkiNKkBzgT36ErjouxpcHxr4BijdQoSvp6H7XEfu1xAmZrheFx0t6pFhQF0Ds5qMiTxapFEJxB37siTILFkWw5EvoFff7sck/io0MUVp9gcE9W3k5Ks83fKtMJI8PjRx2IBpZkxTKSpoCo0V/yGGSvRAexifLVkmbpqKRLfzCFwrxjIgJJNeyEkmvG/YNarNTWpLkTPeRkj+qbtSMqLczeDSs25OgnXWaXU4m22XOlssxolG96R/RwcM1Es2MGm4dup2jw+x0WkbnP6i/EDGj1BJ5/EJ+haVAyZUQHVN0O5HxOCEoiVwlXsOXWqWRcdb7xdo48LMM2Hxcopi1yG5hOJiTnxjmP07Z8XvGxt7k9Zjj/8gA267MdsPWnWt4zD0qBfDYq8n2GVK3dAYlEZ17ZwRocUaVrHEZf/eTwDFwvJpnF9RT4BBjQy0azWjOakmmAz4PQ5WpOsc57LPSe2mo/BYBSi+SPclxWpAtQ23CRZiXvlRBJs2AnZBFFzYmiIVioTn8YGqnJGcaksO7chW5XDGlOaWptmQcGBENY9mD+rX4sW2vtwqRAFRwn1DeLOiC4TSSPSuw4kdri7NuDi1R6AkSLj4YHcLrqF2CilcYOy1o1EWiR2ICcYXM60bNRwF4P6qaFpZTiyo23LVO4hw88+tKbDO+ZRlaCojho1uVRB5CjBoqzl35ieHNbT7nHDCEnmyF679jbuyv+tKHnaxkKv1MhGqthSdIZQK4t/CPV5LB2oVkK267Dj2E6E0AxmEPtzfC1e4ulR7/21uUSShqWpA/5aHNdHjGAubjPyC7G86N0Vs8BVchwtmSkyWzIR5HqBXegkn5TSztaUBbEmxq9TRVKMP1SacgHw+9xuA8ZfhjqgFlb9M3nxEGaA8GDqIe/nM9GByajNfgv5IETmhCDo9XRemziKoLnv2g4Ykv0UJK+y9SdEZh8WnX87Q/IBFDlFbVsh1MU7F4nTKeOY4d9dADp11ZS6vE6ng2ddc0nbPiHypzdkR8E4khytCuHxRJlt5vlfL6vVWYiYyhHw+NRAjbX8UVHDx/RXr0lSJJ5baCQKkg5lBYoytY3djscoX/XwmJVTilLApoiSr8GLxXcJenYJJUWZCvLZjoubBdNQn3BtfyTxYMbsngN7GLQeGnG8kIAv1gZg4uUNE/UG6mVZsMaKdwnTtcZ62yWnSuqo6ugtokRRLurqFm6SgroiQyR1NIB8HCBOB17pQgLy3/FHVsBhbOiz/4nEnfrsvQ4VKvfY72JI7JiU9pT183zfkVCWEhmB0pJMu3rLZDgUMZDZEQ1EAb11cuGsye6l82tAuZVSaWqrOMfhzLzEORqod5WLxBJvVdICtkqKFsX0K3aCMlE23bYRI7GtFAy37V6ieHbPseeAi21W1UUqXzNe0RPDER2y03ibyqZBSg+iqVIHR6J5cGHJWyrU0irQiBBxZiUkkqBwuXU2Pv2SKJj9FHDmEFDf7bezjLPcgf/Ye6cKssGkBBzbf9Yi9/r7TGfzv5S+0VLanabf3rFXG+PXKmxRT8/68wOSQpozSG5BBAHGTOwQJTNJUE25VAH3qu2NTGRPb1doaExKbO7ECxncy9WKgtgibS5tQgK0uDElvQZ+4Ux/uByLCjlUToY+l5nOz00uIy6FBY3SOAfYNBEk4Yk9xqEkuAaoF35Luiyg5JollAKcG7DdEV1xRtZSpIlfEIDpIBrakzLdd0GHFGCKKI/3tHAIHc2jBTxLDKJYSe5Zeg1d5ghyvqCa1p2V7ySbBESe4501QMS8rqe/IdCrPfMYax0weLTm2cfwsp95g87hrFsEujlUDKfm51xbQe5SsrUFIPeFSSYf07ftnMRcgnN7Jz3LaCED/zAiu3GpihSJVetd2NLurC4Ep4xh05ucUQnHxrxiUK7jVBU4GJrnIBlVK9NVzvKK4GRTRBNoO+ImWSLrp1o6eLHshE83mt6k9VAm2gzRtdrKMDwo44DkNXduxXIbpTZwSLV0bcpJTni9LiCkgM0tD9eHsBSQmc/iRkZVBXKL516P8/icK/U/5Vu1Z9D46MPEF1gHfBl6ZVg3D88Ej1rlSS3GBYExze8132re9QMAb8Wvu5RNZ3Vr3sHuIuGL0+HubPRjBlxmdRX3Z9Hh4L/7P70rU/7i/tzzdruxe7Pg3kTVgPMZXhzug5ID/2fnVWybrqoGPuvwc7n2vVCLybPOn4VYPKJC9ZFvJkboDpwYagcmM6eM5qDiJNlXjD7L56QwbePP76Z+6Gq/MLQ0SPTs79wiJEO8ek///24InXo8PhD6nw36JcnF29MyhT8PA10efG+xrWRAdPc/XPJukTxnZCQacKr1p1q/I3OuhvbsPnx06x/tOH4ucbW9M+n2d11/IOker93ptd47fiZiy8h/mMQZwWnJal47X2LhsYvFOEVmAdHljZ0FJo7lYSt+rphgxAziBnGbfuN6I0HlK8mLp5vWC64knhSc6AuivwMfK2jATdakzuF91WxgUnmM4ybE38lHbBx9DLPB994pRY+Prnpu2ecbeLvf4Svk10uP14qSzDDn63rvJI4hpfJzoSvVzwmcpTP47QvUm53CiVB3Mc3TidzMVx9/wqK6GzR0Rx5+2nVRt152/Pg6Mjh7PpdYkw5cBmyhImH+Z1/Htyxm1Xnvnhx/4muIUde1/MwjdcDNzWPR8RKkk5njOU9E/+Dx/TYzjVtjZr5cHHF8e9uXnwOjemjvX+rsSF928Y/mmNjhK0v2fQ7JvZfLkukFx1t0XL+aBK9tvwPgM7UHv2DK76hf4DD+rf3j2T/W+jCd9fW/xuhKP4rpNOjDANhavU79Zue2XM9UfyF1/ntRt9FfqGbxv9g0Uer/i14T3tt+R9c4QF/MCdWjO1Z928ZGGk8l7P1fOJzlocMv3v1YlK0YGz8D6akjzf+wZSOTeI1F38nAzTs9ioRzGU/ndxl4D766U01aIntkKXYtc88Ms+aLeAIrm+8+yLvoKGPjJ1rfgFLmZgQbWxvmcip1BA/836BUrRZhlGPmdf0YiQjyOcnZTG5+ZOqqoST3cplQszQ7y+T47ynwJrFTJl1b1k/Jnx9Q8L/y/Hzgc7as5qXM3kD7FQHY8baJKmddoQhS8yBppjzn9cAp7MBr2OXFfBtcrQBlF1qFxhqyCjsLnWE8lPvv9IK7x8p09BIzutL0KsgmugJsFeRWk4hwqGjegTz5nNhtjNrTpU09PaeY8IvCr6Vq1+fGggTIaKMtxLJCnyWdyay8JdvhKxOeLxPQELrs4XpGPup8TTHw8ygIBE9wDCi8B7L3Ynip0ZQwRrvuLQ59L4aCnAcF1jcQOYOWSrfPyuFRu7st+FSgQ8v4v0tayy+w1hbboo/Gk87IZDNbbUJ5NBR665mPVuF2SVh5mDaHLLPCdFY1nMWVLBnPlgvlu9jR53eqRIfqoRv3Xs4+ZCiVQTFW+YD1vDg0aTDEySXLYiZzOQhJHsuC23sQLNIytYuJ7+L65IFgHRzo5X2U1+hi/wtt3EwPgrW0x4lkRUkp66rESDU6U0zQ0R75JmEAQS/X7BTosnJlVtzJqOYRl+Mw2o34MZQ9OdU1b+mvYTXXL4HiKsL61V/KIV77B1LljCHb58E+7O55xANArA5fKgdowgGtZJHrAbRctagIFltFT+OyiX0/Mgo/4Et2h8t0Go6CUTpdx/syUOI9hGa2yWaSQwtSufErMMxbMI82/NKD/12z2fC4PZqoeSHjp72bADKlh//Kphy1n4qJJDpPxDMIjV55Elto+2WcLU1/JVzYPuzOpsmxDYIimT0XTGqIvHnDROmkbPGuuHDHHTKSXI12G0tpQEckrG4kclEPed4BRKfG5zGX1ZOaKoPS2cGho43D1+hSEfnHcHVGXfYbJ8yNrCJ3Ppcef77MijlAQ6RSY2XQuRDhHZa3C7RvmgXAbhU3GT8dpBbfqqkb+SZg9yQV1ce8LkKUh6REruE5KC42R2OqZMfBzIbEMw1Mic1r58cw4SvHLUCc6vkhs8kfgGGFgloZADPWKcf73cYkLTEfswd547CfoLeV5/VI3KQT8LN17XP62Yt2E872mHOOiRrJIWRzPwo3jI5Hv7W3pUDNnZKfzBFyjSDLXAu3xFcswAzhwiPJufJ00KbITOV0AmxKSRsZSyUqCKyoWpHFE07Rf04P9oVFctAkqu3YGxt1+W/W86Wg5HWpD0P6aiqkFWHEBkHpLzcEHMffYbEKP1l1UhKDwebgmKVXD1BbiPAyJ1+b4ZZ1R8CSZVyQ6+jfaJAPanvsMEx57SYuzCXQxLMSk7fo+LIMqvJVZoaQM+Gx1x4Xi0vS8OXEC9ADIOtkfOLomNnWJSw73+jb9QLg5D2sThY0Qcff3YjQXjn2LOLux+fDSI8uI9X2hSnl/39eGCg6Ou6OeKaHL//tS7tv9zmMdRCpFN/tYBnqC+TIEmO44q776K7JkclAcjzrkmYM86C7ToiIugwXnyXjU+a/M6TMHZfQtRKAhuI1get1SJ0n6ZOxLWeOgidBrryfkwtSmHmuxxlFCSRbT+1CQp2hJRZiphJhZln1mdtJmSv8XwqFzGTaLw+cC5mbUbdwIrF9Bbdgn76UjrzbTLsiWj7fzgnrYYYnPe9+DuIBDPRxiJ1+o75X0ogjCeqJd8Kap/GGFQ/uRuOVDaDjcN3vqP+HPuOAqPx/uTeX2M1DxRyNXJELXPNWs2atBtEFGSYP/LXtLvClZppDD9qh1+gf3yU1kvugCNXP7sKGCXIIH7P5DXXCplk8pug4u/sdycLnzTbq+TZcMcasw1cWW75yHn7GjPuiRU1x9h+LR5S+qVSsHtqEwqROHV1HMV+xqG2YKNjl7CQkExXSHuzlGmaYDI4KWdthSlK6zBLYQqHPoYVGQC+E6DA7tuFfLtQwomCTv3omZrqxZYnSZJyCf6tHNQd4oBjRO3QCjov2t+tszH9yEFPxMbZh0uSvpMQlTOpA6uSVQ0E05041lTfPYpQYWgwR3FUS7VBIqZUcFuopYGli5BlAJJANoZt3q+yUrCd682THEXhSAWLUBF2NylGljGng+aya4RCFrmWhSQYxeB/6hFmyCTZNUWGpOyiAIY1KUD63q/tdyU809gNmgnPN+PR0PMxKuV9GclRGOX9xDk29r9fcz2wO6Okc8+c6qzXu3TBNVKmoFDftzSIiR+tyVR0rWTuGmCyo/ipSQyyuAgmWsHkIECOjJPteoSnVg1alFAyxZ0goCN+2tjOXCM/esyWFsosRxBGw2hs3/npc0qzbg9oJVggRA9wVkri+nvZgcpdzG8Ri8Y4UZBFhAm8slO8YqkBnYPi50fxnng2wNmzGDFLlQmz3YmjOM900YRhgefAjCcdpi81H9od+xOiAclcLhHs50Kk8NxUbGcnyjYi88bQZ+rWtndnxPY41FlUxKyM2D5sbe9H1O+CtYKfyo8s46OCkN0Z0B6TvllbyOZG0dA6luttfW0v/yqblx+l+BW8Gb6BMZmjLLqaXnIx0TtAgtnlSlUlsYQCWedGKUTjvFYK3Tb3oKRldq9x/Gdj+g1pWq5tf9949bdAdTnNrlqqzLV8EL/34YA0OevgALmE+SOGeylUohytPp6MW6I1id4nL31qFqis95pir172+9tpjjaJct42P0CyIkIi6BzPr5aeBJF+8uJtnouWtM3u9Tju/cqi0/fyqeVJxvnwOcduBu+sJneiKJV6qLOirxdzwdmkL3xq6oBpzdyqBw6w3FNLs840oVgNhuFsIRmjHBV0pEd+NDqPvAzGIJSnXcJfVTlNuKTR/DMDe2xS+bZY+bhoBdnzN+ZuS12v7dmqQLqcGYqhHyishDQqwvXhqLVFR0cVSNz7RrypNqStLTevk6GdUWOWTLGIlyMpmnkn6PvfQpAn3VtJqygJ3SqTuBLP3qhjkQbKz+1zId+GffJ7qHVZMiEpAp+sACvxH3MqiFnzNwD54t5CUF27yCFyHUPqWbC6DRIg+aJjF4VJigvt3lPSj3XZd2B3wV7hBZKlHlWWru1SQQpzfIBG12o9K7cUuDKrBWVPwpH8THkSUF0J9l+31FSwCicGKo8ey/qivItL4Fu3PNhHbVJB93H5d/m0YUMTCr6TTKhF2fp/dAR7A0lH9qU05By07e+XoW34LY5O8s1gXBJgkgs6te91FuswtBWuAX3h0wdutSchYsXR8qyfpa7Cgrvkb71fo28JjbY9bKWQW/06tjrfHGR3HbedMTr3u4j9Ai6oZuNt1jLmtqbZLGCXq0FlUuYPvM4uueLgWzr8ViXGdo8rvykvr8aVO75wOyazSarBNcH3M0K3K8Tve0Ocj0qFsNYo/6f50CxNmYv1HHQHP71oJfm1p0WYI9/LtYBaupJJbXbKcq2/3qx0wqK6jWplV9PvRvlWuKvRV07lmrkTq1zPXUE6T4eIx3qMxeOJtOWuh7l3n14QPJgFmfooghNiGJH9atg3cqwDmdDEoyiEyIv36Bu9KOi88GmjUpcKxqvcgyNFDSSn5fkLXU4LzKVRj/U8jIFYN1s0lJt7njbUqdPB7noFMAkieP2a4wlgYreqYbBHYC6naHqwv5YUKWL3jm+Z+9mn+lkNMW6l8610/X9D5ZEyvcs8na7hYCy+T3KKXH+uqylGa/BRSiDlN2rNDJeR75RcdbelZW7VkQMr8zap8ZHKEUvqxDMgrHpe0vEh/gM89zemxHuoJ/xjp/+/N8bxqLrR3TvNuW8KJW1r0fwnwfw0EBq/3nPRtHgO5qWUrHuQljHN4VGGMHhZPREGpqvA1KIHZ8umNzFvnoc5HpSBlc4GMiok8+mNAKOkj0nQZqGLlgoFosOL6je4NC47rYxcrFrkJYLaDjxAugCSY+wk4VdmUGHxe2fYb8IcN4U5i7vXzT5uPwXP576z50ofpo95I+LEREsxUi0yamAuC6tcZ8E0wDeOcryQxZPXz8J/Q/2wOwOMcIukoQ0Z7+OWpkZYqpnF6tz51UNnjY488aMOv8DzExG/LozlHWCYkKnnVdlyLSYlT7j7+FdLTK6A1FRjG6NM23EcyLVhXdiUHmr59zaB0Ga57U7h/YIqf5b7qYCwhWBb30ewhBHr4Rt9ngqOo10REHZYJaGXVHlQvOHDm6nSzDUItTi1EhjOhuNk5au894au2Xth4PUqM8ZS1NW1NVT9Ia7JOKknfkbOshgI9bBuCftJvbeGwwCj0T4bOl73Wr9HCRtlQ0NHTYCAb9gvcJD/kbkNwcwdmKKaJQ7DbcuarMPxuHJj4yCCpdgEVGfcGDk1TaSwCSvPp8YDcfSwhaPzyoB5lVJ4UKB3Qvus9T3dWqP3juHgGhuatC0SrbnUWE5hT5jEVFwXHRUUPVctQjsRBbB+rtPzS+37yD2/yvhaWuhppan6GN2YPrwsvc9aCTRrVywM61JdKl8BxHUnllAd71VJkeE8ldP7Y9aeGfU9Pg9OCM09Vmhjv1ngE8Q6XVz96wJjSvs8Fnj/xbxn8c5F/U4BI+z7jC/6/rlzzhE2insqdGSPjr9Kov6QHrUpMJncCUHrfVkQZJFvcveItZXX/1bNxHcIsGoyWX8zorl+AWGv7F0zQIZnflJu/FZg/LbXbqvMWnlEC4a9USeQlGoJN6d0j+SfAZVCzhpAnFYVdTm+YPujI2+p2NvJbC4SRZPGM6FVR5Oc8aP4fXOO1aPqPph2uzgJdiy4ZjK9okq6JcP1Rp/2n5f8ZiTq+AzhR9SWXO4bYSy503Z8X0UJAMU9DP9JpQ0/fC6KHL6LoafahPpCqaZOcJtMubHsBOy8pZWtEuXy4tqVh3LEa/Y9k+zWG/tOwM0oQZ92RSXrOW8kk7LquvafiP/f8tzo8idl/HWsd8DZ0spfdTAdazqVDt1p8+L6dIu/yFz07DE8HahYreiYGl3Nx1n2L78Xpf59KPq/v2u7BXYm3DKSDe3SXuVPebnu36fZq0i57o7Fq3BAjY9Q3rQohsxT255bcjLo6FdvJsAIk7cSE2ZmLn8xrhIepkNWlHrc61LhufRnsVUtPv4o+PdDSXPmX8GNPzc1aeRPBxs4z8V8ceHbJC3TET6EMNqGcMDvbv00o8NqYvEHa6yqpbCdTh5G8cLMkj7DXmox9eXoy9GXo//p0fzaNH06xHb77DiH6zIpnVJp19T9MnQqi+9QrSYZVguFzONko7sYpKCRxkmU3rIyAeZ4XEvu5Lpg9lLXoxtOfeL1Z2FpvLGnLDi+gQXmvITi++9QSCio8WJCtWTibPmR5KxrnQ9651/k2Jd7L5II2OMjagxbp2k9MNHqt4gFmTgm4KKfLwD3d73ercJFZlDtQS41H2FXI51qNVPiJ+PA0qVpQcyV9nqlpV64Bc31yZmDx8FYwuytxhZMLYIG6NcAesfmjkCRYEAtJbcyhHvYqGgK1nLcNpojSUcTwOjHmZJpoAW4WscICs0idKX/PoB9Oj9AJF3QrSo6O0I8CJzRvueV9XCDJZyy51pZOcHbyLPJJ1KJ5fb38xVDeyxTy1hKYnnv/I7ZN8vPSyFeSFaCJRxCmnO4clhTBf96dETtBFqGNVyVE+BJZ4aiNSZcuWxvSoNNxVanM4T6/PAiBYvxWzjfDg9P/TpN3yUfVVJlc1FVl1NTOpq+C1JLPEr3zcF6m0JVzYILPQPc8iNAjuRwDYueFioi2NCwvbsRtITZ3Q5siwLZjjyklUrJrECRYZ0FKye5co6efT5kV3ilUaPQAt8AujA9hbIg6JCCU8xdGJKeHqicWwhA8ZZJbdeuHO5fciu+FAezuSvbaQliEzvJfIfHJTzE4hTMXeaIc//Kcr0+mF0NhK5h5OTKNcu9Fxu+FXqcwPF9AsIQKJdfv1bTigq7o8i0mZK6VUk0ZQv2WWrkNE4u9KjSaANL+8q/kppZoJIBjuMg5ZfgdFURDDZc3xKCPh9uXwXEnZXcpkJGhuirDPnh8QzIPCSzceAwu8FlLVguIR8FWz4SM3cFaydzYEAKOC2FYn5Ijaa1AcnYIM15vOPfukAoM1XmLMSWXKGnvn2bu/VgCsWGFvA9CrxfhbPlPm+E+aKUSH3xdu+ZEoNwBOXi9mFtCB6q9qscOZRcS25pjO3rvUAVCF9nO4oyDg+o2UQ8rqHbWtcumrj9b/GOC+DPVR90n6CfgnEKjyrPxJejL0dfjv73jy7sXqwB0PYK/pYXC04wu+VF7J6hWfL7hxFksBxWH55ZRylmFjwXs3jGZjROvLiOXUzWPF8ThxspJAvFi2+p5e+c63NlZJVSavGn/Xd0EdjPXE6lCz9Ud7n5uTFvBs+hRWPOQS19CVBr/Uni1t/ggGNglB0Mvkh4trqY0PiG1d1nTM8Q5vZNi+0u/Ddm1i4Gc3FY/H7kS0L/3xJyl2LT20I/vRmEiDLLMJRU95aQBCF37z2UuTfNvCZwInyg+xkumYHT9Bt4fYbbCig/1YjTGPB1z7bV/Y6D1YJfaDzUoqqidKs2BHHzIuJTMw/jxy+eDxR0yZbq80v6Cy5FkWvLD0ulmSeKtW2SQKXC7N4Qup5Mzvw996zauVXeGvebeXETjjP7DgtXrMTU2jnZkW/sVSWfVjurD7OVSZJmIYtc35Inz+Ry7xLrOvZTBwQ7ma+nzFKZTN57WeRO/yCWnBjdLiLgbYmM55zJnbOlpPTQWXJsKpYKjx/Nt1TqCN4G/fIBBG2B+2E3NqXnGsL88zsJXRGBo1osDmWwG0RIxdLu3dDUQNGIipMEjdVVkSttcFH0rM8ZyaIlaKa7eOCPOk5Im8kUcltJX3ktDh8tkGVGC/4FHCxQupNLOhz0+fTQAMbMoPQUHauEW14rnQxetBtVhcTQEPz+H2rIlBY03uKzPFFXS2btiklDVdmaGT5JYf4o0kCUOTn9i/D47aJodboWpjC1n9/1e5PQXkvLrTgg8V5C16//2aPQ2xwKHdVyw19lzDyYjMXpWh3YNoVIcERcZCd4Lwh7nwHfxpiZh7cZJ+mCHZAgikbLTWS+wHZvcM13KEehAduvpbuuDVonNY7dHdlzvqR31QuEainkTRG1g3BV1W4kpv655uO8pIpvbbm1UaLiAa1WYuiXvCdBJ0PQLhmE8iw8lmaAVetqvwAJeXmmSjjW3gQ0fpVTUQJUly47fd9ntRn2Fx4X5diBVWzytulDTBTNvKNZeV37qQhIpnypmVnSFzWcf2BAO6zphAQkNgA+6wwRqNJrWsyAQUqmnt/xgkjOdWf0tJfn4pd1K4vwyB52ea63duEhuUlwRTK/BjDBFjZ8d1COtn0r0KpxXcaJ9Tpat8nhUYqzG3dIBcnqnHZRuFm0B7cJMFmw0QI7xx8Dy9/7iRw2dPEFx+ocJNljNTv/I07aqQ1mO4W3bAwO4vwLbq89lpZrQ9bzxrV2+AVj4fZ/8e6u/XmyVBS1uPgFR5XnUYtNdzKD4gTG8d7wj1KxuCKnRRMURHa7PHHA9vOL95vmVd2UMrv0/WppVvmALSFq8me1dO3gC4o0R8dDwSjilQBGATVTmH/h1oOkF3jqCa6B/KKYWzVZgS4e0RfVp77g+Db/APd7ZWWZoPPrtY/vZjG9AxK6nj0ZW+AN9nHfdWcYIeyLgaK3LLcSE1KccejQz0at2s0Xb9L/1WRdX250VvSWH5WSVugbhYlOocw7wPDG+vr8F5BjStbVF7zMDy8J/R8gdMajqo7pekxz3jyt3Pdg6ct3m15CvIR4CfES4iXES4iXEC8hXkK8hHgJ8RLiJcRLiP85CK7TCpDPvbauCB+x6Bn9IL5df5VMfHw67p2vFzsu18157mIs0nqDEsgzcyeiTy1c/OC+Pr73zuZ6b0naf8/5Bb87NsFp5pOmD2g6GP8f+53NXJ8AvqF+AmG/DnFcv4p2DKNTiu/NgnQUWh+cT9jUAG9ANmQ2oI246Vms9s4tbXeiAvX2EU/nPU/U5VXqdraIQzLeJpdFuWyyYVRUPNEBIPlT7rc29H0NjVHKqIlxg5u3e6hi9QpkxB2vFnls+9lilFjTVS2NQnXewarMj9fSXBvlhVT7lACWCv0xkaJJIUBZxiMJxfe3YuUK9/lMKcUWIZIoVZP0S0m507/nuREH1VeyUkQO3IOzFIX9Lsl6k0YUYqVKigyFl28nioa1PMsgmqfmYC1YEpJpDcv1gqRz5K/Bpn40Gbqata70fC/XIuwY/ftoT/eRVJVe38ivKtGbxKUw+y96g6I/u9HWcMiuUBjfdIELgzLo6IYCo0UWO7uBZqmhsX3xjYC5oVjfx0o5uSWMkvlqGc3GpnXasaRIXRzP5L3YEO76Bjn1zWpBXzkJMC8kOjUkZ/+WCLOQyUajWAwhraycwEZxuVz02WnmTnemQCVRROdKjVXr0PUT+DfWkgn13dcNoPg6ILivfg4TRSU6/dR122i27Vga5rhypLM4ZKCitG98XXRgo0iz2Ts39C21xCNanN0euj/p9JbUBSy/Q/odElwUKghp1vZS4G/uLR+Q2iYDF+URmfr8HpUR314yiO2043Yw/zl4jUXAjoicD0UnR0ZzxbTKGFgstNSYX9BZPASIDIQ5VYLCs0Zs6jyt2xxkZPvj7caCKkwiQZcsJgxtJDLpIsdbJX2zmiE4ru4YNS0rMjDl6ooA8lL+Upuy06PQgoXN12iN+3vKS7PmD1xhod4BRDGxfAcdYiCa8fgngIoh2s0H+Vn/lKXmS3QG8VcboLHGFlaUW0OdFBL+Byu+L6IR6moeh2oCSMouOgl9Ixi3IWtxI0Pav+JGO3MHPcMjmdk/4kziF2RRZeQ8HB6mu8pxXPJv5Tg+sKcYM1XtkBEOq7ZBmb1NSTZ/Z70Ncq+LAUEabbLS8fRZ4NLO2ndMRLg6j+PFkt10jiiin5wHB03UOwC9r+ITMTbZlvbFivRtjNXr/eFGvHnT3CrxSGma3tpI5ibJNdBtEDw4KcmhmHCk4mzABeiHoIumrNW4bm84a/U5kGSOgJMevUbaTJyD+ukp78n6ETZcHnA6w5nNH1f+TUVUC1pY6Y9MSuqAGhC0pdvQ8Si1CYj7Lt1hI7MPRA/fcLxbJadVSonlgEJX7x8As14np9otNJfl6gpmV+6j+XDCQ1BGT5fXiApbD4oR9ENdv3vXTj+xUNNkXetmJZNkyiRtJ/oxAL93A8wpZo70ApQm5QwF11zPcdSewHt3DpPyMu54xsrIxfVh15qVtfbUpsmQbiQRGerLnCycU23BzimU2lQ57YeQPVe0BNPIveHHmapj5EoYZTUucOJWsMX9ozAvpO2uxJ/Acp2BOUdggejIi1ATaMR9SaIlSZS4aek/jHyc9UMS4YBb1Y+MTJLjfRfRefEi729u89rp9FCJ/m5s65jbrVq1R7XzkCjJBIvtbIL8oqj1J3dWMbHEbWuH32IzhPM7GEL6XyVqqWtq0GeVRNsOGsInA2pL27sOvS01xb+UWB416hPJNCA4OY/bGycEvTNN43Qm1LqJ31HcWXRVtRRm6RMCuTgzrFgsUDTqMNXFdVGUbSkksXrLtFRt7vifcrRdnM2kW29PH47n6tltNB8Det8MMekT8wCr3ZGHT3FumpLyHVK0LfKG6cNkS+dIUfn40uv6HexAvo5Zuw1ZBtKqiqIUH5UKhzEDmkqzAadyrGeIJEFoNP9opWBQbYnUmaD40uJVJ6V2fFXJunuKJCW5pYR/4tAPnI2quC4WwWmgBcV1jqejtWhStW+v92y4FBi2AZL10yJt0rOb9b6cBflbp8Uq7eev2uHwU3EY+yswlsg7SeqJ0psjqolTbKKDi3KZG42J+KzHnUfGgZYkeealu0cPWSL1pktaJc2sttr9IrJd/jWVoc3MOLi5QA+seays/SD+FTPDShxwSVv758Ple9mNjh93gkLSZps5JpbUueuJmi87aV1aSYDrEG5szc4nrEyV8afK9BOQ1ZXDO/7mvZhFaU7LtRXwyg8DS3XD/6S2k1tZqVMthPDPdbX6ApAeKOpToMHWNOktzUKGT4DEWI2lFSsseJXPXvOsh1ZrPrIzRiWKNYY/mB/wFR5OgDHgH4/e05awjK5HTbk/jP7Q7KQ1TwuKL25jMInNT/zUKXhT78pXYypiSGc6p7XJyvFyzdNdhlwdps93v23Wkwk11AiFkh0UTk4299uDkX9nvJ3nKvgBaOQFgKYZIB3WFPcGewNAB4rv8ukB46SldQth49qn6qLbPTdgHZcc10dvOfi7pi2qNa8ZoCNXTP+f2Oc67L/2qXuiTls7BRvP2uWBs3Y2/RgSNNBrlP6ysnvXQ3Sr//n9kT3N8J0MfnLzLzoeMbSZI1qsxgxihBqK131EeLxOSi7LKt8ohe9GySXB3mLJmXTqAbv7DL4g948phbC3ktkrJUnmmQpQYYgk18TgdgbSdXiikZPyRBI3npMKVu3RGMjcBnkXzNwfNvLxsltJza6DQp+h4QvU0NvqpRPtpKW7KJm7pXd5PrlzTlnCzRtvwpYOX3wikWUiPEFhiWL6BLBomQ+RD1sdb+sQfC4qJN7pMj2NMetjBfY0gnvnn2iEk4z3VxNHVivuw4lqeKBzSGmJpLBCNv/UBHKq9bxOb3KFrBMbn3jfBgmHZ23bOv2/pNI1OeC68hD5KU5MX04nzwGrlHchU1de6+eTZJ/c5X2eW4F2M/3mzuHPWC5b+qmeNuMbP9lT9jvmm518BOEdsSQDXO3iZlG649ZuRQKQ1apQKpiXHJk3b5iUEsSwxMwo7bPfucAL8OtWDbH4Dm0Z32x2KtRTVNgFuEWudMiFUlU7O8G440oCmE+Azdzxs2o8oDZZ2jjQ6YSQ+eCuEmXLOjsdiQMA0pob+XUDTByJZHuSGbLdL9+qlTDUQuzp20RqubHgJwep2rZ25K6pmiJxRI4lNTL7QB9at4smMM0jPwjoVlk9L462Sz/Od31+0uYTYMg8bT2V51EViftUFeS8H3QyPWMJa5DQKHiF+L2VKHNSzrNc6Yl95ruNVhL+JOgBSeaLTa7VqDYuisv/TeEH+HstEEoX3/kanUN4YowAiwiw+vmHEPDx2Jb9VASspH54B0Vf8H3UsIKDbIKvPwc4bylA9gRu9u5CNVrlV+ZulQmDCI0aBaqYn6q0skyCwuY1JRME18BAYYNVtKwQrNcCSZ/gI6NSBUprMgm4r7TXkjCTNJeBNBpisPFdNgrskkiceyVJGbR6CwHWY3K1cfbXDZhv+yj1WWbPv8KfJNjczUxy8rOoLGnzW8pKYjU/ESpBE6mMmIL5v+P9M+erYJLnYLbeTNOqve/mWqy2dAWv30T0Hh9WZ12O3GY03m7UhfUZ7pKi9Yvk7GLu3RAJU5QWxOqTLEZPIAda/ZeSWKmUZuZEdtzdJaS/6TO/txaBjcm7FvJdlfKE7OjRSqXM9Qji7D7bxeU7Ia4RUvEk2Xkdtrw0aBMyvGdyu9gs3AgaR2X3wQrSMlfQJp7gpBGd3qR3bI8eemLI9b6MiCY6sBWLe6KOjaqsViYn5UnO/glpv4o8QfKMKBBLPgcvsm2tMFurPivHb+J2sGUT6EzNfFuBS6emn2k/nX5y1HGsWtjO6hMmuUZB0aI7/cil+w+PNDdOUGov8CAUOz8JUL7BbiynAGqgftoe2J5PMl2KLaQgSd7+JKmpyc4xcj+/rK51HPgBLGzqCPYRSBB/rmQPqER931Jl6JrY8IyrznySg+ky6vPreM+hsPT9P3s4pRDtJhwsaBVft0FLf746wiLC158bN4kFs8HadoMoyhBvMVdikghz2httdXQ7vMMTDBlXg9lp1GJq44KjrEYeEgUac9dTPiG/lVruABVIcDcdYv5qS8dF3mx3tSCG8/TV+qyD75T0VYzHsQ1otra0CdHOrYCoiV1JMb7oJAJf9nOIM2455DTolw2vgSYjF/JDdji4Kt8kmstdXj++IyK22+3o/mD25Lv8yXfVJPuo0tFJMo8ermaZJRoY0eBOYWjvzsLibU9JfuIcPDKO1wemaJRtj6LchyIKQpwNmDcaRQS33thCPlpRSI3qWUHQdWNTox+zRQRd7td3PMlVfAfLZbrKt1Ncl3y5a7LdpxgIWBUHu8Tu43X5diL7iI24j+Qf+YxfR1/Cie2kuAgvy+p5dBF+BeuiDh+oxyMIilLOZLClI/CeJAXj+hE29ZoXX7+Cv3XusWrZh+aL/m9OXbRL3zFPwrbiBmrtnX97Qqxjwiut6yajdVW9YUXcxMinwav9AyACWMZqy08EIx3JtbMClGaeuTpGpe/k2zoprL5sDG28xd0X+h/v2nzfV9AHoDZo1g6NYjhkrx9lhdRyW9FZEWGNShzj7WOY2Dgat8MAEE/Yz7se01Kdh7MYYevdvar91sjld1MEG1lnS50W5c8fd6tiJu+XBaUWPzoE6Zq2soUUNWccOt3nDvxxc/yjJ3Fz6pPuGOI+eLhiteJ95nQT3OF5Z7HSOAJxdXRNz7oHzagqllx10eAbp5tlwbFVoSlzqx64X6lM/vVo44xDCG5E/DmIYyxu+nRAYeQ0bd+FtentAlp+zqRrJqF6UVvNP7FF7vF1n276hPH33f/4H1BLAwQUAAIACADJVexIOF/j5UwAAABrAAAAGwAAAHVuaXZlcnNhbC91bml2ZXJzYWwucG5nLnhtbLOxr8jNUShLLSrOzM+zVTLUM1Cyt+PlsikoSi3LTC1XqACKAQUhQEmh0lbJxAjBLc9MKckAqjAwNEMIZqRmpmeU2CqZmyFU6gPNBABQSwECAAAUAAIACABDlFdHDcAxHsABAADaAwAADwAAAAAAAAABAAAAAAAAAAAAbm9uZS9wbGF5ZXIueG1sUEsBAgAAFAACAAgARJRXRyO0Tvv7AgAAsAgAABQAAAAAAAAAAQAAAAAA7QEAAHVuaXZlcnNhbC9wbGF5ZXIueG1sUEsBAgAAFAACAAgAyVXsSB/SzKJDMAAAIFoAABcAAAAAAAAAAAAAAAAAGgUAAHVuaXZlcnNhbC91bml2ZXJzYWwucG5nUEsBAgAAFAACAAgAyVXsSDhf4+VMAAAAawAAABsAAAAAAAAAAQAAAAAAkjUAAHVuaXZlcnNhbC91bml2ZXJzYWwucG5nLnhtbFBLBQYAAAAABAAEAA0BAAAXNgAAAAA="/>
   <p:tag name="ISPRING_SCORM_ENDPOINT" val="&lt;endpoint&gt;&lt;enable&gt;0&lt;/enable&gt;&lt;lrs&gt;http://&lt;/lrs&gt;&lt;auth&gt;0&lt;/auth&gt;&lt;login&gt;&lt;/login&gt;&lt;password&gt;&lt;/password&gt;&lt;key&gt;&lt;/key&gt;&lt;name&gt;&lt;/name&gt;&lt;email&gt;&lt;/email&gt;&lt;/endpoint&gt;&#10;"/>
+  <p:tag name="KSO_WPP_MARK_KEY" val="437bf69f-f1c4-4751-8f50-f8d146eaf5d6"/>
+  <p:tag name="COMMONDATA" val="eyJoZGlkIjoiMDQ0MmQyNDVkMDBkZjFmMTIxMWExNjAzNDRlOWIzNjQifQ=="/>
 </p:tagLst>
 </file>
 
@@ -47412,7 +46329,6 @@
       </a:style>
     </a:spDef>
   </a:objectDefaults>
-  <a:extraClrSchemeLst/>
   <a:extLst>
     <a:ext uri="{05A4C25C-085E-4340-85A3-A5531E510DB2}">
       <thm15:themeFamily xmlns:thm15="http://schemas.microsoft.com/office/thememl/2012/main" name="Office Theme" id="{62F939B6-93AF-4DB8-9C6B-D6C7DFDC589F}" vid="{4A3C46E8-61CC-4603-A589-7422A47A8E4A}"/>
@@ -47672,8 +46588,6 @@
       </a:bgFillStyleLst>
     </a:fmtScheme>
   </a:themeElements>
-  <a:objectDefaults/>
-  <a:extraClrSchemeLst/>
   <a:extLst>
     <a:ext uri="{05A4C25C-085E-4340-85A3-A5531E510DB2}">
       <thm15:themeFamily xmlns:thm15="http://schemas.microsoft.com/office/thememl/2012/main" name="Office Theme" id="{62F939B6-93AF-4DB8-9C6B-D6C7DFDC589F}" vid="{4A3C46E8-61CC-4603-A589-7422A47A8E4A}"/>
